--- a/28. OLTP/GoldenDB分布式数据库.pptx
+++ b/28. OLTP/GoldenDB分布式数据库.pptx
@@ -38,6 +38,7 @@
     <p:sldId id="259" r:id="rId32"/>
     <p:sldId id="257" r:id="rId33"/>
     <p:sldId id="288" r:id="rId34"/>
+    <p:sldId id="302" r:id="rId35"/>
   </p:sldIdLst>
   <p:sldSz cx="12192000" cy="6858000"/>
   <p:notesSz cx="6858000" cy="9144000"/>
@@ -12890,6 +12891,508 @@
     <p:extLst>
       <p:ext uri="{BB962C8B-B14F-4D97-AF65-F5344CB8AC3E}">
         <p14:creationId xmlns:p14="http://schemas.microsoft.com/office/powerpoint/2010/main" val="1843203510"/>
+      </p:ext>
+    </p:extLst>
+  </p:cSld>
+  <p:clrMapOvr>
+    <a:masterClrMapping/>
+  </p:clrMapOvr>
+</p:sld>
+</file>
+
+<file path=ppt/slides/slide34.xml><?xml version="1.0" encoding="utf-8"?>
+<p:sld xmlns:a="http://schemas.openxmlformats.org/drawingml/2006/main" xmlns:r="http://schemas.openxmlformats.org/officeDocument/2006/relationships" xmlns:p="http://schemas.openxmlformats.org/presentationml/2006/main">
+  <p:cSld>
+    <p:spTree>
+      <p:nvGrpSpPr>
+        <p:cNvPr id="1" name=""/>
+        <p:cNvGrpSpPr/>
+        <p:nvPr/>
+      </p:nvGrpSpPr>
+      <p:grpSpPr>
+        <a:xfrm>
+          <a:off x="0" y="0"/>
+          <a:ext cx="0" cy="0"/>
+          <a:chOff x="0" y="0"/>
+          <a:chExt cx="0" cy="0"/>
+        </a:xfrm>
+      </p:grpSpPr>
+      <p:sp>
+        <p:nvSpPr>
+          <p:cNvPr id="2" name="标题 1">
+            <a:extLst>
+              <a:ext uri="{FF2B5EF4-FFF2-40B4-BE49-F238E27FC236}">
+                <a16:creationId xmlns:a16="http://schemas.microsoft.com/office/drawing/2014/main" id="{1DAECAE9-CF09-49A2-8632-A51073B7ADA2}"/>
+              </a:ext>
+            </a:extLst>
+          </p:cNvPr>
+          <p:cNvSpPr>
+            <a:spLocks noGrp="1"/>
+          </p:cNvSpPr>
+          <p:nvPr>
+            <p:ph type="title"/>
+          </p:nvPr>
+        </p:nvSpPr>
+        <p:spPr>
+          <a:xfrm>
+            <a:off x="838200" y="365126"/>
+            <a:ext cx="3516476" cy="471366"/>
+          </a:xfrm>
+        </p:spPr>
+        <p:txBody>
+          <a:bodyPr>
+            <a:normAutofit/>
+          </a:bodyPr>
+          <a:lstStyle/>
+          <a:p>
+            <a:r>
+              <a:rPr lang="zh-CN" altLang="en-US" sz="2400" b="1" dirty="0"/>
+              <a:t>当前问题及后续发展</a:t>
+            </a:r>
+          </a:p>
+        </p:txBody>
+      </p:sp>
+      <p:sp>
+        <p:nvSpPr>
+          <p:cNvPr id="5" name="文本框 4">
+            <a:extLst>
+              <a:ext uri="{FF2B5EF4-FFF2-40B4-BE49-F238E27FC236}">
+                <a16:creationId xmlns:a16="http://schemas.microsoft.com/office/drawing/2014/main" id="{F206ACB5-9873-4AA3-9674-6D46427F4F4F}"/>
+              </a:ext>
+            </a:extLst>
+          </p:cNvPr>
+          <p:cNvSpPr txBox="1"/>
+          <p:nvPr/>
+        </p:nvSpPr>
+        <p:spPr>
+          <a:xfrm>
+            <a:off x="838200" y="881196"/>
+            <a:ext cx="10525852" cy="1200329"/>
+          </a:xfrm>
+          <a:prstGeom prst="rect">
+            <a:avLst/>
+          </a:prstGeom>
+          <a:noFill/>
+        </p:spPr>
+        <p:txBody>
+          <a:bodyPr wrap="square">
+            <a:spAutoFit/>
+          </a:bodyPr>
+          <a:lstStyle/>
+          <a:p>
+            <a:pPr algn="just"/>
+            <a:r>
+              <a:rPr lang="en-US" altLang="zh-CN" b="0" i="0" dirty="0" err="1">
+                <a:solidFill>
+                  <a:srgbClr val="333333"/>
+                </a:solidFill>
+                <a:effectLst/>
+                <a:latin typeface="-apple-system"/>
+              </a:rPr>
+              <a:t>GoldenDB</a:t>
+            </a:r>
+            <a:r>
+              <a:rPr lang="zh-CN" altLang="en-US" b="0" i="0" dirty="0">
+                <a:solidFill>
+                  <a:srgbClr val="333333"/>
+                </a:solidFill>
+                <a:effectLst/>
+                <a:latin typeface="-apple-system"/>
+              </a:rPr>
+              <a:t>目前存在的不足：</a:t>
+            </a:r>
+            <a:endParaRPr lang="en-US" altLang="zh-CN" b="0" i="0" dirty="0">
+              <a:solidFill>
+                <a:srgbClr val="333333"/>
+              </a:solidFill>
+              <a:effectLst/>
+              <a:latin typeface="-apple-system"/>
+            </a:endParaRPr>
+          </a:p>
+          <a:p>
+            <a:pPr algn="just"/>
+            <a:endParaRPr lang="en-US" altLang="zh-CN" dirty="0">
+              <a:solidFill>
+                <a:srgbClr val="333333"/>
+              </a:solidFill>
+              <a:latin typeface="-apple-system"/>
+            </a:endParaRPr>
+          </a:p>
+          <a:p>
+            <a:pPr algn="just"/>
+            <a:endParaRPr lang="en-US" altLang="zh-CN" b="0" i="0" dirty="0">
+              <a:solidFill>
+                <a:srgbClr val="333333"/>
+              </a:solidFill>
+              <a:effectLst/>
+              <a:latin typeface="-apple-system"/>
+            </a:endParaRPr>
+          </a:p>
+          <a:p>
+            <a:pPr algn="just"/>
+            <a:endParaRPr lang="zh-CN" altLang="en-US" b="0" i="0" dirty="0">
+              <a:solidFill>
+                <a:srgbClr val="333333"/>
+              </a:solidFill>
+              <a:effectLst/>
+              <a:latin typeface="-apple-system"/>
+            </a:endParaRPr>
+          </a:p>
+        </p:txBody>
+      </p:sp>
+      <p:sp>
+        <p:nvSpPr>
+          <p:cNvPr id="6" name="文本框 5">
+            <a:extLst>
+              <a:ext uri="{FF2B5EF4-FFF2-40B4-BE49-F238E27FC236}">
+                <a16:creationId xmlns:a16="http://schemas.microsoft.com/office/drawing/2014/main" id="{22FD2946-B31F-4B13-BEF8-955961C734C0}"/>
+              </a:ext>
+            </a:extLst>
+          </p:cNvPr>
+          <p:cNvSpPr txBox="1"/>
+          <p:nvPr/>
+        </p:nvSpPr>
+        <p:spPr>
+          <a:xfrm>
+            <a:off x="833074" y="2828835"/>
+            <a:ext cx="10525852" cy="2308324"/>
+          </a:xfrm>
+          <a:prstGeom prst="rect">
+            <a:avLst/>
+          </a:prstGeom>
+          <a:noFill/>
+        </p:spPr>
+        <p:txBody>
+          <a:bodyPr wrap="square">
+            <a:spAutoFit/>
+          </a:bodyPr>
+          <a:lstStyle/>
+          <a:p>
+            <a:pPr algn="just"/>
+            <a:r>
+              <a:rPr lang="en-US" altLang="zh-CN" b="0" i="0" dirty="0" err="1">
+                <a:solidFill>
+                  <a:srgbClr val="333333"/>
+                </a:solidFill>
+                <a:effectLst/>
+                <a:latin typeface="-apple-system"/>
+              </a:rPr>
+              <a:t>GoldenDB</a:t>
+            </a:r>
+            <a:r>
+              <a:rPr lang="zh-CN" altLang="en-US" dirty="0">
+                <a:solidFill>
+                  <a:srgbClr val="333333"/>
+                </a:solidFill>
+                <a:latin typeface="-apple-system"/>
+              </a:rPr>
+              <a:t>后续发展</a:t>
+            </a:r>
+            <a:r>
+              <a:rPr lang="zh-CN" altLang="en-US" b="0" i="0" dirty="0">
+                <a:solidFill>
+                  <a:srgbClr val="333333"/>
+                </a:solidFill>
+                <a:effectLst/>
+                <a:latin typeface="-apple-system"/>
+              </a:rPr>
+              <a:t>：</a:t>
+            </a:r>
+            <a:endParaRPr lang="en-US" altLang="zh-CN" b="0" i="0" dirty="0">
+              <a:solidFill>
+                <a:srgbClr val="333333"/>
+              </a:solidFill>
+              <a:effectLst/>
+              <a:latin typeface="-apple-system"/>
+            </a:endParaRPr>
+          </a:p>
+          <a:p>
+            <a:pPr algn="just"/>
+            <a:r>
+              <a:rPr lang="en-US" altLang="zh-CN" dirty="0">
+                <a:solidFill>
+                  <a:srgbClr val="333333"/>
+                </a:solidFill>
+                <a:latin typeface="-apple-system"/>
+              </a:rPr>
+              <a:t>1</a:t>
+            </a:r>
+            <a:r>
+              <a:rPr lang="zh-CN" altLang="en-US" dirty="0">
+                <a:solidFill>
+                  <a:srgbClr val="333333"/>
+                </a:solidFill>
+                <a:latin typeface="-apple-system"/>
+              </a:rPr>
+              <a:t>、</a:t>
+            </a:r>
+            <a:r>
+              <a:rPr lang="en-US" altLang="zh-CN" dirty="0">
+                <a:solidFill>
+                  <a:srgbClr val="333333"/>
+                </a:solidFill>
+                <a:latin typeface="-apple-system"/>
+              </a:rPr>
+              <a:t>HTAP</a:t>
+            </a:r>
+            <a:r>
+              <a:rPr lang="zh-CN" altLang="en-US" dirty="0">
+                <a:solidFill>
+                  <a:srgbClr val="333333"/>
+                </a:solidFill>
+                <a:latin typeface="-apple-system"/>
+              </a:rPr>
+              <a:t>架构：整个</a:t>
+            </a:r>
+            <a:r>
+              <a:rPr lang="en-US" altLang="zh-CN" dirty="0">
+                <a:solidFill>
+                  <a:srgbClr val="333333"/>
+                </a:solidFill>
+                <a:latin typeface="-apple-system"/>
+              </a:rPr>
+              <a:t>TP</a:t>
+            </a:r>
+            <a:r>
+              <a:rPr lang="zh-CN" altLang="en-US" dirty="0">
+                <a:solidFill>
+                  <a:srgbClr val="333333"/>
+                </a:solidFill>
+                <a:latin typeface="-apple-system"/>
+              </a:rPr>
+              <a:t>和</a:t>
+            </a:r>
+            <a:r>
+              <a:rPr lang="en-US" altLang="zh-CN" dirty="0">
+                <a:solidFill>
+                  <a:srgbClr val="333333"/>
+                </a:solidFill>
+                <a:latin typeface="-apple-system"/>
+              </a:rPr>
+              <a:t>AP</a:t>
+            </a:r>
+            <a:r>
+              <a:rPr lang="zh-CN" altLang="en-US" dirty="0">
+                <a:solidFill>
+                  <a:srgbClr val="333333"/>
+                </a:solidFill>
+                <a:latin typeface="-apple-system"/>
+              </a:rPr>
+              <a:t>，</a:t>
+            </a:r>
+            <a:r>
+              <a:rPr lang="en-US" altLang="zh-CN" dirty="0">
+                <a:solidFill>
+                  <a:srgbClr val="333333"/>
+                </a:solidFill>
+                <a:latin typeface="-apple-system"/>
+              </a:rPr>
+              <a:t>AP</a:t>
+            </a:r>
+            <a:r>
+              <a:rPr lang="zh-CN" altLang="en-US" dirty="0">
+                <a:solidFill>
+                  <a:srgbClr val="333333"/>
+                </a:solidFill>
+                <a:latin typeface="-apple-system"/>
+              </a:rPr>
+              <a:t>引擎支持</a:t>
+            </a:r>
+            <a:r>
+              <a:rPr lang="en-US" altLang="zh-CN" dirty="0">
+                <a:solidFill>
+                  <a:srgbClr val="333333"/>
+                </a:solidFill>
+                <a:latin typeface="-apple-system"/>
+              </a:rPr>
+              <a:t>DDL</a:t>
+            </a:r>
+            <a:r>
+              <a:rPr lang="zh-CN" altLang="en-US" dirty="0">
+                <a:solidFill>
+                  <a:srgbClr val="333333"/>
+                </a:solidFill>
+                <a:latin typeface="-apple-system"/>
+              </a:rPr>
+              <a:t>、</a:t>
+            </a:r>
+            <a:r>
+              <a:rPr lang="en-US" altLang="zh-CN" dirty="0">
+                <a:solidFill>
+                  <a:srgbClr val="333333"/>
+                </a:solidFill>
+                <a:latin typeface="-apple-system"/>
+              </a:rPr>
+              <a:t>DML</a:t>
+            </a:r>
+            <a:r>
+              <a:rPr lang="zh-CN" altLang="en-US" dirty="0">
+                <a:solidFill>
+                  <a:srgbClr val="333333"/>
+                </a:solidFill>
+                <a:latin typeface="-apple-system"/>
+              </a:rPr>
+              <a:t>、事务、事务等复杂操作</a:t>
+            </a:r>
+            <a:endParaRPr lang="en-US" altLang="zh-CN" dirty="0">
+              <a:solidFill>
+                <a:srgbClr val="333333"/>
+              </a:solidFill>
+              <a:latin typeface="-apple-system"/>
+            </a:endParaRPr>
+          </a:p>
+          <a:p>
+            <a:pPr algn="just"/>
+            <a:r>
+              <a:rPr lang="en-US" altLang="zh-CN" dirty="0">
+                <a:solidFill>
+                  <a:srgbClr val="333333"/>
+                </a:solidFill>
+                <a:latin typeface="-apple-system"/>
+              </a:rPr>
+              <a:t>2</a:t>
+            </a:r>
+            <a:r>
+              <a:rPr lang="zh-CN" altLang="en-US" dirty="0">
+                <a:solidFill>
+                  <a:srgbClr val="333333"/>
+                </a:solidFill>
+                <a:latin typeface="-apple-system"/>
+              </a:rPr>
+              <a:t>、</a:t>
+            </a:r>
+            <a:r>
+              <a:rPr lang="en-US" altLang="zh-CN" dirty="0">
+                <a:solidFill>
+                  <a:srgbClr val="333333"/>
+                </a:solidFill>
+                <a:latin typeface="-apple-system"/>
+              </a:rPr>
+              <a:t>Oracle</a:t>
+            </a:r>
+            <a:r>
+              <a:rPr lang="zh-CN" altLang="en-US" dirty="0">
+                <a:solidFill>
+                  <a:srgbClr val="333333"/>
+                </a:solidFill>
+                <a:latin typeface="-apple-system"/>
+              </a:rPr>
+              <a:t>兼容性</a:t>
+            </a:r>
+            <a:endParaRPr lang="en-US" altLang="zh-CN" dirty="0">
+              <a:solidFill>
+                <a:srgbClr val="333333"/>
+              </a:solidFill>
+              <a:latin typeface="-apple-system"/>
+            </a:endParaRPr>
+          </a:p>
+          <a:p>
+            <a:pPr algn="just"/>
+            <a:r>
+              <a:rPr lang="en-US" altLang="zh-CN" dirty="0">
+                <a:solidFill>
+                  <a:srgbClr val="333333"/>
+                </a:solidFill>
+                <a:latin typeface="-apple-system"/>
+              </a:rPr>
+              <a:t>3</a:t>
+            </a:r>
+            <a:r>
+              <a:rPr lang="zh-CN" altLang="en-US" dirty="0">
+                <a:solidFill>
+                  <a:srgbClr val="333333"/>
+                </a:solidFill>
+                <a:latin typeface="-apple-system"/>
+              </a:rPr>
+              <a:t>、计算节点和存储节点的兼容性</a:t>
+            </a:r>
+            <a:endParaRPr lang="en-US" altLang="zh-CN" dirty="0">
+              <a:solidFill>
+                <a:srgbClr val="333333"/>
+              </a:solidFill>
+              <a:latin typeface="-apple-system"/>
+            </a:endParaRPr>
+          </a:p>
+          <a:p>
+            <a:pPr algn="just"/>
+            <a:r>
+              <a:rPr lang="en-US" altLang="zh-CN" dirty="0">
+                <a:solidFill>
+                  <a:srgbClr val="333333"/>
+                </a:solidFill>
+                <a:latin typeface="-apple-system"/>
+              </a:rPr>
+              <a:t>4</a:t>
+            </a:r>
+            <a:r>
+              <a:rPr lang="zh-CN" altLang="en-US" dirty="0">
+                <a:solidFill>
+                  <a:srgbClr val="333333"/>
+                </a:solidFill>
+                <a:latin typeface="-apple-system"/>
+              </a:rPr>
+              <a:t>、减少网元，统一采用</a:t>
+            </a:r>
+            <a:r>
+              <a:rPr lang="en-US" altLang="zh-CN" dirty="0" err="1">
+                <a:solidFill>
+                  <a:srgbClr val="333333"/>
+                </a:solidFill>
+                <a:latin typeface="-apple-system"/>
+              </a:rPr>
+              <a:t>zk</a:t>
+            </a:r>
+            <a:r>
+              <a:rPr lang="zh-CN" altLang="en-US" dirty="0">
+                <a:solidFill>
+                  <a:srgbClr val="333333"/>
+                </a:solidFill>
+                <a:latin typeface="-apple-system"/>
+              </a:rPr>
+              <a:t>实现元数据、管理数据的管理</a:t>
+            </a:r>
+            <a:endParaRPr lang="en-US" altLang="zh-CN" dirty="0">
+              <a:solidFill>
+                <a:srgbClr val="333333"/>
+              </a:solidFill>
+              <a:latin typeface="-apple-system"/>
+            </a:endParaRPr>
+          </a:p>
+          <a:p>
+            <a:pPr algn="just"/>
+            <a:endParaRPr lang="en-US" altLang="zh-CN" dirty="0">
+              <a:solidFill>
+                <a:srgbClr val="333333"/>
+              </a:solidFill>
+              <a:latin typeface="-apple-system"/>
+            </a:endParaRPr>
+          </a:p>
+          <a:p>
+            <a:pPr algn="just"/>
+            <a:endParaRPr lang="en-US" altLang="zh-CN" b="0" i="0" dirty="0">
+              <a:solidFill>
+                <a:srgbClr val="333333"/>
+              </a:solidFill>
+              <a:effectLst/>
+              <a:latin typeface="-apple-system"/>
+            </a:endParaRPr>
+          </a:p>
+          <a:p>
+            <a:pPr algn="just"/>
+            <a:endParaRPr lang="zh-CN" altLang="en-US" b="0" i="0" dirty="0">
+              <a:solidFill>
+                <a:srgbClr val="333333"/>
+              </a:solidFill>
+              <a:effectLst/>
+              <a:latin typeface="-apple-system"/>
+            </a:endParaRPr>
+          </a:p>
+        </p:txBody>
+      </p:sp>
+    </p:spTree>
+    <p:extLst>
+      <p:ext uri="{BB962C8B-B14F-4D97-AF65-F5344CB8AC3E}">
+        <p14:creationId xmlns:p14="http://schemas.microsoft.com/office/powerpoint/2010/main" val="3454608221"/>
       </p:ext>
     </p:extLst>
   </p:cSld>

--- a/28. OLTP/GoldenDB分布式数据库.pptx
+++ b/28. OLTP/GoldenDB分布式数据库.pptx
@@ -5,7 +5,7 @@
     <p:sldMasterId id="2147483648" r:id="rId1"/>
   </p:sldMasterIdLst>
   <p:notesMasterIdLst>
-    <p:notesMasterId r:id="rId40"/>
+    <p:notesMasterId r:id="rId38"/>
   </p:notesMasterIdLst>
   <p:sldIdLst>
     <p:sldId id="298" r:id="rId2"/>
@@ -36,16 +36,14 @@
     <p:sldId id="292" r:id="rId27"/>
     <p:sldId id="291" r:id="rId28"/>
     <p:sldId id="263" r:id="rId29"/>
-    <p:sldId id="258" r:id="rId30"/>
-    <p:sldId id="286" r:id="rId31"/>
-    <p:sldId id="262" r:id="rId32"/>
-    <p:sldId id="276" r:id="rId33"/>
-    <p:sldId id="261" r:id="rId34"/>
-    <p:sldId id="260" r:id="rId35"/>
-    <p:sldId id="259" r:id="rId36"/>
-    <p:sldId id="257" r:id="rId37"/>
-    <p:sldId id="288" r:id="rId38"/>
-    <p:sldId id="302" r:id="rId39"/>
+    <p:sldId id="286" r:id="rId30"/>
+    <p:sldId id="276" r:id="rId31"/>
+    <p:sldId id="310" r:id="rId32"/>
+    <p:sldId id="260" r:id="rId33"/>
+    <p:sldId id="259" r:id="rId34"/>
+    <p:sldId id="257" r:id="rId35"/>
+    <p:sldId id="288" r:id="rId36"/>
+    <p:sldId id="302" r:id="rId37"/>
   </p:sldIdLst>
   <p:sldSz cx="12192000" cy="6858000"/>
   <p:notesSz cx="6858000" cy="9144000"/>
@@ -1048,6 +1046,180 @@
           <a:bodyPr/>
           <a:lstStyle/>
           <a:p>
+            <a:r>
+              <a:rPr lang="zh-CN" altLang="en-US" sz="1200" b="0" i="0" spc="0" dirty="0">
+                <a:solidFill>
+                  <a:srgbClr val="000000"/>
+                </a:solidFill>
+                <a:effectLst/>
+                <a:latin typeface="仿宋" panose="02010609060101010101" pitchFamily="49" charset="-122"/>
+                <a:ea typeface="仿宋" panose="02010609060101010101" pitchFamily="49" charset="-122"/>
+              </a:rPr>
+              <a:t>当</a:t>
+            </a:r>
+            <a:r>
+              <a:rPr lang="en-US" altLang="zh-CN" sz="1200" b="0" i="0" spc="0" dirty="0">
+                <a:solidFill>
+                  <a:srgbClr val="000000"/>
+                </a:solidFill>
+                <a:effectLst/>
+                <a:latin typeface="Times New Roman" panose="02020603050405020304" pitchFamily="18" charset="0"/>
+              </a:rPr>
+              <a:t>proxy</a:t>
+            </a:r>
+            <a:r>
+              <a:rPr lang="zh-CN" altLang="en-US" sz="1200" b="0" i="0" spc="0" dirty="0">
+                <a:solidFill>
+                  <a:srgbClr val="000000"/>
+                </a:solidFill>
+                <a:effectLst/>
+                <a:latin typeface="仿宋" panose="02010609060101010101" pitchFamily="49" charset="-122"/>
+                <a:ea typeface="仿宋" panose="02010609060101010101" pitchFamily="49" charset="-122"/>
+              </a:rPr>
+              <a:t>隔离级别定义为</a:t>
+            </a:r>
+            <a:r>
+              <a:rPr lang="en-US" altLang="zh-CN" sz="1200" b="0" i="0" spc="0" dirty="0">
+                <a:solidFill>
+                  <a:srgbClr val="000000"/>
+                </a:solidFill>
+                <a:effectLst/>
+                <a:latin typeface="Times New Roman" panose="02020603050405020304" pitchFamily="18" charset="0"/>
+              </a:rPr>
+              <a:t>CR</a:t>
+            </a:r>
+            <a:r>
+              <a:rPr lang="zh-CN" altLang="en-US" sz="1200" b="0" i="0" spc="0" dirty="0">
+                <a:solidFill>
+                  <a:srgbClr val="000000"/>
+                </a:solidFill>
+                <a:effectLst/>
+                <a:latin typeface="仿宋" panose="02010609060101010101" pitchFamily="49" charset="-122"/>
+                <a:ea typeface="仿宋" panose="02010609060101010101" pitchFamily="49" charset="-122"/>
+              </a:rPr>
+              <a:t>时候，查询数据时，通过检查数据行</a:t>
+            </a:r>
+            <a:r>
+              <a:rPr lang="en-US" altLang="zh-CN" sz="1200" b="0" i="0" spc="0" dirty="0">
+                <a:solidFill>
+                  <a:srgbClr val="000000"/>
+                </a:solidFill>
+                <a:effectLst/>
+                <a:latin typeface="Times New Roman" panose="02020603050405020304" pitchFamily="18" charset="0"/>
+              </a:rPr>
+              <a:t>GTID</a:t>
+            </a:r>
+            <a:r>
+              <a:rPr lang="zh-CN" altLang="en-US" sz="1200" b="0" i="0" spc="0" dirty="0">
+                <a:solidFill>
+                  <a:srgbClr val="000000"/>
+                </a:solidFill>
+                <a:effectLst/>
+                <a:latin typeface="仿宋" panose="02010609060101010101" pitchFamily="49" charset="-122"/>
+                <a:ea typeface="仿宋" panose="02010609060101010101" pitchFamily="49" charset="-122"/>
+              </a:rPr>
+              <a:t>列对应的全局状态，来判断该数据行是否正在被其它全局事务修改。如果</a:t>
+            </a:r>
+            <a:r>
+              <a:rPr lang="en-US" altLang="zh-CN" sz="1200" b="0" i="0" spc="0" dirty="0">
+                <a:solidFill>
+                  <a:srgbClr val="000000"/>
+                </a:solidFill>
+                <a:effectLst/>
+                <a:latin typeface="Times New Roman" panose="02020603050405020304" pitchFamily="18" charset="0"/>
+              </a:rPr>
+              <a:t>GTID</a:t>
+            </a:r>
+            <a:r>
+              <a:rPr lang="zh-CN" altLang="en-US" sz="1200" b="0" i="0" spc="0" dirty="0">
+                <a:solidFill>
+                  <a:srgbClr val="000000"/>
+                </a:solidFill>
+                <a:effectLst/>
+                <a:latin typeface="仿宋" panose="02010609060101010101" pitchFamily="49" charset="-122"/>
+                <a:ea typeface="仿宋" panose="02010609060101010101" pitchFamily="49" charset="-122"/>
+              </a:rPr>
+              <a:t>在全局活跃事务列表中，则表明该数据正在被修改，不能返回给应用。</a:t>
+            </a:r>
+            <a:endParaRPr lang="en-US" altLang="zh-CN" sz="1200" b="0" i="0" spc="0" dirty="0">
+              <a:solidFill>
+                <a:srgbClr val="000000"/>
+              </a:solidFill>
+              <a:effectLst/>
+              <a:latin typeface="仿宋" panose="02010609060101010101" pitchFamily="49" charset="-122"/>
+              <a:ea typeface="仿宋" panose="02010609060101010101" pitchFamily="49" charset="-122"/>
+            </a:endParaRPr>
+          </a:p>
+          <a:p>
+            <a:r>
+              <a:rPr lang="zh-CN" altLang="en-US" sz="1200" b="0" i="0" spc="0" dirty="0">
+                <a:solidFill>
+                  <a:srgbClr val="FF0000"/>
+                </a:solidFill>
+                <a:effectLst/>
+                <a:latin typeface="仿宋" panose="02010609060101010101" pitchFamily="49" charset="-122"/>
+                <a:ea typeface="仿宋" panose="02010609060101010101" pitchFamily="49" charset="-122"/>
+              </a:rPr>
+              <a:t>在一致性读的过程中，如果事务已提交即</a:t>
+            </a:r>
+            <a:r>
+              <a:rPr lang="en-US" altLang="zh-CN" sz="1200" b="0" i="0" spc="0" dirty="0">
+                <a:solidFill>
+                  <a:srgbClr val="FF0000"/>
+                </a:solidFill>
+                <a:effectLst/>
+                <a:latin typeface="Times New Roman" panose="02020603050405020304" pitchFamily="18" charset="0"/>
+              </a:rPr>
+              <a:t>GTID</a:t>
+            </a:r>
+            <a:r>
+              <a:rPr lang="zh-CN" altLang="en-US" sz="1200" b="0" i="0" spc="0" dirty="0">
+                <a:solidFill>
+                  <a:srgbClr val="FF0000"/>
+                </a:solidFill>
+                <a:effectLst/>
+                <a:latin typeface="仿宋" panose="02010609060101010101" pitchFamily="49" charset="-122"/>
+                <a:ea typeface="仿宋" panose="02010609060101010101" pitchFamily="49" charset="-122"/>
+              </a:rPr>
+              <a:t>不在活跃事务列表中，则返回的是已提交的数据；如果事务未提交，即</a:t>
+            </a:r>
+            <a:r>
+              <a:rPr lang="en-US" altLang="zh-CN" sz="1200" b="0" i="0" spc="0" dirty="0">
+                <a:solidFill>
+                  <a:srgbClr val="FF0000"/>
+                </a:solidFill>
+                <a:effectLst/>
+                <a:latin typeface="Times New Roman" panose="02020603050405020304" pitchFamily="18" charset="0"/>
+              </a:rPr>
+              <a:t>GTID</a:t>
+            </a:r>
+            <a:r>
+              <a:rPr lang="zh-CN" altLang="en-US" sz="1200" b="0" i="0" spc="0" dirty="0">
+                <a:solidFill>
+                  <a:srgbClr val="FF0000"/>
+                </a:solidFill>
+                <a:effectLst/>
+                <a:latin typeface="仿宋" panose="02010609060101010101" pitchFamily="49" charset="-122"/>
+                <a:ea typeface="仿宋" panose="02010609060101010101" pitchFamily="49" charset="-122"/>
+              </a:rPr>
+              <a:t>在活跃事务列表中，则返回的是事务提交之前的数据，这样即满足了隔离性要求</a:t>
+            </a:r>
+            <a:r>
+              <a:rPr lang="zh-CN" altLang="en-US" sz="1200" b="0" i="0" spc="0" dirty="0">
+                <a:solidFill>
+                  <a:srgbClr val="000000"/>
+                </a:solidFill>
+                <a:effectLst/>
+                <a:latin typeface="仿宋" panose="02010609060101010101" pitchFamily="49" charset="-122"/>
+                <a:ea typeface="仿宋" panose="02010609060101010101" pitchFamily="49" charset="-122"/>
+              </a:rPr>
+              <a:t>。</a:t>
+            </a:r>
+            <a:endParaRPr lang="zh-CN" altLang="en-US" dirty="0">
+              <a:effectLst/>
+            </a:endParaRPr>
+          </a:p>
+          <a:p>
             <a:endParaRPr lang="zh-CN" altLang="en-US" dirty="0"/>
           </a:p>
         </p:txBody>
@@ -1069,6 +1241,324 @@
           <a:p>
             <a:fld id="{D0980B82-C7B9-4E3A-A834-69DA7504355C}" type="slidenum">
               <a:rPr lang="zh-CN" altLang="en-US" smtClean="0"/>
+              <a:t>18</a:t>
+            </a:fld>
+            <a:endParaRPr lang="zh-CN" altLang="en-US"/>
+          </a:p>
+        </p:txBody>
+      </p:sp>
+    </p:spTree>
+    <p:extLst>
+      <p:ext uri="{BB962C8B-B14F-4D97-AF65-F5344CB8AC3E}">
+        <p14:creationId xmlns:p14="http://schemas.microsoft.com/office/powerpoint/2010/main" val="1551843182"/>
+      </p:ext>
+    </p:extLst>
+  </p:cSld>
+  <p:clrMapOvr>
+    <a:masterClrMapping/>
+  </p:clrMapOvr>
+</p:notes>
+</file>
+
+<file path=ppt/notesSlides/notesSlide4.xml><?xml version="1.0" encoding="utf-8"?>
+<p:notes xmlns:a="http://schemas.openxmlformats.org/drawingml/2006/main" xmlns:r="http://schemas.openxmlformats.org/officeDocument/2006/relationships" xmlns:p="http://schemas.openxmlformats.org/presentationml/2006/main">
+  <p:cSld>
+    <p:spTree>
+      <p:nvGrpSpPr>
+        <p:cNvPr id="1" name=""/>
+        <p:cNvGrpSpPr/>
+        <p:nvPr/>
+      </p:nvGrpSpPr>
+      <p:grpSpPr>
+        <a:xfrm>
+          <a:off x="0" y="0"/>
+          <a:ext cx="0" cy="0"/>
+          <a:chOff x="0" y="0"/>
+          <a:chExt cx="0" cy="0"/>
+        </a:xfrm>
+      </p:grpSpPr>
+      <p:sp>
+        <p:nvSpPr>
+          <p:cNvPr id="2" name="幻灯片图像占位符 1"/>
+          <p:cNvSpPr>
+            <a:spLocks noGrp="1" noRot="1" noChangeAspect="1"/>
+          </p:cNvSpPr>
+          <p:nvPr>
+            <p:ph type="sldImg"/>
+          </p:nvPr>
+        </p:nvSpPr>
+        <p:spPr/>
+      </p:sp>
+      <p:sp>
+        <p:nvSpPr>
+          <p:cNvPr id="3" name="备注占位符 2"/>
+          <p:cNvSpPr>
+            <a:spLocks noGrp="1"/>
+          </p:cNvSpPr>
+          <p:nvPr>
+            <p:ph type="body" idx="1"/>
+          </p:nvPr>
+        </p:nvSpPr>
+        <p:spPr/>
+        <p:txBody>
+          <a:bodyPr/>
+          <a:lstStyle/>
+          <a:p>
+            <a:pPr marL="0" marR="0" lvl="0" indent="0" algn="l" defTabSz="914400" rtl="0" eaLnBrk="1" fontAlgn="auto" latinLnBrk="0" hangingPunct="1">
+              <a:lnSpc>
+                <a:spcPct val="100000"/>
+              </a:lnSpc>
+              <a:spcBef>
+                <a:spcPts val="0"/>
+              </a:spcBef>
+              <a:spcAft>
+                <a:spcPts val="0"/>
+              </a:spcAft>
+              <a:buClrTx/>
+              <a:buSzTx/>
+              <a:buFontTx/>
+              <a:buNone/>
+              <a:tabLst/>
+              <a:defRPr/>
+            </a:pPr>
+            <a:r>
+              <a:rPr lang="en-US" altLang="zh-CN" sz="1200" b="0" i="0" spc="0" dirty="0">
+                <a:solidFill>
+                  <a:srgbClr val="FF0000"/>
+                </a:solidFill>
+                <a:effectLst/>
+                <a:latin typeface="Times New Roman" panose="02020603050405020304" pitchFamily="18" charset="0"/>
+              </a:rPr>
+              <a:t>MVCC</a:t>
+            </a:r>
+            <a:r>
+              <a:rPr lang="zh-CN" altLang="en-US" sz="1200" b="0" i="0" spc="0" dirty="0">
+                <a:solidFill>
+                  <a:srgbClr val="FF0000"/>
+                </a:solidFill>
+                <a:effectLst/>
+                <a:latin typeface="仿宋" panose="02010609060101010101" pitchFamily="49" charset="-122"/>
+                <a:ea typeface="仿宋" panose="02010609060101010101" pitchFamily="49" charset="-122"/>
+              </a:rPr>
+              <a:t>模式下的一致性读的好处是通过</a:t>
+            </a:r>
+            <a:r>
+              <a:rPr lang="en-US" altLang="zh-CN" sz="1200" b="0" i="0" spc="0" dirty="0">
+                <a:solidFill>
+                  <a:srgbClr val="FF0000"/>
+                </a:solidFill>
+                <a:effectLst/>
+                <a:latin typeface="Times New Roman" panose="02020603050405020304" pitchFamily="18" charset="0"/>
+              </a:rPr>
+              <a:t>MVCC</a:t>
+            </a:r>
+            <a:r>
+              <a:rPr lang="zh-CN" altLang="en-US" sz="1200" b="0" i="0" spc="0" dirty="0">
+                <a:solidFill>
+                  <a:srgbClr val="FF0000"/>
+                </a:solidFill>
+                <a:effectLst/>
+                <a:latin typeface="仿宋" panose="02010609060101010101" pitchFamily="49" charset="-122"/>
+                <a:ea typeface="仿宋" panose="02010609060101010101" pitchFamily="49" charset="-122"/>
+              </a:rPr>
+              <a:t>多版本并发控制，能够</a:t>
+            </a:r>
+            <a:r>
+              <a:rPr lang="zh-CN" altLang="en-US" sz="1200" b="1" i="0" spc="0" dirty="0">
+                <a:solidFill>
+                  <a:srgbClr val="FF0000"/>
+                </a:solidFill>
+                <a:effectLst/>
+                <a:latin typeface="仿宋" panose="02010609060101010101" pitchFamily="49" charset="-122"/>
+                <a:ea typeface="仿宋" panose="02010609060101010101" pitchFamily="49" charset="-122"/>
+              </a:rPr>
+              <a:t>保证读一致性，并且写不阻塞读</a:t>
+            </a:r>
+            <a:r>
+              <a:rPr lang="zh-CN" altLang="en-US" sz="1200" b="0" i="0" spc="0" dirty="0">
+                <a:solidFill>
+                  <a:srgbClr val="FF0000"/>
+                </a:solidFill>
+                <a:effectLst/>
+                <a:latin typeface="仿宋" panose="02010609060101010101" pitchFamily="49" charset="-122"/>
+                <a:ea typeface="仿宋" panose="02010609060101010101" pitchFamily="49" charset="-122"/>
+              </a:rPr>
+              <a:t>。同时将</a:t>
+            </a:r>
+            <a:r>
+              <a:rPr lang="en-US" altLang="zh-CN" sz="1200" b="0" i="0" spc="0" dirty="0">
+                <a:solidFill>
+                  <a:srgbClr val="FF0000"/>
+                </a:solidFill>
+                <a:effectLst/>
+                <a:latin typeface="Times New Roman" panose="02020603050405020304" pitchFamily="18" charset="0"/>
+              </a:rPr>
+              <a:t>GTID</a:t>
+            </a:r>
+            <a:r>
+              <a:rPr lang="zh-CN" altLang="en-US" sz="1200" b="0" i="0" spc="0" dirty="0">
+                <a:solidFill>
+                  <a:srgbClr val="FF0000"/>
+                </a:solidFill>
+                <a:effectLst/>
+                <a:latin typeface="仿宋" panose="02010609060101010101" pitchFamily="49" charset="-122"/>
+                <a:ea typeface="仿宋" panose="02010609060101010101" pitchFamily="49" charset="-122"/>
+              </a:rPr>
+              <a:t>的活跃判断检测下推到了数据节点，</a:t>
+            </a:r>
+            <a:r>
+              <a:rPr lang="zh-CN" altLang="en-US" sz="1200" b="1" i="0" spc="0" dirty="0">
+                <a:solidFill>
+                  <a:srgbClr val="FF0000"/>
+                </a:solidFill>
+                <a:effectLst/>
+                <a:latin typeface="仿宋" panose="02010609060101010101" pitchFamily="49" charset="-122"/>
+                <a:ea typeface="仿宋" panose="02010609060101010101" pitchFamily="49" charset="-122"/>
+              </a:rPr>
+              <a:t>避免了计算节点获取所有结果集进行活跃判断而导致的</a:t>
+            </a:r>
+            <a:r>
+              <a:rPr lang="en-US" altLang="zh-CN" sz="1200" b="1" i="0" spc="0" dirty="0">
+                <a:solidFill>
+                  <a:srgbClr val="FF0000"/>
+                </a:solidFill>
+                <a:effectLst/>
+                <a:latin typeface="Times New Roman" panose="02020603050405020304" pitchFamily="18" charset="0"/>
+              </a:rPr>
+              <a:t>Proxy</a:t>
+            </a:r>
+            <a:r>
+              <a:rPr lang="zh-CN" altLang="en-US" sz="1200" b="1" i="0" spc="0" dirty="0">
+                <a:solidFill>
+                  <a:srgbClr val="FF0000"/>
+                </a:solidFill>
+                <a:effectLst/>
+                <a:latin typeface="仿宋" panose="02010609060101010101" pitchFamily="49" charset="-122"/>
+                <a:ea typeface="仿宋" panose="02010609060101010101" pitchFamily="49" charset="-122"/>
+              </a:rPr>
+              <a:t>内存开销增大的风险</a:t>
+            </a:r>
+            <a:r>
+              <a:rPr lang="zh-CN" altLang="en-US" sz="1200" b="0" i="0" spc="0" dirty="0">
+                <a:solidFill>
+                  <a:srgbClr val="FF0000"/>
+                </a:solidFill>
+                <a:effectLst/>
+                <a:latin typeface="仿宋" panose="02010609060101010101" pitchFamily="49" charset="-122"/>
+                <a:ea typeface="仿宋" panose="02010609060101010101" pitchFamily="49" charset="-122"/>
+              </a:rPr>
+              <a:t>。</a:t>
+            </a:r>
+            <a:endParaRPr lang="zh-CN" altLang="en-US" dirty="0">
+              <a:effectLst/>
+            </a:endParaRPr>
+          </a:p>
+          <a:p>
+            <a:endParaRPr lang="zh-CN" altLang="en-US" dirty="0"/>
+          </a:p>
+        </p:txBody>
+      </p:sp>
+      <p:sp>
+        <p:nvSpPr>
+          <p:cNvPr id="4" name="灯片编号占位符 3"/>
+          <p:cNvSpPr>
+            <a:spLocks noGrp="1"/>
+          </p:cNvSpPr>
+          <p:nvPr>
+            <p:ph type="sldNum" sz="quarter" idx="5"/>
+          </p:nvPr>
+        </p:nvSpPr>
+        <p:spPr/>
+        <p:txBody>
+          <a:bodyPr/>
+          <a:lstStyle/>
+          <a:p>
+            <a:fld id="{D0980B82-C7B9-4E3A-A834-69DA7504355C}" type="slidenum">
+              <a:rPr lang="zh-CN" altLang="en-US" smtClean="0"/>
+              <a:t>19</a:t>
+            </a:fld>
+            <a:endParaRPr lang="zh-CN" altLang="en-US"/>
+          </a:p>
+        </p:txBody>
+      </p:sp>
+    </p:spTree>
+    <p:extLst>
+      <p:ext uri="{BB962C8B-B14F-4D97-AF65-F5344CB8AC3E}">
+        <p14:creationId xmlns:p14="http://schemas.microsoft.com/office/powerpoint/2010/main" val="2330135855"/>
+      </p:ext>
+    </p:extLst>
+  </p:cSld>
+  <p:clrMapOvr>
+    <a:masterClrMapping/>
+  </p:clrMapOvr>
+</p:notes>
+</file>
+
+<file path=ppt/notesSlides/notesSlide5.xml><?xml version="1.0" encoding="utf-8"?>
+<p:notes xmlns:a="http://schemas.openxmlformats.org/drawingml/2006/main" xmlns:r="http://schemas.openxmlformats.org/officeDocument/2006/relationships" xmlns:p="http://schemas.openxmlformats.org/presentationml/2006/main">
+  <p:cSld>
+    <p:spTree>
+      <p:nvGrpSpPr>
+        <p:cNvPr id="1" name=""/>
+        <p:cNvGrpSpPr/>
+        <p:nvPr/>
+      </p:nvGrpSpPr>
+      <p:grpSpPr>
+        <a:xfrm>
+          <a:off x="0" y="0"/>
+          <a:ext cx="0" cy="0"/>
+          <a:chOff x="0" y="0"/>
+          <a:chExt cx="0" cy="0"/>
+        </a:xfrm>
+      </p:grpSpPr>
+      <p:sp>
+        <p:nvSpPr>
+          <p:cNvPr id="2" name="幻灯片图像占位符 1"/>
+          <p:cNvSpPr>
+            <a:spLocks noGrp="1" noRot="1" noChangeAspect="1"/>
+          </p:cNvSpPr>
+          <p:nvPr>
+            <p:ph type="sldImg"/>
+          </p:nvPr>
+        </p:nvSpPr>
+        <p:spPr/>
+      </p:sp>
+      <p:sp>
+        <p:nvSpPr>
+          <p:cNvPr id="3" name="备注占位符 2"/>
+          <p:cNvSpPr>
+            <a:spLocks noGrp="1"/>
+          </p:cNvSpPr>
+          <p:nvPr>
+            <p:ph type="body" idx="1"/>
+          </p:nvPr>
+        </p:nvSpPr>
+        <p:spPr/>
+        <p:txBody>
+          <a:bodyPr/>
+          <a:lstStyle/>
+          <a:p>
+            <a:endParaRPr lang="zh-CN" altLang="en-US" dirty="0"/>
+          </a:p>
+        </p:txBody>
+      </p:sp>
+      <p:sp>
+        <p:nvSpPr>
+          <p:cNvPr id="4" name="灯片编号占位符 3"/>
+          <p:cNvSpPr>
+            <a:spLocks noGrp="1"/>
+          </p:cNvSpPr>
+          <p:nvPr>
+            <p:ph type="sldNum" sz="quarter" idx="5"/>
+          </p:nvPr>
+        </p:nvSpPr>
+        <p:spPr/>
+        <p:txBody>
+          <a:bodyPr/>
+          <a:lstStyle/>
+          <a:p>
+            <a:fld id="{D0980B82-C7B9-4E3A-A834-69DA7504355C}" type="slidenum">
+              <a:rPr lang="zh-CN" altLang="en-US" smtClean="0"/>
               <a:t>23</a:t>
             </a:fld>
             <a:endParaRPr lang="zh-CN" altLang="en-US"/>
@@ -1079,6 +1569,1415 @@
     <p:extLst>
       <p:ext uri="{BB962C8B-B14F-4D97-AF65-F5344CB8AC3E}">
         <p14:creationId xmlns:p14="http://schemas.microsoft.com/office/powerpoint/2010/main" val="1022837719"/>
+      </p:ext>
+    </p:extLst>
+  </p:cSld>
+  <p:clrMapOvr>
+    <a:masterClrMapping/>
+  </p:clrMapOvr>
+</p:notes>
+</file>
+
+<file path=ppt/notesSlides/notesSlide6.xml><?xml version="1.0" encoding="utf-8"?>
+<p:notes xmlns:a="http://schemas.openxmlformats.org/drawingml/2006/main" xmlns:r="http://schemas.openxmlformats.org/officeDocument/2006/relationships" xmlns:p="http://schemas.openxmlformats.org/presentationml/2006/main">
+  <p:cSld>
+    <p:spTree>
+      <p:nvGrpSpPr>
+        <p:cNvPr id="1" name=""/>
+        <p:cNvGrpSpPr/>
+        <p:nvPr/>
+      </p:nvGrpSpPr>
+      <p:grpSpPr>
+        <a:xfrm>
+          <a:off x="0" y="0"/>
+          <a:ext cx="0" cy="0"/>
+          <a:chOff x="0" y="0"/>
+          <a:chExt cx="0" cy="0"/>
+        </a:xfrm>
+      </p:grpSpPr>
+      <p:sp>
+        <p:nvSpPr>
+          <p:cNvPr id="2" name="幻灯片图像占位符 1"/>
+          <p:cNvSpPr>
+            <a:spLocks noGrp="1" noRot="1" noChangeAspect="1"/>
+          </p:cNvSpPr>
+          <p:nvPr>
+            <p:ph type="sldImg"/>
+          </p:nvPr>
+        </p:nvSpPr>
+        <p:spPr/>
+      </p:sp>
+      <p:sp>
+        <p:nvSpPr>
+          <p:cNvPr id="3" name="备注占位符 2"/>
+          <p:cNvSpPr>
+            <a:spLocks noGrp="1"/>
+          </p:cNvSpPr>
+          <p:nvPr>
+            <p:ph type="body" idx="1"/>
+          </p:nvPr>
+        </p:nvSpPr>
+        <p:spPr/>
+        <p:txBody>
+          <a:bodyPr/>
+          <a:lstStyle/>
+          <a:p>
+            <a:pPr marL="0" marR="0" lvl="0" indent="0" algn="l" defTabSz="914400" rtl="0" eaLnBrk="1" fontAlgn="auto" latinLnBrk="0" hangingPunct="1">
+              <a:lnSpc>
+                <a:spcPct val="100000"/>
+              </a:lnSpc>
+              <a:spcBef>
+                <a:spcPts val="0"/>
+              </a:spcBef>
+              <a:spcAft>
+                <a:spcPts val="0"/>
+              </a:spcAft>
+              <a:buClrTx/>
+              <a:buSzTx/>
+              <a:buFontTx/>
+              <a:buNone/>
+              <a:tabLst/>
+              <a:defRPr/>
+            </a:pPr>
+            <a:r>
+              <a:rPr lang="zh-CN" altLang="zh-CN" sz="1200" kern="100" dirty="0">
+                <a:effectLst/>
+                <a:latin typeface="Times New Roman" panose="02020603050405020304" pitchFamily="18" charset="0"/>
+                <a:ea typeface="仿宋" panose="02010609060101010101" pitchFamily="49" charset="-122"/>
+                <a:cs typeface="Times New Roman" panose="02020603050405020304" pitchFamily="18" charset="0"/>
+              </a:rPr>
+              <a:t>数据节点的高低水位策略和高低水位的配置、</a:t>
+            </a:r>
+            <a:r>
+              <a:rPr lang="en-US" altLang="zh-CN" sz="1200" kern="100" dirty="0">
+                <a:effectLst/>
+                <a:latin typeface="Times New Roman" panose="02020603050405020304" pitchFamily="18" charset="0"/>
+                <a:ea typeface="仿宋" panose="02010609060101010101" pitchFamily="49" charset="-122"/>
+                <a:cs typeface="Times New Roman" panose="02020603050405020304" pitchFamily="18" charset="0"/>
+              </a:rPr>
+              <a:t>team</a:t>
+            </a:r>
+            <a:r>
+              <a:rPr lang="zh-CN" altLang="zh-CN" sz="1200" kern="100" dirty="0">
+                <a:effectLst/>
+                <a:latin typeface="Times New Roman" panose="02020603050405020304" pitchFamily="18" charset="0"/>
+                <a:ea typeface="仿宋" panose="02010609060101010101" pitchFamily="49" charset="-122"/>
+                <a:cs typeface="Times New Roman" panose="02020603050405020304" pitchFamily="18" charset="0"/>
+              </a:rPr>
+              <a:t>响应数以及主是否计数有关。以一主三备的数据分片为例，主机和备机</a:t>
+            </a:r>
+            <a:r>
+              <a:rPr lang="en-US" altLang="zh-CN" sz="1200" kern="100" dirty="0">
+                <a:effectLst/>
+                <a:latin typeface="Times New Roman" panose="02020603050405020304" pitchFamily="18" charset="0"/>
+                <a:ea typeface="仿宋" panose="02010609060101010101" pitchFamily="49" charset="-122"/>
+                <a:cs typeface="Times New Roman" panose="02020603050405020304" pitchFamily="18" charset="0"/>
+              </a:rPr>
+              <a:t>1</a:t>
+            </a:r>
+            <a:r>
+              <a:rPr lang="zh-CN" altLang="zh-CN" sz="1200" kern="100" dirty="0">
+                <a:effectLst/>
+                <a:latin typeface="Times New Roman" panose="02020603050405020304" pitchFamily="18" charset="0"/>
+                <a:ea typeface="仿宋" panose="02010609060101010101" pitchFamily="49" charset="-122"/>
+                <a:cs typeface="Times New Roman" panose="02020603050405020304" pitchFamily="18" charset="0"/>
+              </a:rPr>
+              <a:t>在</a:t>
+            </a:r>
+            <a:r>
+              <a:rPr lang="en-US" altLang="zh-CN" sz="1200" kern="100" dirty="0">
+                <a:effectLst/>
+                <a:latin typeface="Times New Roman" panose="02020603050405020304" pitchFamily="18" charset="0"/>
+                <a:ea typeface="仿宋" panose="02010609060101010101" pitchFamily="49" charset="-122"/>
+                <a:cs typeface="Times New Roman" panose="02020603050405020304" pitchFamily="18" charset="0"/>
+              </a:rPr>
+              <a:t>team1</a:t>
+            </a:r>
+            <a:r>
+              <a:rPr lang="zh-CN" altLang="zh-CN" sz="1200" kern="100" dirty="0">
+                <a:effectLst/>
+                <a:latin typeface="Times New Roman" panose="02020603050405020304" pitchFamily="18" charset="0"/>
+                <a:ea typeface="仿宋" panose="02010609060101010101" pitchFamily="49" charset="-122"/>
+                <a:cs typeface="Times New Roman" panose="02020603050405020304" pitchFamily="18" charset="0"/>
+              </a:rPr>
+              <a:t>、备机</a:t>
+            </a:r>
+            <a:r>
+              <a:rPr lang="en-US" altLang="zh-CN" sz="1200" kern="100" dirty="0">
+                <a:effectLst/>
+                <a:latin typeface="Times New Roman" panose="02020603050405020304" pitchFamily="18" charset="0"/>
+                <a:ea typeface="仿宋" panose="02010609060101010101" pitchFamily="49" charset="-122"/>
+                <a:cs typeface="Times New Roman" panose="02020603050405020304" pitchFamily="18" charset="0"/>
+              </a:rPr>
+              <a:t>2</a:t>
+            </a:r>
+            <a:r>
+              <a:rPr lang="zh-CN" altLang="zh-CN" sz="1200" kern="100" dirty="0">
+                <a:effectLst/>
+                <a:latin typeface="Times New Roman" panose="02020603050405020304" pitchFamily="18" charset="0"/>
+                <a:ea typeface="仿宋" panose="02010609060101010101" pitchFamily="49" charset="-122"/>
+                <a:cs typeface="Times New Roman" panose="02020603050405020304" pitchFamily="18" charset="0"/>
+              </a:rPr>
+              <a:t>和备机</a:t>
+            </a:r>
+            <a:r>
+              <a:rPr lang="en-US" altLang="zh-CN" sz="1200" kern="100" dirty="0">
+                <a:effectLst/>
+                <a:latin typeface="Times New Roman" panose="02020603050405020304" pitchFamily="18" charset="0"/>
+                <a:ea typeface="仿宋" panose="02010609060101010101" pitchFamily="49" charset="-122"/>
+                <a:cs typeface="Times New Roman" panose="02020603050405020304" pitchFamily="18" charset="0"/>
+              </a:rPr>
+              <a:t>3</a:t>
+            </a:r>
+            <a:r>
+              <a:rPr lang="zh-CN" altLang="zh-CN" sz="1200" kern="100" dirty="0">
+                <a:effectLst/>
+                <a:latin typeface="Times New Roman" panose="02020603050405020304" pitchFamily="18" charset="0"/>
+                <a:ea typeface="仿宋" panose="02010609060101010101" pitchFamily="49" charset="-122"/>
+                <a:cs typeface="Times New Roman" panose="02020603050405020304" pitchFamily="18" charset="0"/>
+              </a:rPr>
+              <a:t>在</a:t>
+            </a:r>
+            <a:r>
+              <a:rPr lang="en-US" altLang="zh-CN" sz="1200" kern="100" dirty="0">
+                <a:effectLst/>
+                <a:latin typeface="Times New Roman" panose="02020603050405020304" pitchFamily="18" charset="0"/>
+                <a:ea typeface="仿宋" panose="02010609060101010101" pitchFamily="49" charset="-122"/>
+                <a:cs typeface="Times New Roman" panose="02020603050405020304" pitchFamily="18" charset="0"/>
+              </a:rPr>
+              <a:t>team2</a:t>
+            </a:r>
+            <a:r>
+              <a:rPr lang="zh-CN" altLang="zh-CN" sz="1200" kern="100" dirty="0">
+                <a:effectLst/>
+                <a:latin typeface="Times New Roman" panose="02020603050405020304" pitchFamily="18" charset="0"/>
+                <a:ea typeface="仿宋" panose="02010609060101010101" pitchFamily="49" charset="-122"/>
+                <a:cs typeface="Times New Roman" panose="02020603050405020304" pitchFamily="18" charset="0"/>
+              </a:rPr>
+              <a:t>，配置的高水位为</a:t>
+            </a:r>
+            <a:r>
+              <a:rPr lang="en-US" altLang="zh-CN" sz="1200" kern="100" dirty="0">
+                <a:effectLst/>
+                <a:latin typeface="Times New Roman" panose="02020603050405020304" pitchFamily="18" charset="0"/>
+                <a:ea typeface="仿宋" panose="02010609060101010101" pitchFamily="49" charset="-122"/>
+                <a:cs typeface="Times New Roman" panose="02020603050405020304" pitchFamily="18" charset="0"/>
+              </a:rPr>
+              <a:t>2</a:t>
+            </a:r>
+            <a:r>
+              <a:rPr lang="zh-CN" altLang="zh-CN" sz="1200" kern="100" dirty="0">
+                <a:effectLst/>
+                <a:latin typeface="Times New Roman" panose="02020603050405020304" pitchFamily="18" charset="0"/>
+                <a:ea typeface="仿宋" panose="02010609060101010101" pitchFamily="49" charset="-122"/>
+                <a:cs typeface="Times New Roman" panose="02020603050405020304" pitchFamily="18" charset="0"/>
+              </a:rPr>
+              <a:t>、低水位为</a:t>
+            </a:r>
+            <a:r>
+              <a:rPr lang="en-US" altLang="zh-CN" sz="1200" kern="100" dirty="0">
+                <a:effectLst/>
+                <a:latin typeface="Times New Roman" panose="02020603050405020304" pitchFamily="18" charset="0"/>
+                <a:ea typeface="仿宋" panose="02010609060101010101" pitchFamily="49" charset="-122"/>
+                <a:cs typeface="Times New Roman" panose="02020603050405020304" pitchFamily="18" charset="0"/>
+              </a:rPr>
+              <a:t>1</a:t>
+            </a:r>
+            <a:r>
+              <a:rPr lang="zh-CN" altLang="zh-CN" sz="1200" kern="100" dirty="0">
+                <a:effectLst/>
+                <a:latin typeface="Times New Roman" panose="02020603050405020304" pitchFamily="18" charset="0"/>
+                <a:ea typeface="仿宋" panose="02010609060101010101" pitchFamily="49" charset="-122"/>
+                <a:cs typeface="Times New Roman" panose="02020603050405020304" pitchFamily="18" charset="0"/>
+              </a:rPr>
+              <a:t>，主计数，</a:t>
+            </a:r>
+            <a:r>
+              <a:rPr lang="en-US" altLang="zh-CN" sz="1200" kern="100" dirty="0">
+                <a:effectLst/>
+                <a:latin typeface="Times New Roman" panose="02020603050405020304" pitchFamily="18" charset="0"/>
+                <a:ea typeface="仿宋" panose="02010609060101010101" pitchFamily="49" charset="-122"/>
+                <a:cs typeface="Times New Roman" panose="02020603050405020304" pitchFamily="18" charset="0"/>
+              </a:rPr>
+              <a:t>Team</a:t>
+            </a:r>
+            <a:r>
+              <a:rPr lang="zh-CN" altLang="zh-CN" sz="1200" kern="100" dirty="0">
+                <a:effectLst/>
+                <a:latin typeface="Times New Roman" panose="02020603050405020304" pitchFamily="18" charset="0"/>
+                <a:ea typeface="仿宋" panose="02010609060101010101" pitchFamily="49" charset="-122"/>
+                <a:cs typeface="Times New Roman" panose="02020603050405020304" pitchFamily="18" charset="0"/>
+              </a:rPr>
+              <a:t>内响应的</a:t>
+            </a:r>
+            <a:r>
+              <a:rPr lang="en-US" altLang="zh-CN" sz="1200" kern="100" dirty="0">
+                <a:effectLst/>
+                <a:latin typeface="Times New Roman" panose="02020603050405020304" pitchFamily="18" charset="0"/>
+                <a:ea typeface="仿宋" panose="02010609060101010101" pitchFamily="49" charset="-122"/>
+                <a:cs typeface="Times New Roman" panose="02020603050405020304" pitchFamily="18" charset="0"/>
+              </a:rPr>
+              <a:t>DB</a:t>
+            </a:r>
+            <a:r>
+              <a:rPr lang="zh-CN" altLang="zh-CN" sz="1200" kern="100" dirty="0">
+                <a:effectLst/>
+                <a:latin typeface="Times New Roman" panose="02020603050405020304" pitchFamily="18" charset="0"/>
+                <a:ea typeface="仿宋" panose="02010609060101010101" pitchFamily="49" charset="-122"/>
+                <a:cs typeface="Times New Roman" panose="02020603050405020304" pitchFamily="18" charset="0"/>
+              </a:rPr>
+              <a:t>数为</a:t>
+            </a:r>
+            <a:r>
+              <a:rPr lang="en-US" altLang="zh-CN" sz="1200" kern="100" dirty="0">
+                <a:effectLst/>
+                <a:latin typeface="Times New Roman" panose="02020603050405020304" pitchFamily="18" charset="0"/>
+                <a:ea typeface="仿宋" panose="02010609060101010101" pitchFamily="49" charset="-122"/>
+                <a:cs typeface="Times New Roman" panose="02020603050405020304" pitchFamily="18" charset="0"/>
+              </a:rPr>
+              <a:t>2</a:t>
+            </a:r>
+            <a:r>
+              <a:rPr lang="zh-CN" altLang="zh-CN" sz="1200" kern="100" dirty="0">
+                <a:effectLst/>
+                <a:latin typeface="Times New Roman" panose="02020603050405020304" pitchFamily="18" charset="0"/>
+                <a:ea typeface="仿宋" panose="02010609060101010101" pitchFamily="49" charset="-122"/>
+                <a:cs typeface="Times New Roman" panose="02020603050405020304" pitchFamily="18" charset="0"/>
+              </a:rPr>
+              <a:t>。</a:t>
+            </a:r>
+          </a:p>
+          <a:p>
+            <a:endParaRPr lang="zh-CN" altLang="en-US" dirty="0"/>
+          </a:p>
+        </p:txBody>
+      </p:sp>
+      <p:sp>
+        <p:nvSpPr>
+          <p:cNvPr id="4" name="灯片编号占位符 3"/>
+          <p:cNvSpPr>
+            <a:spLocks noGrp="1"/>
+          </p:cNvSpPr>
+          <p:nvPr>
+            <p:ph type="sldNum" sz="quarter" idx="5"/>
+          </p:nvPr>
+        </p:nvSpPr>
+        <p:spPr/>
+        <p:txBody>
+          <a:bodyPr/>
+          <a:lstStyle/>
+          <a:p>
+            <a:fld id="{D0980B82-C7B9-4E3A-A834-69DA7504355C}" type="slidenum">
+              <a:rPr lang="zh-CN" altLang="en-US" smtClean="0"/>
+              <a:t>25</a:t>
+            </a:fld>
+            <a:endParaRPr lang="zh-CN" altLang="en-US"/>
+          </a:p>
+        </p:txBody>
+      </p:sp>
+    </p:spTree>
+    <p:extLst>
+      <p:ext uri="{BB962C8B-B14F-4D97-AF65-F5344CB8AC3E}">
+        <p14:creationId xmlns:p14="http://schemas.microsoft.com/office/powerpoint/2010/main" val="3709587681"/>
+      </p:ext>
+    </p:extLst>
+  </p:cSld>
+  <p:clrMapOvr>
+    <a:masterClrMapping/>
+  </p:clrMapOvr>
+</p:notes>
+</file>
+
+<file path=ppt/notesSlides/notesSlide7.xml><?xml version="1.0" encoding="utf-8"?>
+<p:notes xmlns:a="http://schemas.openxmlformats.org/drawingml/2006/main" xmlns:r="http://schemas.openxmlformats.org/officeDocument/2006/relationships" xmlns:p="http://schemas.openxmlformats.org/presentationml/2006/main">
+  <p:cSld>
+    <p:spTree>
+      <p:nvGrpSpPr>
+        <p:cNvPr id="1" name=""/>
+        <p:cNvGrpSpPr/>
+        <p:nvPr/>
+      </p:nvGrpSpPr>
+      <p:grpSpPr>
+        <a:xfrm>
+          <a:off x="0" y="0"/>
+          <a:ext cx="0" cy="0"/>
+          <a:chOff x="0" y="0"/>
+          <a:chExt cx="0" cy="0"/>
+        </a:xfrm>
+      </p:grpSpPr>
+      <p:sp>
+        <p:nvSpPr>
+          <p:cNvPr id="2" name="幻灯片图像占位符 1"/>
+          <p:cNvSpPr>
+            <a:spLocks noGrp="1" noRot="1" noChangeAspect="1"/>
+          </p:cNvSpPr>
+          <p:nvPr>
+            <p:ph type="sldImg"/>
+          </p:nvPr>
+        </p:nvSpPr>
+        <p:spPr/>
+      </p:sp>
+      <p:sp>
+        <p:nvSpPr>
+          <p:cNvPr id="3" name="备注占位符 2"/>
+          <p:cNvSpPr>
+            <a:spLocks noGrp="1"/>
+          </p:cNvSpPr>
+          <p:nvPr>
+            <p:ph type="body" idx="1"/>
+          </p:nvPr>
+        </p:nvSpPr>
+        <p:spPr/>
+        <p:txBody>
+          <a:bodyPr/>
+          <a:lstStyle/>
+          <a:p>
+            <a:pPr indent="0" algn="just">
+              <a:lnSpc>
+                <a:spcPct val="150000"/>
+              </a:lnSpc>
+              <a:buNone/>
+            </a:pPr>
+            <a:r>
+              <a:rPr lang="zh-CN" altLang="zh-CN" sz="1200" kern="100" dirty="0">
+                <a:effectLst/>
+                <a:latin typeface="Times New Roman" panose="02020603050405020304" pitchFamily="18" charset="0"/>
+                <a:ea typeface="仿宋" panose="02010609060101010101" pitchFamily="49" charset="-122"/>
+                <a:cs typeface="Times New Roman" panose="02020603050405020304" pitchFamily="18" charset="0"/>
+              </a:rPr>
+              <a:t>优化器的优化工作主要体现在计划树的生成上，</a:t>
+            </a:r>
+            <a:r>
+              <a:rPr lang="en-US" altLang="zh-CN" sz="1200" kern="100" dirty="0" err="1">
+                <a:effectLst/>
+                <a:latin typeface="Times New Roman" panose="02020603050405020304" pitchFamily="18" charset="0"/>
+                <a:ea typeface="仿宋" panose="02010609060101010101" pitchFamily="49" charset="-122"/>
+                <a:cs typeface="Times New Roman" panose="02020603050405020304" pitchFamily="18" charset="0"/>
+              </a:rPr>
+              <a:t>GoldenDB</a:t>
+            </a:r>
+            <a:r>
+              <a:rPr lang="zh-CN" altLang="zh-CN" sz="1200" kern="100" dirty="0">
+                <a:effectLst/>
+                <a:latin typeface="Times New Roman" panose="02020603050405020304" pitchFamily="18" charset="0"/>
+                <a:ea typeface="仿宋" panose="02010609060101010101" pitchFamily="49" charset="-122"/>
+                <a:cs typeface="Times New Roman" panose="02020603050405020304" pitchFamily="18" charset="0"/>
+              </a:rPr>
+              <a:t>的查询优化器设计实现主要考虑以下两个方面：</a:t>
+            </a:r>
+          </a:p>
+          <a:p>
+            <a:pPr marL="0" lvl="0" indent="0" algn="just">
+              <a:lnSpc>
+                <a:spcPct val="150000"/>
+              </a:lnSpc>
+              <a:buNone/>
+            </a:pPr>
+            <a:r>
+              <a:rPr lang="en-US" altLang="zh-CN" sz="1200" kern="100" dirty="0">
+                <a:latin typeface="Times New Roman" panose="02020603050405020304" pitchFamily="18" charset="0"/>
+                <a:ea typeface="仿宋" panose="02010609060101010101" pitchFamily="49" charset="-122"/>
+                <a:cs typeface="Times New Roman" panose="02020603050405020304" pitchFamily="18" charset="0"/>
+              </a:rPr>
+              <a:t>    </a:t>
+            </a:r>
+            <a:r>
+              <a:rPr lang="en-US" altLang="zh-CN" sz="1200" kern="100" dirty="0">
+                <a:effectLst/>
+                <a:latin typeface="Times New Roman" panose="02020603050405020304" pitchFamily="18" charset="0"/>
+                <a:ea typeface="仿宋" panose="02010609060101010101" pitchFamily="49" charset="-122"/>
+                <a:cs typeface="Times New Roman" panose="02020603050405020304" pitchFamily="18" charset="0"/>
+              </a:rPr>
+              <a:t>1</a:t>
+            </a:r>
+            <a:r>
+              <a:rPr lang="zh-CN" altLang="en-US" sz="1200" kern="100" dirty="0">
+                <a:effectLst/>
+                <a:latin typeface="Times New Roman" panose="02020603050405020304" pitchFamily="18" charset="0"/>
+                <a:ea typeface="仿宋" panose="02010609060101010101" pitchFamily="49" charset="-122"/>
+                <a:cs typeface="Times New Roman" panose="02020603050405020304" pitchFamily="18" charset="0"/>
+              </a:rPr>
+              <a:t>、</a:t>
+            </a:r>
+            <a:r>
+              <a:rPr lang="zh-CN" altLang="zh-CN" sz="1200" kern="100" dirty="0">
+                <a:effectLst/>
+                <a:latin typeface="Times New Roman" panose="02020603050405020304" pitchFamily="18" charset="0"/>
+                <a:ea typeface="仿宋" panose="02010609060101010101" pitchFamily="49" charset="-122"/>
+                <a:cs typeface="Times New Roman" panose="02020603050405020304" pitchFamily="18" charset="0"/>
+              </a:rPr>
+              <a:t>代价模型的选择。</a:t>
+            </a:r>
+          </a:p>
+          <a:p>
+            <a:pPr indent="266700" algn="just">
+              <a:lnSpc>
+                <a:spcPct val="150000"/>
+              </a:lnSpc>
+            </a:pPr>
+            <a:r>
+              <a:rPr lang="en-US" altLang="zh-CN" sz="1200" kern="100" dirty="0" err="1">
+                <a:effectLst/>
+                <a:latin typeface="Times New Roman" panose="02020603050405020304" pitchFamily="18" charset="0"/>
+                <a:ea typeface="仿宋" panose="02010609060101010101" pitchFamily="49" charset="-122"/>
+                <a:cs typeface="Times New Roman" panose="02020603050405020304" pitchFamily="18" charset="0"/>
+              </a:rPr>
+              <a:t>GoldenDB</a:t>
+            </a:r>
+            <a:r>
+              <a:rPr lang="zh-CN" altLang="zh-CN" sz="1200" kern="100" dirty="0">
+                <a:effectLst/>
+                <a:latin typeface="Times New Roman" panose="02020603050405020304" pitchFamily="18" charset="0"/>
+                <a:ea typeface="仿宋" panose="02010609060101010101" pitchFamily="49" charset="-122"/>
+                <a:cs typeface="Times New Roman" panose="02020603050405020304" pitchFamily="18" charset="0"/>
+              </a:rPr>
+              <a:t>采用分布式系统代价估算模型，考虑节点间传输数据的代价，以减少数据传输的次数和数据量作为查询优化的目标，提高数据节点之间计算的并行度、减少计算节点的计算量。这主要考虑在分布式数据库系统环境中，表结构被水平或垂直拆分到多个数据节点，因此需要考虑语句如何分拆、分片之间数据如何移动、结果如何计算与合并的问题，网络通信开销不可忽视。</a:t>
+            </a:r>
+          </a:p>
+          <a:p>
+            <a:pPr marL="0" lvl="0" indent="0" algn="just">
+              <a:lnSpc>
+                <a:spcPct val="150000"/>
+              </a:lnSpc>
+              <a:buNone/>
+            </a:pPr>
+            <a:r>
+              <a:rPr lang="en-US" altLang="zh-CN" sz="1200" kern="100" dirty="0">
+                <a:effectLst/>
+                <a:latin typeface="Times New Roman" panose="02020603050405020304" pitchFamily="18" charset="0"/>
+                <a:ea typeface="仿宋" panose="02010609060101010101" pitchFamily="49" charset="-122"/>
+                <a:cs typeface="Times New Roman" panose="02020603050405020304" pitchFamily="18" charset="0"/>
+              </a:rPr>
+              <a:t>    2</a:t>
+            </a:r>
+            <a:r>
+              <a:rPr lang="zh-CN" altLang="en-US" sz="1200" kern="100" dirty="0">
+                <a:effectLst/>
+                <a:latin typeface="Times New Roman" panose="02020603050405020304" pitchFamily="18" charset="0"/>
+                <a:ea typeface="仿宋" panose="02010609060101010101" pitchFamily="49" charset="-122"/>
+                <a:cs typeface="Times New Roman" panose="02020603050405020304" pitchFamily="18" charset="0"/>
+              </a:rPr>
+              <a:t>、</a:t>
+            </a:r>
+            <a:r>
+              <a:rPr lang="zh-CN" altLang="zh-CN" sz="1200" kern="100" dirty="0">
+                <a:effectLst/>
+                <a:latin typeface="Times New Roman" panose="02020603050405020304" pitchFamily="18" charset="0"/>
+                <a:ea typeface="仿宋" panose="02010609060101010101" pitchFamily="49" charset="-122"/>
+                <a:cs typeface="Times New Roman" panose="02020603050405020304" pitchFamily="18" charset="0"/>
+              </a:rPr>
+              <a:t>考虑数据一致性开销。</a:t>
+            </a:r>
+          </a:p>
+          <a:p>
+            <a:pPr indent="266700" algn="just">
+              <a:lnSpc>
+                <a:spcPct val="150000"/>
+              </a:lnSpc>
+            </a:pPr>
+            <a:r>
+              <a:rPr lang="zh-CN" altLang="zh-CN" sz="1200" kern="100" dirty="0">
+                <a:effectLst/>
+                <a:latin typeface="Times New Roman" panose="02020603050405020304" pitchFamily="18" charset="0"/>
+                <a:ea typeface="仿宋" panose="02010609060101010101" pitchFamily="49" charset="-122"/>
+                <a:cs typeface="Times New Roman" panose="02020603050405020304" pitchFamily="18" charset="0"/>
+              </a:rPr>
+              <a:t>在分布式数据库系统中，数据全局一致性机制相较于单机数据库需要更为复杂的控制。因此，如何降低数据全局一致性保证的开销，也是</a:t>
+            </a:r>
+            <a:r>
+              <a:rPr lang="en-US" altLang="zh-CN" sz="1200" kern="100" dirty="0" err="1">
+                <a:effectLst/>
+                <a:latin typeface="Times New Roman" panose="02020603050405020304" pitchFamily="18" charset="0"/>
+                <a:ea typeface="仿宋" panose="02010609060101010101" pitchFamily="49" charset="-122"/>
+                <a:cs typeface="Times New Roman" panose="02020603050405020304" pitchFamily="18" charset="0"/>
+              </a:rPr>
+              <a:t>GoldenDB</a:t>
+            </a:r>
+            <a:r>
+              <a:rPr lang="zh-CN" altLang="zh-CN" sz="1200" kern="100" dirty="0">
+                <a:effectLst/>
+                <a:latin typeface="Times New Roman" panose="02020603050405020304" pitchFamily="18" charset="0"/>
+                <a:ea typeface="仿宋" panose="02010609060101010101" pitchFamily="49" charset="-122"/>
+                <a:cs typeface="Times New Roman" panose="02020603050405020304" pitchFamily="18" charset="0"/>
+              </a:rPr>
+              <a:t>查询优化器的设计要求。</a:t>
+            </a:r>
+          </a:p>
+          <a:p>
+            <a:pPr indent="266700" algn="just">
+              <a:lnSpc>
+                <a:spcPct val="150000"/>
+              </a:lnSpc>
+            </a:pPr>
+            <a:r>
+              <a:rPr lang="zh-CN" altLang="zh-CN" sz="1200" kern="100" dirty="0">
+                <a:effectLst/>
+                <a:latin typeface="Times New Roman" panose="02020603050405020304" pitchFamily="18" charset="0"/>
+                <a:ea typeface="仿宋" panose="02010609060101010101" pitchFamily="49" charset="-122"/>
+                <a:cs typeface="Times New Roman" panose="02020603050405020304" pitchFamily="18" charset="0"/>
+              </a:rPr>
+              <a:t>总体来讲，</a:t>
+            </a:r>
+            <a:r>
+              <a:rPr lang="en-US" altLang="zh-CN" sz="1200" kern="100" dirty="0" err="1">
+                <a:effectLst/>
+                <a:latin typeface="Times New Roman" panose="02020603050405020304" pitchFamily="18" charset="0"/>
+                <a:ea typeface="仿宋" panose="02010609060101010101" pitchFamily="49" charset="-122"/>
+                <a:cs typeface="Times New Roman" panose="02020603050405020304" pitchFamily="18" charset="0"/>
+              </a:rPr>
+              <a:t>GoldenDB</a:t>
+            </a:r>
+            <a:r>
+              <a:rPr lang="zh-CN" altLang="zh-CN" sz="1200" kern="100" dirty="0">
+                <a:effectLst/>
+                <a:latin typeface="Times New Roman" panose="02020603050405020304" pitchFamily="18" charset="0"/>
+                <a:ea typeface="仿宋" panose="02010609060101010101" pitchFamily="49" charset="-122"/>
+                <a:cs typeface="Times New Roman" panose="02020603050405020304" pitchFamily="18" charset="0"/>
+              </a:rPr>
+              <a:t>的分布式查询优化器遵循了上述的设计原则，</a:t>
+            </a:r>
+            <a:r>
+              <a:rPr lang="zh-CN" altLang="zh-CN" sz="1200" kern="100" dirty="0">
+                <a:solidFill>
+                  <a:srgbClr val="FF0000"/>
+                </a:solidFill>
+                <a:effectLst/>
+                <a:latin typeface="Times New Roman" panose="02020603050405020304" pitchFamily="18" charset="0"/>
+                <a:ea typeface="仿宋" panose="02010609060101010101" pitchFamily="49" charset="-122"/>
+                <a:cs typeface="Times New Roman" panose="02020603050405020304" pitchFamily="18" charset="0"/>
+              </a:rPr>
+              <a:t>以基于规则的优化为主，基于成本的优化为辅</a:t>
+            </a:r>
+            <a:r>
+              <a:rPr lang="zh-CN" altLang="zh-CN" sz="1200" kern="100" dirty="0">
+                <a:effectLst/>
+                <a:latin typeface="Times New Roman" panose="02020603050405020304" pitchFamily="18" charset="0"/>
+                <a:ea typeface="仿宋" panose="02010609060101010101" pitchFamily="49" charset="-122"/>
+                <a:cs typeface="Times New Roman" panose="02020603050405020304" pitchFamily="18" charset="0"/>
+              </a:rPr>
+              <a:t>，在提升系统的灵活性的同时控制系统实现的复杂性。优化器内部内置大量的优化规则，通过查询重写的方式进行经验性优化。在优化规则的选择上，重点分析分片剪枝、并行执行、合并下压、条件下推、条件繁殖、排序消除、去重消除、排序下推等。</a:t>
+            </a:r>
+          </a:p>
+          <a:p>
+            <a:endParaRPr lang="zh-CN" altLang="en-US" dirty="0"/>
+          </a:p>
+        </p:txBody>
+      </p:sp>
+      <p:sp>
+        <p:nvSpPr>
+          <p:cNvPr id="4" name="灯片编号占位符 3"/>
+          <p:cNvSpPr>
+            <a:spLocks noGrp="1"/>
+          </p:cNvSpPr>
+          <p:nvPr>
+            <p:ph type="sldNum" sz="quarter" idx="5"/>
+          </p:nvPr>
+        </p:nvSpPr>
+        <p:spPr/>
+        <p:txBody>
+          <a:bodyPr/>
+          <a:lstStyle/>
+          <a:p>
+            <a:fld id="{D0980B82-C7B9-4E3A-A834-69DA7504355C}" type="slidenum">
+              <a:rPr lang="zh-CN" altLang="en-US" smtClean="0"/>
+              <a:t>29</a:t>
+            </a:fld>
+            <a:endParaRPr lang="zh-CN" altLang="en-US"/>
+          </a:p>
+        </p:txBody>
+      </p:sp>
+    </p:spTree>
+    <p:extLst>
+      <p:ext uri="{BB962C8B-B14F-4D97-AF65-F5344CB8AC3E}">
+        <p14:creationId xmlns:p14="http://schemas.microsoft.com/office/powerpoint/2010/main" val="204550630"/>
+      </p:ext>
+    </p:extLst>
+  </p:cSld>
+  <p:clrMapOvr>
+    <a:masterClrMapping/>
+  </p:clrMapOvr>
+</p:notes>
+</file>
+
+<file path=ppt/notesSlides/notesSlide8.xml><?xml version="1.0" encoding="utf-8"?>
+<p:notes xmlns:a="http://schemas.openxmlformats.org/drawingml/2006/main" xmlns:r="http://schemas.openxmlformats.org/officeDocument/2006/relationships" xmlns:p="http://schemas.openxmlformats.org/presentationml/2006/main">
+  <p:cSld>
+    <p:spTree>
+      <p:nvGrpSpPr>
+        <p:cNvPr id="1" name=""/>
+        <p:cNvGrpSpPr/>
+        <p:nvPr/>
+      </p:nvGrpSpPr>
+      <p:grpSpPr>
+        <a:xfrm>
+          <a:off x="0" y="0"/>
+          <a:ext cx="0" cy="0"/>
+          <a:chOff x="0" y="0"/>
+          <a:chExt cx="0" cy="0"/>
+        </a:xfrm>
+      </p:grpSpPr>
+      <p:sp>
+        <p:nvSpPr>
+          <p:cNvPr id="2" name="幻灯片图像占位符 1"/>
+          <p:cNvSpPr>
+            <a:spLocks noGrp="1" noRot="1" noChangeAspect="1"/>
+          </p:cNvSpPr>
+          <p:nvPr>
+            <p:ph type="sldImg"/>
+          </p:nvPr>
+        </p:nvSpPr>
+        <p:spPr/>
+      </p:sp>
+      <p:sp>
+        <p:nvSpPr>
+          <p:cNvPr id="3" name="备注占位符 2"/>
+          <p:cNvSpPr>
+            <a:spLocks noGrp="1"/>
+          </p:cNvSpPr>
+          <p:nvPr>
+            <p:ph type="body" idx="1"/>
+          </p:nvPr>
+        </p:nvSpPr>
+        <p:spPr/>
+        <p:txBody>
+          <a:bodyPr/>
+          <a:lstStyle/>
+          <a:p>
+            <a:pPr marL="0" indent="0">
+              <a:buNone/>
+            </a:pPr>
+            <a:r>
+              <a:rPr lang="zh-CN" altLang="zh-CN" sz="1200" kern="100" dirty="0">
+                <a:effectLst/>
+                <a:latin typeface="Times New Roman" panose="02020603050405020304" pitchFamily="18" charset="0"/>
+                <a:ea typeface="仿宋" panose="02010609060101010101" pitchFamily="49" charset="-122"/>
+                <a:cs typeface="Times New Roman" panose="02020603050405020304" pitchFamily="18" charset="0"/>
+              </a:rPr>
+              <a:t>系统表</a:t>
+            </a:r>
+            <a:r>
+              <a:rPr lang="en-US" altLang="zh-CN" sz="1200" kern="100" dirty="0" err="1">
+                <a:effectLst/>
+                <a:latin typeface="Times New Roman" panose="02020603050405020304" pitchFamily="18" charset="0"/>
+                <a:ea typeface="仿宋" panose="02010609060101010101" pitchFamily="49" charset="-122"/>
+                <a:cs typeface="Times New Roman" panose="02020603050405020304" pitchFamily="18" charset="0"/>
+              </a:rPr>
+              <a:t>information_schema.INNODB_TRX</a:t>
+            </a:r>
+            <a:r>
+              <a:rPr lang="zh-CN" altLang="zh-CN" sz="1200" kern="100" dirty="0">
+                <a:effectLst/>
+                <a:latin typeface="Times New Roman" panose="02020603050405020304" pitchFamily="18" charset="0"/>
+                <a:ea typeface="仿宋" panose="02010609060101010101" pitchFamily="49" charset="-122"/>
+                <a:cs typeface="Times New Roman" panose="02020603050405020304" pitchFamily="18" charset="0"/>
+              </a:rPr>
+              <a:t>主要记录了</a:t>
+            </a:r>
+            <a:r>
+              <a:rPr lang="en-US" altLang="zh-CN" sz="1200" kern="100" dirty="0" err="1">
+                <a:effectLst/>
+                <a:latin typeface="Times New Roman" panose="02020603050405020304" pitchFamily="18" charset="0"/>
+                <a:ea typeface="仿宋" panose="02010609060101010101" pitchFamily="49" charset="-122"/>
+                <a:cs typeface="Times New Roman" panose="02020603050405020304" pitchFamily="18" charset="0"/>
+              </a:rPr>
+              <a:t>innodb</a:t>
+            </a:r>
+            <a:r>
+              <a:rPr lang="zh-CN" altLang="zh-CN" sz="1200" kern="100" dirty="0">
+                <a:effectLst/>
+                <a:latin typeface="Times New Roman" panose="02020603050405020304" pitchFamily="18" charset="0"/>
+                <a:ea typeface="仿宋" panose="02010609060101010101" pitchFamily="49" charset="-122"/>
+                <a:cs typeface="Times New Roman" panose="02020603050405020304" pitchFamily="18" charset="0"/>
+              </a:rPr>
+              <a:t>事务的相关信息，需要增加</a:t>
+            </a:r>
+            <a:r>
+              <a:rPr lang="en-US" altLang="zh-CN" sz="1200" kern="100" dirty="0">
+                <a:effectLst/>
+                <a:latin typeface="Times New Roman" panose="02020603050405020304" pitchFamily="18" charset="0"/>
+                <a:ea typeface="仿宋" panose="02010609060101010101" pitchFamily="49" charset="-122"/>
+                <a:cs typeface="Times New Roman" panose="02020603050405020304" pitchFamily="18" charset="0"/>
+              </a:rPr>
+              <a:t>2</a:t>
+            </a:r>
+            <a:r>
+              <a:rPr lang="zh-CN" altLang="zh-CN" sz="1200" kern="100" dirty="0">
+                <a:effectLst/>
+                <a:latin typeface="Times New Roman" panose="02020603050405020304" pitchFamily="18" charset="0"/>
+                <a:ea typeface="仿宋" panose="02010609060101010101" pitchFamily="49" charset="-122"/>
+                <a:cs typeface="Times New Roman" panose="02020603050405020304" pitchFamily="18" charset="0"/>
+              </a:rPr>
+              <a:t>个字段用于保存事务流水号信息及</a:t>
+            </a:r>
+            <a:r>
+              <a:rPr lang="en-US" altLang="zh-CN" sz="1200" kern="100" dirty="0">
+                <a:effectLst/>
+                <a:latin typeface="Times New Roman" panose="02020603050405020304" pitchFamily="18" charset="0"/>
+                <a:ea typeface="仿宋" panose="02010609060101010101" pitchFamily="49" charset="-122"/>
+                <a:cs typeface="Times New Roman" panose="02020603050405020304" pitchFamily="18" charset="0"/>
+              </a:rPr>
+              <a:t>GTID</a:t>
+            </a:r>
+            <a:r>
+              <a:rPr lang="zh-CN" altLang="zh-CN" sz="1200" kern="100" dirty="0">
+                <a:effectLst/>
+                <a:latin typeface="Times New Roman" panose="02020603050405020304" pitchFamily="18" charset="0"/>
+                <a:ea typeface="仿宋" panose="02010609060101010101" pitchFamily="49" charset="-122"/>
+                <a:cs typeface="Times New Roman" panose="02020603050405020304" pitchFamily="18" charset="0"/>
+              </a:rPr>
+              <a:t>信息。</a:t>
+            </a:r>
+            <a:endParaRPr lang="en-US" altLang="zh-CN" sz="1200" kern="100" dirty="0">
+              <a:effectLst/>
+              <a:latin typeface="Times New Roman" panose="02020603050405020304" pitchFamily="18" charset="0"/>
+              <a:ea typeface="仿宋" panose="02010609060101010101" pitchFamily="49" charset="-122"/>
+              <a:cs typeface="Times New Roman" panose="02020603050405020304" pitchFamily="18" charset="0"/>
+            </a:endParaRPr>
+          </a:p>
+          <a:p>
+            <a:pPr marL="0" indent="0">
+              <a:buNone/>
+            </a:pPr>
+            <a:r>
+              <a:rPr lang="zh-CN" altLang="zh-CN" sz="1200" kern="100" dirty="0">
+                <a:effectLst/>
+                <a:latin typeface="Times New Roman" panose="02020603050405020304" pitchFamily="18" charset="0"/>
+                <a:ea typeface="仿宋" panose="02010609060101010101" pitchFamily="49" charset="-122"/>
+                <a:cs typeface="Times New Roman" panose="02020603050405020304" pitchFamily="18" charset="0"/>
+              </a:rPr>
+              <a:t>新增字段信息如下：</a:t>
+            </a:r>
+            <a:endParaRPr lang="en-US" altLang="zh-CN" sz="1200" kern="100" dirty="0">
+              <a:effectLst/>
+              <a:latin typeface="Times New Roman" panose="02020603050405020304" pitchFamily="18" charset="0"/>
+              <a:ea typeface="仿宋" panose="02010609060101010101" pitchFamily="49" charset="-122"/>
+              <a:cs typeface="Times New Roman" panose="02020603050405020304" pitchFamily="18" charset="0"/>
+            </a:endParaRPr>
+          </a:p>
+          <a:p>
+            <a:pPr marL="0" indent="0">
+              <a:buNone/>
+            </a:pPr>
+            <a:r>
+              <a:rPr lang="en-US" altLang="zh-CN" sz="1200" kern="100" dirty="0" err="1">
+                <a:effectLst/>
+                <a:latin typeface="Times New Roman" panose="02020603050405020304" pitchFamily="18" charset="0"/>
+                <a:ea typeface="仿宋" panose="02010609060101010101" pitchFamily="49" charset="-122"/>
+                <a:cs typeface="Times New Roman" panose="02020603050405020304" pitchFamily="18" charset="0"/>
+              </a:rPr>
+              <a:t>trx_serial_num</a:t>
+            </a:r>
+            <a:r>
+              <a:rPr lang="en-US" altLang="zh-CN" sz="1200" kern="100" dirty="0">
+                <a:effectLst/>
+                <a:latin typeface="Times New Roman" panose="02020603050405020304" pitchFamily="18" charset="0"/>
+                <a:ea typeface="仿宋" panose="02010609060101010101" pitchFamily="49" charset="-122"/>
+                <a:cs typeface="Times New Roman" panose="02020603050405020304" pitchFamily="18" charset="0"/>
+              </a:rPr>
+              <a:t> varchar(32) DEFAULT NULL,</a:t>
+            </a:r>
+            <a:endParaRPr lang="en-US" altLang="zh-CN" sz="1200" kern="100" dirty="0">
+              <a:latin typeface="Times New Roman" panose="02020603050405020304" pitchFamily="18" charset="0"/>
+              <a:ea typeface="仿宋" panose="02010609060101010101" pitchFamily="49" charset="-122"/>
+              <a:cs typeface="Times New Roman" panose="02020603050405020304" pitchFamily="18" charset="0"/>
+            </a:endParaRPr>
+          </a:p>
+          <a:p>
+            <a:pPr marL="0" indent="0">
+              <a:buNone/>
+            </a:pPr>
+            <a:r>
+              <a:rPr lang="en-US" altLang="zh-CN" sz="1200" kern="100" dirty="0" err="1">
+                <a:effectLst/>
+                <a:latin typeface="Times New Roman" panose="02020603050405020304" pitchFamily="18" charset="0"/>
+                <a:ea typeface="仿宋" panose="02010609060101010101" pitchFamily="49" charset="-122"/>
+                <a:cs typeface="Times New Roman" panose="02020603050405020304" pitchFamily="18" charset="0"/>
+              </a:rPr>
+              <a:t>trx_gtm_gtid</a:t>
+            </a:r>
+            <a:r>
+              <a:rPr lang="en-US" altLang="zh-CN" sz="1200" kern="100" dirty="0">
+                <a:effectLst/>
+                <a:latin typeface="Times New Roman" panose="02020603050405020304" pitchFamily="18" charset="0"/>
+                <a:ea typeface="仿宋" panose="02010609060101010101" pitchFamily="49" charset="-122"/>
+                <a:cs typeface="Times New Roman" panose="02020603050405020304" pitchFamily="18" charset="0"/>
+              </a:rPr>
+              <a:t> </a:t>
+            </a:r>
+            <a:r>
+              <a:rPr lang="en-US" altLang="zh-CN" sz="1200" kern="100" dirty="0" err="1">
+                <a:effectLst/>
+                <a:latin typeface="Times New Roman" panose="02020603050405020304" pitchFamily="18" charset="0"/>
+                <a:ea typeface="仿宋" panose="02010609060101010101" pitchFamily="49" charset="-122"/>
+                <a:cs typeface="Times New Roman" panose="02020603050405020304" pitchFamily="18" charset="0"/>
+              </a:rPr>
+              <a:t>varcahr</a:t>
+            </a:r>
+            <a:r>
+              <a:rPr lang="en-US" altLang="zh-CN" sz="1200" kern="100" dirty="0">
+                <a:effectLst/>
+                <a:latin typeface="Times New Roman" panose="02020603050405020304" pitchFamily="18" charset="0"/>
+                <a:ea typeface="仿宋" panose="02010609060101010101" pitchFamily="49" charset="-122"/>
+                <a:cs typeface="Times New Roman" panose="02020603050405020304" pitchFamily="18" charset="0"/>
+              </a:rPr>
+              <a:t>(32) DEFAULT NULL</a:t>
+            </a:r>
+          </a:p>
+          <a:p>
+            <a:pPr marL="0" indent="0">
+              <a:buNone/>
+            </a:pPr>
+            <a:r>
+              <a:rPr lang="zh-CN" altLang="zh-CN" sz="1200" kern="100" dirty="0">
+                <a:effectLst/>
+                <a:latin typeface="Times New Roman" panose="02020603050405020304" pitchFamily="18" charset="0"/>
+                <a:ea typeface="仿宋" panose="02010609060101010101" pitchFamily="49" charset="-122"/>
+                <a:cs typeface="Times New Roman" panose="02020603050405020304" pitchFamily="18" charset="0"/>
+              </a:rPr>
+              <a:t>事务流水号信息和</a:t>
+            </a:r>
+            <a:r>
+              <a:rPr lang="en-US" altLang="zh-CN" sz="1200" kern="100" dirty="0">
+                <a:effectLst/>
+                <a:latin typeface="Times New Roman" panose="02020603050405020304" pitchFamily="18" charset="0"/>
+                <a:ea typeface="仿宋" panose="02010609060101010101" pitchFamily="49" charset="-122"/>
+                <a:cs typeface="Times New Roman" panose="02020603050405020304" pitchFamily="18" charset="0"/>
+              </a:rPr>
+              <a:t>GTID</a:t>
+            </a:r>
+            <a:r>
+              <a:rPr lang="zh-CN" altLang="zh-CN" sz="1200" kern="100" dirty="0">
+                <a:effectLst/>
+                <a:latin typeface="Times New Roman" panose="02020603050405020304" pitchFamily="18" charset="0"/>
+                <a:ea typeface="仿宋" panose="02010609060101010101" pitchFamily="49" charset="-122"/>
+                <a:cs typeface="Times New Roman" panose="02020603050405020304" pitchFamily="18" charset="0"/>
+              </a:rPr>
+              <a:t>信息都是以特殊</a:t>
+            </a:r>
+            <a:r>
+              <a:rPr lang="en-US" altLang="zh-CN" sz="1200" kern="100" dirty="0">
+                <a:effectLst/>
+                <a:latin typeface="Times New Roman" panose="02020603050405020304" pitchFamily="18" charset="0"/>
+                <a:ea typeface="仿宋" panose="02010609060101010101" pitchFamily="49" charset="-122"/>
+                <a:cs typeface="Times New Roman" panose="02020603050405020304" pitchFamily="18" charset="0"/>
+              </a:rPr>
+              <a:t>HINT</a:t>
+            </a:r>
+            <a:r>
+              <a:rPr lang="zh-CN" altLang="zh-CN" sz="1200" kern="100" dirty="0">
+                <a:effectLst/>
+                <a:latin typeface="Times New Roman" panose="02020603050405020304" pitchFamily="18" charset="0"/>
+                <a:ea typeface="仿宋" panose="02010609060101010101" pitchFamily="49" charset="-122"/>
+                <a:cs typeface="Times New Roman" panose="02020603050405020304" pitchFamily="18" charset="0"/>
+              </a:rPr>
+              <a:t>信息的方式携带在</a:t>
+            </a:r>
+            <a:r>
+              <a:rPr lang="en-US" altLang="zh-CN" sz="1200" kern="100" dirty="0">
+                <a:effectLst/>
+                <a:latin typeface="Times New Roman" panose="02020603050405020304" pitchFamily="18" charset="0"/>
+                <a:ea typeface="仿宋" panose="02010609060101010101" pitchFamily="49" charset="-122"/>
+                <a:cs typeface="Times New Roman" panose="02020603050405020304" pitchFamily="18" charset="0"/>
+              </a:rPr>
+              <a:t>SQL</a:t>
+            </a:r>
+            <a:r>
+              <a:rPr lang="zh-CN" altLang="zh-CN" sz="1200" kern="100" dirty="0">
+                <a:effectLst/>
+                <a:latin typeface="Times New Roman" panose="02020603050405020304" pitchFamily="18" charset="0"/>
+                <a:ea typeface="仿宋" panose="02010609060101010101" pitchFamily="49" charset="-122"/>
+                <a:cs typeface="Times New Roman" panose="02020603050405020304" pitchFamily="18" charset="0"/>
+              </a:rPr>
+              <a:t>语句中的，如：</a:t>
+            </a:r>
+            <a:endParaRPr lang="en-US" altLang="zh-CN" sz="1200" kern="100" dirty="0">
+              <a:effectLst/>
+              <a:latin typeface="Times New Roman" panose="02020603050405020304" pitchFamily="18" charset="0"/>
+              <a:ea typeface="仿宋" panose="02010609060101010101" pitchFamily="49" charset="-122"/>
+              <a:cs typeface="Times New Roman" panose="02020603050405020304" pitchFamily="18" charset="0"/>
+            </a:endParaRPr>
+          </a:p>
+          <a:p>
+            <a:pPr marL="0" indent="0">
+              <a:buNone/>
+            </a:pPr>
+            <a:r>
+              <a:rPr lang="zh-CN" altLang="zh-CN" sz="1200" kern="100" dirty="0">
+                <a:solidFill>
+                  <a:srgbClr val="FF0000"/>
+                </a:solidFill>
+                <a:effectLst/>
+                <a:latin typeface="Times New Roman" panose="02020603050405020304" pitchFamily="18" charset="0"/>
+                <a:ea typeface="仿宋" panose="02010609060101010101" pitchFamily="49" charset="-122"/>
+                <a:cs typeface="Times New Roman" panose="02020603050405020304" pitchFamily="18" charset="0"/>
+              </a:rPr>
+              <a:t>事务流水号：</a:t>
+            </a:r>
+            <a:r>
+              <a:rPr lang="en-US" altLang="zh-CN" sz="1200" kern="100" dirty="0">
+                <a:solidFill>
+                  <a:srgbClr val="FF0000"/>
+                </a:solidFill>
+                <a:effectLst/>
+                <a:latin typeface="Times New Roman" panose="02020603050405020304" pitchFamily="18" charset="0"/>
+                <a:ea typeface="仿宋" panose="02010609060101010101" pitchFamily="49" charset="-122"/>
+                <a:cs typeface="Times New Roman" panose="02020603050405020304" pitchFamily="18" charset="0"/>
+              </a:rPr>
+              <a:t>/*+TSN=abc123*/ START TRANSACTION;</a:t>
+            </a:r>
+          </a:p>
+          <a:p>
+            <a:pPr marL="0" indent="0">
+              <a:buNone/>
+            </a:pPr>
+            <a:r>
+              <a:rPr lang="zh-CN" altLang="zh-CN" sz="1200" kern="100" dirty="0">
+                <a:solidFill>
+                  <a:srgbClr val="FF0000"/>
+                </a:solidFill>
+                <a:effectLst/>
+                <a:latin typeface="Times New Roman" panose="02020603050405020304" pitchFamily="18" charset="0"/>
+                <a:ea typeface="仿宋" panose="02010609060101010101" pitchFamily="49" charset="-122"/>
+                <a:cs typeface="Times New Roman" panose="02020603050405020304" pitchFamily="18" charset="0"/>
+              </a:rPr>
+              <a:t>事务流水号：</a:t>
+            </a:r>
+            <a:r>
+              <a:rPr lang="en-US" altLang="zh-CN" sz="1200" kern="100" dirty="0">
+                <a:solidFill>
+                  <a:srgbClr val="FF0000"/>
+                </a:solidFill>
+                <a:effectLst/>
+                <a:latin typeface="Times New Roman" panose="02020603050405020304" pitchFamily="18" charset="0"/>
+                <a:ea typeface="仿宋" panose="02010609060101010101" pitchFamily="49" charset="-122"/>
+                <a:cs typeface="Times New Roman" panose="02020603050405020304" pitchFamily="18" charset="0"/>
+              </a:rPr>
+              <a:t>/*+GTID=123456*/ START TRANSACTION;</a:t>
+            </a:r>
+            <a:endParaRPr lang="en-US" altLang="zh-CN" dirty="0"/>
+          </a:p>
+        </p:txBody>
+      </p:sp>
+      <p:sp>
+        <p:nvSpPr>
+          <p:cNvPr id="4" name="灯片编号占位符 3"/>
+          <p:cNvSpPr>
+            <a:spLocks noGrp="1"/>
+          </p:cNvSpPr>
+          <p:nvPr>
+            <p:ph type="sldNum" sz="quarter" idx="5"/>
+          </p:nvPr>
+        </p:nvSpPr>
+        <p:spPr/>
+        <p:txBody>
+          <a:bodyPr/>
+          <a:lstStyle/>
+          <a:p>
+            <a:fld id="{D0980B82-C7B9-4E3A-A834-69DA7504355C}" type="slidenum">
+              <a:rPr lang="zh-CN" altLang="en-US" smtClean="0"/>
+              <a:t>34</a:t>
+            </a:fld>
+            <a:endParaRPr lang="zh-CN" altLang="en-US"/>
+          </a:p>
+        </p:txBody>
+      </p:sp>
+    </p:spTree>
+    <p:extLst>
+      <p:ext uri="{BB962C8B-B14F-4D97-AF65-F5344CB8AC3E}">
+        <p14:creationId xmlns:p14="http://schemas.microsoft.com/office/powerpoint/2010/main" val="1540189417"/>
+      </p:ext>
+    </p:extLst>
+  </p:cSld>
+  <p:clrMapOvr>
+    <a:masterClrMapping/>
+  </p:clrMapOvr>
+</p:notes>
+</file>
+
+<file path=ppt/notesSlides/notesSlide9.xml><?xml version="1.0" encoding="utf-8"?>
+<p:notes xmlns:a="http://schemas.openxmlformats.org/drawingml/2006/main" xmlns:r="http://schemas.openxmlformats.org/officeDocument/2006/relationships" xmlns:p="http://schemas.openxmlformats.org/presentationml/2006/main">
+  <p:cSld>
+    <p:spTree>
+      <p:nvGrpSpPr>
+        <p:cNvPr id="1" name=""/>
+        <p:cNvGrpSpPr/>
+        <p:nvPr/>
+      </p:nvGrpSpPr>
+      <p:grpSpPr>
+        <a:xfrm>
+          <a:off x="0" y="0"/>
+          <a:ext cx="0" cy="0"/>
+          <a:chOff x="0" y="0"/>
+          <a:chExt cx="0" cy="0"/>
+        </a:xfrm>
+      </p:grpSpPr>
+      <p:sp>
+        <p:nvSpPr>
+          <p:cNvPr id="2" name="幻灯片图像占位符 1"/>
+          <p:cNvSpPr>
+            <a:spLocks noGrp="1" noRot="1" noChangeAspect="1"/>
+          </p:cNvSpPr>
+          <p:nvPr>
+            <p:ph type="sldImg"/>
+          </p:nvPr>
+        </p:nvSpPr>
+        <p:spPr/>
+      </p:sp>
+      <p:sp>
+        <p:nvSpPr>
+          <p:cNvPr id="3" name="备注占位符 2"/>
+          <p:cNvSpPr>
+            <a:spLocks noGrp="1"/>
+          </p:cNvSpPr>
+          <p:nvPr>
+            <p:ph type="body" idx="1"/>
+          </p:nvPr>
+        </p:nvSpPr>
+        <p:spPr/>
+        <p:txBody>
+          <a:bodyPr/>
+          <a:lstStyle/>
+          <a:p>
+            <a:pPr algn="just"/>
+            <a:r>
+              <a:rPr lang="en-US" altLang="zh-CN" b="0" i="0" dirty="0">
+                <a:solidFill>
+                  <a:srgbClr val="333333"/>
+                </a:solidFill>
+                <a:effectLst/>
+                <a:latin typeface="-apple-system"/>
+              </a:rPr>
+              <a:t>1</a:t>
+            </a:r>
+            <a:r>
+              <a:rPr lang="zh-CN" altLang="en-US" b="0" i="0" dirty="0">
+                <a:solidFill>
+                  <a:srgbClr val="333333"/>
+                </a:solidFill>
+                <a:effectLst/>
+                <a:latin typeface="-apple-system"/>
+              </a:rPr>
+              <a:t>、</a:t>
+            </a:r>
+            <a:r>
+              <a:rPr lang="en-US" altLang="zh-CN" b="0" i="0" dirty="0" err="1">
+                <a:solidFill>
+                  <a:srgbClr val="333333"/>
+                </a:solidFill>
+                <a:effectLst/>
+                <a:latin typeface="-apple-system"/>
+              </a:rPr>
+              <a:t>InsightAgent</a:t>
+            </a:r>
+            <a:r>
+              <a:rPr lang="zh-CN" altLang="en-US" b="0" i="0" dirty="0">
+                <a:solidFill>
+                  <a:srgbClr val="333333"/>
+                </a:solidFill>
+                <a:effectLst/>
+                <a:latin typeface="-apple-system"/>
+              </a:rPr>
+              <a:t>是主机代理，每台主机上部署，执行</a:t>
+            </a:r>
+            <a:r>
+              <a:rPr lang="en-US" altLang="zh-CN" b="0" i="0" dirty="0" err="1">
+                <a:solidFill>
+                  <a:srgbClr val="333333"/>
+                </a:solidFill>
+                <a:effectLst/>
+                <a:latin typeface="-apple-system"/>
+              </a:rPr>
+              <a:t>insightserver</a:t>
+            </a:r>
+            <a:r>
+              <a:rPr lang="zh-CN" altLang="en-US" b="0" i="0" dirty="0">
+                <a:solidFill>
+                  <a:srgbClr val="333333"/>
+                </a:solidFill>
+                <a:effectLst/>
+                <a:latin typeface="-apple-system"/>
+              </a:rPr>
+              <a:t>下发的命令，并将数据收集推送到</a:t>
+            </a:r>
+            <a:r>
+              <a:rPr lang="en-US" altLang="zh-CN" b="0" i="0" dirty="0" err="1">
+                <a:solidFill>
+                  <a:srgbClr val="333333"/>
+                </a:solidFill>
+                <a:effectLst/>
+                <a:latin typeface="-apple-system"/>
+              </a:rPr>
+              <a:t>kafka</a:t>
+            </a:r>
+            <a:endParaRPr lang="en-US" altLang="zh-CN" b="0" i="0" dirty="0">
+              <a:solidFill>
+                <a:srgbClr val="333333"/>
+              </a:solidFill>
+              <a:effectLst/>
+              <a:latin typeface="-apple-system"/>
+            </a:endParaRPr>
+          </a:p>
+          <a:p>
+            <a:pPr algn="just"/>
+            <a:r>
+              <a:rPr lang="en-US" altLang="zh-CN" b="0" i="0" dirty="0">
+                <a:solidFill>
+                  <a:srgbClr val="333333"/>
+                </a:solidFill>
+                <a:effectLst/>
+                <a:latin typeface="-apple-system"/>
+              </a:rPr>
+              <a:t>2</a:t>
+            </a:r>
+            <a:r>
+              <a:rPr lang="zh-CN" altLang="en-US" b="0" i="0" dirty="0">
+                <a:solidFill>
+                  <a:srgbClr val="333333"/>
+                </a:solidFill>
+                <a:effectLst/>
+                <a:latin typeface="-apple-system"/>
+              </a:rPr>
+              <a:t>、</a:t>
+            </a:r>
+            <a:r>
+              <a:rPr lang="en-US" altLang="zh-CN" b="0" i="0" dirty="0" err="1">
+                <a:solidFill>
+                  <a:srgbClr val="333333"/>
+                </a:solidFill>
+                <a:effectLst/>
+                <a:latin typeface="-apple-system"/>
+              </a:rPr>
+              <a:t>Filebeat</a:t>
+            </a:r>
+            <a:r>
+              <a:rPr lang="zh-CN" altLang="en-US" b="0" i="0" dirty="0">
+                <a:solidFill>
+                  <a:srgbClr val="333333"/>
+                </a:solidFill>
+                <a:effectLst/>
+                <a:latin typeface="-apple-system"/>
+              </a:rPr>
+              <a:t>是日志采集代理，用于收集每台服务器的日志数据</a:t>
+            </a:r>
+          </a:p>
+          <a:p>
+            <a:pPr algn="just"/>
+            <a:r>
+              <a:rPr lang="en-US" altLang="zh-CN" b="0" i="0" dirty="0">
+                <a:solidFill>
+                  <a:srgbClr val="333333"/>
+                </a:solidFill>
+                <a:effectLst/>
+                <a:latin typeface="-apple-system"/>
+              </a:rPr>
+              <a:t>3</a:t>
+            </a:r>
+            <a:r>
+              <a:rPr lang="zh-CN" altLang="en-US" b="0" i="0" dirty="0">
+                <a:solidFill>
+                  <a:srgbClr val="333333"/>
+                </a:solidFill>
+                <a:effectLst/>
+                <a:latin typeface="-apple-system"/>
+              </a:rPr>
+              <a:t>、运维性能数据经过</a:t>
+            </a:r>
+            <a:r>
+              <a:rPr lang="en-US" altLang="zh-CN" b="0" i="0" dirty="0" err="1">
+                <a:solidFill>
+                  <a:srgbClr val="333333"/>
+                </a:solidFill>
+                <a:effectLst/>
+                <a:latin typeface="-apple-system"/>
+              </a:rPr>
+              <a:t>kafka</a:t>
+            </a:r>
+            <a:r>
+              <a:rPr lang="zh-CN" altLang="en-US" b="0" i="0" dirty="0">
+                <a:solidFill>
+                  <a:srgbClr val="333333"/>
+                </a:solidFill>
+                <a:effectLst/>
+                <a:latin typeface="-apple-system"/>
+              </a:rPr>
+              <a:t>消息队列后通过</a:t>
+            </a:r>
+            <a:r>
+              <a:rPr lang="en-US" altLang="zh-CN" b="0" i="0" dirty="0" err="1">
+                <a:solidFill>
+                  <a:srgbClr val="333333"/>
+                </a:solidFill>
+                <a:effectLst/>
+                <a:latin typeface="-apple-system"/>
+              </a:rPr>
+              <a:t>logstash</a:t>
+            </a:r>
+            <a:r>
+              <a:rPr lang="zh-CN" altLang="en-US" b="0" i="0" dirty="0">
+                <a:solidFill>
+                  <a:srgbClr val="333333"/>
+                </a:solidFill>
+                <a:effectLst/>
+                <a:latin typeface="-apple-system"/>
+              </a:rPr>
+              <a:t>采集到</a:t>
+            </a:r>
+            <a:r>
+              <a:rPr lang="en-US" altLang="zh-CN" b="0" i="0" dirty="0" err="1">
+                <a:solidFill>
+                  <a:srgbClr val="333333"/>
+                </a:solidFill>
+                <a:effectLst/>
+                <a:latin typeface="-apple-system"/>
+              </a:rPr>
+              <a:t>elasticsearch</a:t>
+            </a:r>
+            <a:r>
+              <a:rPr lang="zh-CN" altLang="en-US" b="0" i="0" dirty="0">
+                <a:solidFill>
+                  <a:srgbClr val="333333"/>
+                </a:solidFill>
+                <a:effectLst/>
+                <a:latin typeface="-apple-system"/>
+              </a:rPr>
+              <a:t>中存储</a:t>
+            </a:r>
+          </a:p>
+          <a:p>
+            <a:pPr algn="just"/>
+            <a:r>
+              <a:rPr lang="en-US" altLang="zh-CN" b="0" i="0" dirty="0">
+                <a:solidFill>
+                  <a:srgbClr val="333333"/>
+                </a:solidFill>
+                <a:effectLst/>
+                <a:latin typeface="-apple-system"/>
+              </a:rPr>
+              <a:t>4</a:t>
+            </a:r>
+            <a:r>
+              <a:rPr lang="zh-CN" altLang="en-US" b="0" i="0" dirty="0">
+                <a:solidFill>
+                  <a:srgbClr val="333333"/>
+                </a:solidFill>
+                <a:effectLst/>
+                <a:latin typeface="-apple-system"/>
+              </a:rPr>
+              <a:t>、</a:t>
+            </a:r>
+            <a:r>
+              <a:rPr lang="en-US" altLang="zh-CN" b="0" i="0" dirty="0" err="1">
+                <a:solidFill>
+                  <a:srgbClr val="333333"/>
+                </a:solidFill>
+                <a:effectLst/>
+                <a:latin typeface="-apple-system"/>
+              </a:rPr>
+              <a:t>Insightserver</a:t>
+            </a:r>
+            <a:r>
+              <a:rPr lang="zh-CN" altLang="en-US" b="0" i="0" dirty="0">
+                <a:solidFill>
+                  <a:srgbClr val="333333"/>
+                </a:solidFill>
+                <a:effectLst/>
+                <a:latin typeface="-apple-system"/>
+              </a:rPr>
+              <a:t>会查询</a:t>
+            </a:r>
+            <a:r>
+              <a:rPr lang="en-US" altLang="zh-CN" b="0" i="0" dirty="0">
+                <a:solidFill>
+                  <a:srgbClr val="333333"/>
+                </a:solidFill>
+                <a:effectLst/>
+                <a:latin typeface="-apple-system"/>
+              </a:rPr>
+              <a:t>ES</a:t>
+            </a:r>
+            <a:r>
+              <a:rPr lang="zh-CN" altLang="en-US" b="0" i="0" dirty="0">
+                <a:solidFill>
+                  <a:srgbClr val="333333"/>
+                </a:solidFill>
+                <a:effectLst/>
+                <a:latin typeface="-apple-system"/>
+              </a:rPr>
+              <a:t>中的性能数据、</a:t>
+            </a:r>
+            <a:r>
+              <a:rPr lang="en-US" altLang="zh-CN" b="0" i="0" dirty="0">
+                <a:solidFill>
+                  <a:srgbClr val="333333"/>
+                </a:solidFill>
+                <a:effectLst/>
+                <a:latin typeface="-apple-system"/>
+              </a:rPr>
+              <a:t>RDB</a:t>
+            </a:r>
+            <a:r>
+              <a:rPr lang="zh-CN" altLang="en-US" b="0" i="0" dirty="0">
+                <a:solidFill>
+                  <a:srgbClr val="333333"/>
+                </a:solidFill>
+                <a:effectLst/>
+                <a:latin typeface="-apple-system"/>
+              </a:rPr>
+              <a:t>中的集群信息以及</a:t>
+            </a:r>
+            <a:r>
+              <a:rPr lang="en-US" altLang="zh-CN" b="0" i="0" dirty="0">
+                <a:solidFill>
+                  <a:srgbClr val="333333"/>
+                </a:solidFill>
+                <a:effectLst/>
+                <a:latin typeface="-apple-system"/>
+              </a:rPr>
+              <a:t>Redis</a:t>
+            </a:r>
+            <a:r>
+              <a:rPr lang="zh-CN" altLang="en-US" b="0" i="0" dirty="0">
+                <a:solidFill>
+                  <a:srgbClr val="333333"/>
+                </a:solidFill>
+                <a:effectLst/>
+                <a:latin typeface="-apple-system"/>
+              </a:rPr>
+              <a:t>中的缓存信息进行展示和汇总分析</a:t>
+            </a:r>
+          </a:p>
+          <a:p>
+            <a:endParaRPr lang="zh-CN" altLang="en-US" dirty="0"/>
+          </a:p>
+        </p:txBody>
+      </p:sp>
+      <p:sp>
+        <p:nvSpPr>
+          <p:cNvPr id="4" name="灯片编号占位符 3"/>
+          <p:cNvSpPr>
+            <a:spLocks noGrp="1"/>
+          </p:cNvSpPr>
+          <p:nvPr>
+            <p:ph type="sldNum" sz="quarter" idx="5"/>
+          </p:nvPr>
+        </p:nvSpPr>
+        <p:spPr/>
+        <p:txBody>
+          <a:bodyPr/>
+          <a:lstStyle/>
+          <a:p>
+            <a:fld id="{D0980B82-C7B9-4E3A-A834-69DA7504355C}" type="slidenum">
+              <a:rPr lang="zh-CN" altLang="en-US" smtClean="0"/>
+              <a:t>35</a:t>
+            </a:fld>
+            <a:endParaRPr lang="zh-CN" altLang="en-US"/>
+          </a:p>
+        </p:txBody>
+      </p:sp>
+    </p:spTree>
+    <p:extLst>
+      <p:ext uri="{BB962C8B-B14F-4D97-AF65-F5344CB8AC3E}">
+        <p14:creationId xmlns:p14="http://schemas.microsoft.com/office/powerpoint/2010/main" val="483769072"/>
       </p:ext>
     </p:extLst>
   </p:cSld>
@@ -4871,7 +6770,7 @@
         <p:spPr>
           <a:xfrm>
             <a:off x="643467" y="321734"/>
-            <a:ext cx="10905066" cy="1135737"/>
+            <a:ext cx="2473153" cy="697377"/>
           </a:xfrm>
         </p:spPr>
         <p:txBody>
@@ -4881,7 +6780,7 @@
           <a:lstStyle/>
           <a:p>
             <a:r>
-              <a:rPr lang="zh-CN" altLang="en-US" sz="3600" b="1"/>
+              <a:rPr lang="zh-CN" altLang="en-US" sz="3600" b="1" dirty="0"/>
               <a:t>事务控制</a:t>
             </a:r>
           </a:p>
@@ -5944,7 +7843,7 @@
         <p:spPr>
           <a:xfrm>
             <a:off x="643467" y="321735"/>
-            <a:ext cx="3579050" cy="846400"/>
+            <a:ext cx="3631712" cy="697376"/>
           </a:xfrm>
         </p:spPr>
         <p:txBody>
@@ -5955,7 +7854,15 @@
           <a:p>
             <a:r>
               <a:rPr lang="zh-CN" altLang="en-US" sz="3600" b="1" dirty="0"/>
-              <a:t>原子性控制</a:t>
+              <a:t>原子性</a:t>
+            </a:r>
+            <a:r>
+              <a:rPr lang="en-US" altLang="zh-CN" sz="3600" b="1" dirty="0"/>
+              <a:t>—DB</a:t>
+            </a:r>
+            <a:r>
+              <a:rPr lang="zh-CN" altLang="en-US" sz="3600" b="1" dirty="0"/>
+              <a:t>异常</a:t>
             </a:r>
           </a:p>
         </p:txBody>
@@ -6441,13 +8348,21 @@
         </p:spPr>
         <p:txBody>
           <a:bodyPr>
-            <a:normAutofit/>
+            <a:normAutofit fontScale="90000"/>
           </a:bodyPr>
           <a:lstStyle/>
           <a:p>
             <a:r>
               <a:rPr lang="zh-CN" altLang="en-US" sz="3600" b="1" dirty="0"/>
-              <a:t>原子性控制</a:t>
+              <a:t>原子性</a:t>
+            </a:r>
+            <a:r>
+              <a:rPr lang="en-US" altLang="zh-CN" sz="3600" b="1" dirty="0"/>
+              <a:t>—proxy</a:t>
+            </a:r>
+            <a:r>
+              <a:rPr lang="zh-CN" altLang="en-US" sz="3600" b="1" dirty="0"/>
+              <a:t>故障</a:t>
             </a:r>
           </a:p>
         </p:txBody>
@@ -6928,7 +8843,7 @@
         <p:spPr>
           <a:xfrm>
             <a:off x="643467" y="321735"/>
-            <a:ext cx="3579050" cy="846400"/>
+            <a:ext cx="3612562" cy="651130"/>
           </a:xfrm>
         </p:spPr>
         <p:txBody>
@@ -6939,8 +8854,13 @@
           <a:p>
             <a:r>
               <a:rPr lang="zh-CN" altLang="en-US" sz="3600" b="1" dirty="0"/>
-              <a:t>原子性控制</a:t>
-            </a:r>
+              <a:t>原子性</a:t>
+            </a:r>
+            <a:r>
+              <a:rPr lang="en-US" altLang="zh-CN" sz="3600" b="1" dirty="0"/>
+              <a:t>—rollback</a:t>
+            </a:r>
+            <a:endParaRPr lang="zh-CN" altLang="en-US" sz="3600" b="1" dirty="0"/>
           </a:p>
         </p:txBody>
       </p:sp>
@@ -7420,7 +9340,7 @@
         <p:spPr>
           <a:xfrm>
             <a:off x="643467" y="321734"/>
-            <a:ext cx="10905066" cy="1135737"/>
+            <a:ext cx="3157756" cy="795091"/>
           </a:xfrm>
         </p:spPr>
         <p:txBody>
@@ -7430,7 +9350,7 @@
           <a:lstStyle/>
           <a:p>
             <a:r>
-              <a:rPr lang="zh-CN" altLang="en-US" sz="3600" b="1"/>
+              <a:rPr lang="zh-CN" altLang="en-US" sz="3600" b="1" dirty="0"/>
               <a:t>事务隔离级别</a:t>
             </a:r>
           </a:p>
@@ -8017,7 +9937,7 @@
         <p:spPr>
           <a:xfrm>
             <a:off x="643467" y="321734"/>
-            <a:ext cx="10905066" cy="1135737"/>
+            <a:ext cx="4603561" cy="725785"/>
           </a:xfrm>
         </p:spPr>
         <p:txBody>
@@ -8586,8 +10506,8 @@
         </p:nvSpPr>
         <p:spPr>
           <a:xfrm>
-            <a:off x="838200" y="365125"/>
-            <a:ext cx="2807099" cy="680489"/>
+            <a:off x="838200" y="365126"/>
+            <a:ext cx="2848125" cy="554062"/>
           </a:xfrm>
         </p:spPr>
         <p:txBody>
@@ -8603,212 +10523,6 @@
           </a:p>
         </p:txBody>
       </p:sp>
-      <p:sp>
-        <p:nvSpPr>
-          <p:cNvPr id="5" name="文本框 4">
-            <a:extLst>
-              <a:ext uri="{FF2B5EF4-FFF2-40B4-BE49-F238E27FC236}">
-                <a16:creationId xmlns:a16="http://schemas.microsoft.com/office/drawing/2014/main" id="{9AAB9880-8B35-4ABC-8635-3AC8E14FB2AC}"/>
-              </a:ext>
-            </a:extLst>
-          </p:cNvPr>
-          <p:cNvSpPr txBox="1"/>
-          <p:nvPr/>
-        </p:nvSpPr>
-        <p:spPr>
-          <a:xfrm>
-            <a:off x="622663" y="5221785"/>
-            <a:ext cx="11120846" cy="1477328"/>
-          </a:xfrm>
-          <a:prstGeom prst="rect">
-            <a:avLst/>
-          </a:prstGeom>
-          <a:noFill/>
-        </p:spPr>
-        <p:txBody>
-          <a:bodyPr wrap="square" rtlCol="0">
-            <a:spAutoFit/>
-          </a:bodyPr>
-          <a:lstStyle/>
-          <a:p>
-            <a:r>
-              <a:rPr lang="zh-CN" altLang="en-US" sz="1800" b="0" i="0" spc="0" dirty="0">
-                <a:solidFill>
-                  <a:srgbClr val="000000"/>
-                </a:solidFill>
-                <a:effectLst/>
-                <a:latin typeface="仿宋" panose="02010609060101010101" pitchFamily="49" charset="-122"/>
-                <a:ea typeface="仿宋" panose="02010609060101010101" pitchFamily="49" charset="-122"/>
-              </a:rPr>
-              <a:t>当</a:t>
-            </a:r>
-            <a:r>
-              <a:rPr lang="en-US" altLang="zh-CN" sz="1800" b="0" i="0" spc="0" dirty="0">
-                <a:solidFill>
-                  <a:srgbClr val="000000"/>
-                </a:solidFill>
-                <a:effectLst/>
-                <a:latin typeface="Times New Roman" panose="02020603050405020304" pitchFamily="18" charset="0"/>
-              </a:rPr>
-              <a:t>proxy</a:t>
-            </a:r>
-            <a:r>
-              <a:rPr lang="zh-CN" altLang="en-US" sz="1800" b="0" i="0" spc="0" dirty="0">
-                <a:solidFill>
-                  <a:srgbClr val="000000"/>
-                </a:solidFill>
-                <a:effectLst/>
-                <a:latin typeface="仿宋" panose="02010609060101010101" pitchFamily="49" charset="-122"/>
-                <a:ea typeface="仿宋" panose="02010609060101010101" pitchFamily="49" charset="-122"/>
-              </a:rPr>
-              <a:t>隔离级别定义为</a:t>
-            </a:r>
-            <a:r>
-              <a:rPr lang="en-US" altLang="zh-CN" sz="1800" b="0" i="0" spc="0" dirty="0">
-                <a:solidFill>
-                  <a:srgbClr val="000000"/>
-                </a:solidFill>
-                <a:effectLst/>
-                <a:latin typeface="Times New Roman" panose="02020603050405020304" pitchFamily="18" charset="0"/>
-              </a:rPr>
-              <a:t>CR</a:t>
-            </a:r>
-            <a:r>
-              <a:rPr lang="zh-CN" altLang="en-US" sz="1800" b="0" i="0" spc="0" dirty="0">
-                <a:solidFill>
-                  <a:srgbClr val="000000"/>
-                </a:solidFill>
-                <a:effectLst/>
-                <a:latin typeface="仿宋" panose="02010609060101010101" pitchFamily="49" charset="-122"/>
-                <a:ea typeface="仿宋" panose="02010609060101010101" pitchFamily="49" charset="-122"/>
-              </a:rPr>
-              <a:t>时候，查询数据时，通过检查数据行</a:t>
-            </a:r>
-            <a:r>
-              <a:rPr lang="en-US" altLang="zh-CN" sz="1800" b="0" i="0" spc="0" dirty="0">
-                <a:solidFill>
-                  <a:srgbClr val="000000"/>
-                </a:solidFill>
-                <a:effectLst/>
-                <a:latin typeface="Times New Roman" panose="02020603050405020304" pitchFamily="18" charset="0"/>
-              </a:rPr>
-              <a:t>GTID</a:t>
-            </a:r>
-            <a:r>
-              <a:rPr lang="zh-CN" altLang="en-US" sz="1800" b="0" i="0" spc="0" dirty="0">
-                <a:solidFill>
-                  <a:srgbClr val="000000"/>
-                </a:solidFill>
-                <a:effectLst/>
-                <a:latin typeface="仿宋" panose="02010609060101010101" pitchFamily="49" charset="-122"/>
-                <a:ea typeface="仿宋" panose="02010609060101010101" pitchFamily="49" charset="-122"/>
-              </a:rPr>
-              <a:t>列对应的全局状态，来判断该数据行是否正在被其它全局事务修改。如果</a:t>
-            </a:r>
-            <a:r>
-              <a:rPr lang="en-US" altLang="zh-CN" sz="1800" b="0" i="0" spc="0" dirty="0">
-                <a:solidFill>
-                  <a:srgbClr val="000000"/>
-                </a:solidFill>
-                <a:effectLst/>
-                <a:latin typeface="Times New Roman" panose="02020603050405020304" pitchFamily="18" charset="0"/>
-              </a:rPr>
-              <a:t>GTID</a:t>
-            </a:r>
-            <a:r>
-              <a:rPr lang="zh-CN" altLang="en-US" sz="1800" b="0" i="0" spc="0" dirty="0">
-                <a:solidFill>
-                  <a:srgbClr val="000000"/>
-                </a:solidFill>
-                <a:effectLst/>
-                <a:latin typeface="仿宋" panose="02010609060101010101" pitchFamily="49" charset="-122"/>
-                <a:ea typeface="仿宋" panose="02010609060101010101" pitchFamily="49" charset="-122"/>
-              </a:rPr>
-              <a:t>在全局活跃事务列表中，则表明该数据正在被修改，不能返回给应用。</a:t>
-            </a:r>
-            <a:endParaRPr lang="en-US" altLang="zh-CN" sz="1800" b="0" i="0" spc="0" dirty="0">
-              <a:solidFill>
-                <a:srgbClr val="000000"/>
-              </a:solidFill>
-              <a:effectLst/>
-              <a:latin typeface="仿宋" panose="02010609060101010101" pitchFamily="49" charset="-122"/>
-              <a:ea typeface="仿宋" panose="02010609060101010101" pitchFamily="49" charset="-122"/>
-            </a:endParaRPr>
-          </a:p>
-          <a:p>
-            <a:r>
-              <a:rPr lang="zh-CN" altLang="en-US" sz="1800" b="0" i="0" spc="0" dirty="0">
-                <a:solidFill>
-                  <a:srgbClr val="FF0000"/>
-                </a:solidFill>
-                <a:effectLst/>
-                <a:latin typeface="仿宋" panose="02010609060101010101" pitchFamily="49" charset="-122"/>
-                <a:ea typeface="仿宋" panose="02010609060101010101" pitchFamily="49" charset="-122"/>
-              </a:rPr>
-              <a:t>在一致性读的过程中，如果事务已提交即</a:t>
-            </a:r>
-            <a:r>
-              <a:rPr lang="en-US" altLang="zh-CN" sz="1800" b="0" i="0" spc="0" dirty="0">
-                <a:solidFill>
-                  <a:srgbClr val="FF0000"/>
-                </a:solidFill>
-                <a:effectLst/>
-                <a:latin typeface="Times New Roman" panose="02020603050405020304" pitchFamily="18" charset="0"/>
-              </a:rPr>
-              <a:t>GTID</a:t>
-            </a:r>
-            <a:r>
-              <a:rPr lang="zh-CN" altLang="en-US" sz="1800" b="0" i="0" spc="0" dirty="0">
-                <a:solidFill>
-                  <a:srgbClr val="FF0000"/>
-                </a:solidFill>
-                <a:effectLst/>
-                <a:latin typeface="仿宋" panose="02010609060101010101" pitchFamily="49" charset="-122"/>
-                <a:ea typeface="仿宋" panose="02010609060101010101" pitchFamily="49" charset="-122"/>
-              </a:rPr>
-              <a:t>不在活跃事务列表中，则返回的是已提交的数据；如果事务未提交，即</a:t>
-            </a:r>
-            <a:r>
-              <a:rPr lang="en-US" altLang="zh-CN" sz="1800" b="0" i="0" spc="0" dirty="0">
-                <a:solidFill>
-                  <a:srgbClr val="FF0000"/>
-                </a:solidFill>
-                <a:effectLst/>
-                <a:latin typeface="Times New Roman" panose="02020603050405020304" pitchFamily="18" charset="0"/>
-              </a:rPr>
-              <a:t>GTID</a:t>
-            </a:r>
-            <a:r>
-              <a:rPr lang="zh-CN" altLang="en-US" sz="1800" b="0" i="0" spc="0" dirty="0">
-                <a:solidFill>
-                  <a:srgbClr val="FF0000"/>
-                </a:solidFill>
-                <a:effectLst/>
-                <a:latin typeface="仿宋" panose="02010609060101010101" pitchFamily="49" charset="-122"/>
-                <a:ea typeface="仿宋" panose="02010609060101010101" pitchFamily="49" charset="-122"/>
-              </a:rPr>
-              <a:t>在活跃事务列表中，则返回的是事务提交之前的数据，这样即满足了隔离性要求</a:t>
-            </a:r>
-            <a:r>
-              <a:rPr lang="zh-CN" altLang="en-US" sz="1800" b="0" i="0" spc="0" dirty="0">
-                <a:solidFill>
-                  <a:srgbClr val="000000"/>
-                </a:solidFill>
-                <a:effectLst/>
-                <a:latin typeface="仿宋" panose="02010609060101010101" pitchFamily="49" charset="-122"/>
-                <a:ea typeface="仿宋" panose="02010609060101010101" pitchFamily="49" charset="-122"/>
-              </a:rPr>
-              <a:t>。</a:t>
-            </a:r>
-            <a:endParaRPr lang="zh-CN" altLang="en-US" dirty="0">
-              <a:effectLst/>
-            </a:endParaRPr>
-          </a:p>
-          <a:p>
-            <a:endParaRPr lang="zh-CN" altLang="en-US" dirty="0"/>
-          </a:p>
-        </p:txBody>
-      </p:sp>
       <p:pic>
         <p:nvPicPr>
           <p:cNvPr id="6" name="图片 5" descr="图形用户界面&#10;&#10;描述已自动生成">
@@ -8824,7 +10538,7 @@
           <p:nvPr/>
         </p:nvPicPr>
         <p:blipFill>
-          <a:blip r:embed="rId2">
+          <a:blip r:embed="rId3">
             <a:extLst>
               <a:ext uri="{28A0092B-C50C-407E-A947-70E740481C1C}">
                 <a14:useLocalDpi xmlns:a14="http://schemas.microsoft.com/office/drawing/2010/main" val="0"/>
@@ -8837,8 +10551,8 @@
         </p:blipFill>
         <p:spPr>
           <a:xfrm>
-            <a:off x="2272612" y="1045614"/>
-            <a:ext cx="7568074" cy="4133333"/>
+            <a:off x="1052444" y="1098275"/>
+            <a:ext cx="8946228" cy="4886017"/>
           </a:xfrm>
           <a:prstGeom prst="rect">
             <a:avLst/>
@@ -8914,168 +10628,6 @@
           </a:p>
         </p:txBody>
       </p:sp>
-      <p:sp>
-        <p:nvSpPr>
-          <p:cNvPr id="3" name="文本框 2">
-            <a:extLst>
-              <a:ext uri="{FF2B5EF4-FFF2-40B4-BE49-F238E27FC236}">
-                <a16:creationId xmlns:a16="http://schemas.microsoft.com/office/drawing/2014/main" id="{D1A5EB9D-FC12-4385-87A9-868007960D64}"/>
-              </a:ext>
-            </a:extLst>
-          </p:cNvPr>
-          <p:cNvSpPr txBox="1"/>
-          <p:nvPr/>
-        </p:nvSpPr>
-        <p:spPr>
-          <a:xfrm>
-            <a:off x="838200" y="5569545"/>
-            <a:ext cx="10779084" cy="923330"/>
-          </a:xfrm>
-          <a:prstGeom prst="rect">
-            <a:avLst/>
-          </a:prstGeom>
-          <a:noFill/>
-        </p:spPr>
-        <p:txBody>
-          <a:bodyPr wrap="square" rtlCol="0">
-            <a:spAutoFit/>
-          </a:bodyPr>
-          <a:lstStyle/>
-          <a:p>
-            <a:r>
-              <a:rPr lang="en-US" altLang="zh-CN" sz="1800" b="0" i="0" spc="0" dirty="0">
-                <a:solidFill>
-                  <a:srgbClr val="FF0000"/>
-                </a:solidFill>
-                <a:effectLst/>
-                <a:latin typeface="Times New Roman" panose="02020603050405020304" pitchFamily="18" charset="0"/>
-              </a:rPr>
-              <a:t>MVCC</a:t>
-            </a:r>
-            <a:r>
-              <a:rPr lang="zh-CN" altLang="en-US" sz="1800" b="0" i="0" spc="0" dirty="0">
-                <a:solidFill>
-                  <a:srgbClr val="FF0000"/>
-                </a:solidFill>
-                <a:effectLst/>
-                <a:latin typeface="仿宋" panose="02010609060101010101" pitchFamily="49" charset="-122"/>
-                <a:ea typeface="仿宋" panose="02010609060101010101" pitchFamily="49" charset="-122"/>
-              </a:rPr>
-              <a:t>模式下的一致性读的好处是通过</a:t>
-            </a:r>
-            <a:r>
-              <a:rPr lang="en-US" altLang="zh-CN" sz="1800" b="0" i="0" spc="0" dirty="0">
-                <a:solidFill>
-                  <a:srgbClr val="FF0000"/>
-                </a:solidFill>
-                <a:effectLst/>
-                <a:latin typeface="Times New Roman" panose="02020603050405020304" pitchFamily="18" charset="0"/>
-              </a:rPr>
-              <a:t>MVCC</a:t>
-            </a:r>
-            <a:r>
-              <a:rPr lang="zh-CN" altLang="en-US" sz="1800" b="0" i="0" spc="0" dirty="0">
-                <a:solidFill>
-                  <a:srgbClr val="FF0000"/>
-                </a:solidFill>
-                <a:effectLst/>
-                <a:latin typeface="仿宋" panose="02010609060101010101" pitchFamily="49" charset="-122"/>
-                <a:ea typeface="仿宋" panose="02010609060101010101" pitchFamily="49" charset="-122"/>
-              </a:rPr>
-              <a:t>多版本并发控制，能够</a:t>
-            </a:r>
-            <a:r>
-              <a:rPr lang="zh-CN" altLang="en-US" sz="1800" b="1" i="0" spc="0" dirty="0">
-                <a:solidFill>
-                  <a:srgbClr val="FF0000"/>
-                </a:solidFill>
-                <a:effectLst/>
-                <a:latin typeface="仿宋" panose="02010609060101010101" pitchFamily="49" charset="-122"/>
-                <a:ea typeface="仿宋" panose="02010609060101010101" pitchFamily="49" charset="-122"/>
-              </a:rPr>
-              <a:t>保证读一致性，并且写不阻塞读</a:t>
-            </a:r>
-            <a:r>
-              <a:rPr lang="zh-CN" altLang="en-US" sz="1800" b="0" i="0" spc="0" dirty="0">
-                <a:solidFill>
-                  <a:srgbClr val="FF0000"/>
-                </a:solidFill>
-                <a:effectLst/>
-                <a:latin typeface="仿宋" panose="02010609060101010101" pitchFamily="49" charset="-122"/>
-                <a:ea typeface="仿宋" panose="02010609060101010101" pitchFamily="49" charset="-122"/>
-              </a:rPr>
-              <a:t>。同时将</a:t>
-            </a:r>
-            <a:r>
-              <a:rPr lang="en-US" altLang="zh-CN" sz="1800" b="0" i="0" spc="0" dirty="0">
-                <a:solidFill>
-                  <a:srgbClr val="FF0000"/>
-                </a:solidFill>
-                <a:effectLst/>
-                <a:latin typeface="Times New Roman" panose="02020603050405020304" pitchFamily="18" charset="0"/>
-              </a:rPr>
-              <a:t>GTID</a:t>
-            </a:r>
-            <a:r>
-              <a:rPr lang="zh-CN" altLang="en-US" sz="1800" b="0" i="0" spc="0" dirty="0">
-                <a:solidFill>
-                  <a:srgbClr val="FF0000"/>
-                </a:solidFill>
-                <a:effectLst/>
-                <a:latin typeface="仿宋" panose="02010609060101010101" pitchFamily="49" charset="-122"/>
-                <a:ea typeface="仿宋" panose="02010609060101010101" pitchFamily="49" charset="-122"/>
-              </a:rPr>
-              <a:t>的活跃判断检测下推到了数据节点，</a:t>
-            </a:r>
-            <a:r>
-              <a:rPr lang="zh-CN" altLang="en-US" sz="1800" b="1" i="0" spc="0" dirty="0">
-                <a:solidFill>
-                  <a:srgbClr val="FF0000"/>
-                </a:solidFill>
-                <a:effectLst/>
-                <a:latin typeface="仿宋" panose="02010609060101010101" pitchFamily="49" charset="-122"/>
-                <a:ea typeface="仿宋" panose="02010609060101010101" pitchFamily="49" charset="-122"/>
-              </a:rPr>
-              <a:t>避免了计算节点获取所有结果集进行活跃判断而导致的</a:t>
-            </a:r>
-            <a:r>
-              <a:rPr lang="en-US" altLang="zh-CN" sz="1800" b="1" i="0" spc="0" dirty="0">
-                <a:solidFill>
-                  <a:srgbClr val="FF0000"/>
-                </a:solidFill>
-                <a:effectLst/>
-                <a:latin typeface="Times New Roman" panose="02020603050405020304" pitchFamily="18" charset="0"/>
-              </a:rPr>
-              <a:t>Proxy</a:t>
-            </a:r>
-            <a:r>
-              <a:rPr lang="zh-CN" altLang="en-US" sz="1800" b="1" i="0" spc="0" dirty="0">
-                <a:solidFill>
-                  <a:srgbClr val="FF0000"/>
-                </a:solidFill>
-                <a:effectLst/>
-                <a:latin typeface="仿宋" panose="02010609060101010101" pitchFamily="49" charset="-122"/>
-                <a:ea typeface="仿宋" panose="02010609060101010101" pitchFamily="49" charset="-122"/>
-              </a:rPr>
-              <a:t>内存开销增大的风险</a:t>
-            </a:r>
-            <a:r>
-              <a:rPr lang="zh-CN" altLang="en-US" sz="1800" b="0" i="0" spc="0" dirty="0">
-                <a:solidFill>
-                  <a:srgbClr val="FF0000"/>
-                </a:solidFill>
-                <a:effectLst/>
-                <a:latin typeface="仿宋" panose="02010609060101010101" pitchFamily="49" charset="-122"/>
-                <a:ea typeface="仿宋" panose="02010609060101010101" pitchFamily="49" charset="-122"/>
-              </a:rPr>
-              <a:t>。</a:t>
-            </a:r>
-            <a:endParaRPr lang="zh-CN" altLang="en-US" dirty="0">
-              <a:effectLst/>
-            </a:endParaRPr>
-          </a:p>
-        </p:txBody>
-      </p:sp>
       <p:pic>
         <p:nvPicPr>
           <p:cNvPr id="6" name="图片 5" descr="图形用户界面&#10;&#10;描述已自动生成">
@@ -9091,7 +10643,7 @@
           <p:nvPr/>
         </p:nvPicPr>
         <p:blipFill>
-          <a:blip r:embed="rId2">
+          <a:blip r:embed="rId3">
             <a:extLst>
               <a:ext uri="{28A0092B-C50C-407E-A947-70E740481C1C}">
                 <a14:useLocalDpi xmlns:a14="http://schemas.microsoft.com/office/drawing/2010/main" val="0"/>
@@ -9598,8 +11150,8 @@
         </p:nvSpPr>
         <p:spPr>
           <a:xfrm>
-            <a:off x="2058597" y="730897"/>
-            <a:ext cx="6324201" cy="5078313"/>
+            <a:off x="1977210" y="919160"/>
+            <a:ext cx="6324201" cy="4708981"/>
           </a:xfrm>
           <a:prstGeom prst="rect">
             <a:avLst/>
@@ -9613,84 +11165,99 @@
           <a:lstStyle/>
           <a:p>
             <a:r>
-              <a:rPr lang="zh-CN" altLang="en-US" sz="2400" dirty="0"/>
+              <a:rPr lang="zh-CN" altLang="en-US" sz="2400" dirty="0">
+                <a:hlinkClick r:id="rId2" action="ppaction://hlinksldjump"/>
+              </a:rPr>
               <a:t>整体架构</a:t>
             </a:r>
             <a:endParaRPr lang="en-US" altLang="zh-CN" sz="2400" dirty="0"/>
           </a:p>
           <a:p>
             <a:r>
-              <a:rPr lang="zh-CN" altLang="en-US" sz="2400" dirty="0"/>
+              <a:rPr lang="zh-CN" altLang="en-US" sz="2400" dirty="0">
+                <a:hlinkClick r:id="rId3" action="ppaction://hlinksldjump"/>
+              </a:rPr>
               <a:t>数据分布</a:t>
             </a:r>
             <a:endParaRPr lang="en-US" altLang="zh-CN" sz="2400" dirty="0"/>
           </a:p>
           <a:p>
             <a:r>
-              <a:rPr lang="zh-CN" altLang="en-US" sz="2400" dirty="0"/>
+              <a:rPr lang="zh-CN" altLang="en-US" sz="2400" dirty="0">
+                <a:hlinkClick r:id="rId4" action="ppaction://hlinksldjump"/>
+              </a:rPr>
               <a:t>分布式事务</a:t>
             </a:r>
             <a:endParaRPr lang="en-US" altLang="zh-CN" sz="2400" dirty="0"/>
           </a:p>
           <a:p>
             <a:r>
-              <a:rPr lang="zh-CN" altLang="en-US" sz="2400" dirty="0"/>
+              <a:rPr lang="zh-CN" altLang="en-US" sz="2400" dirty="0">
+                <a:hlinkClick r:id="rId5" action="ppaction://hlinksldjump"/>
+              </a:rPr>
               <a:t>高可用方案</a:t>
             </a:r>
             <a:endParaRPr lang="en-US" altLang="zh-CN" sz="2400" dirty="0"/>
           </a:p>
           <a:p>
             <a:r>
-              <a:rPr lang="zh-CN" altLang="en-US" sz="2400" dirty="0"/>
+              <a:rPr lang="zh-CN" altLang="en-US" sz="2400" dirty="0">
+                <a:hlinkClick r:id="rId6" action="ppaction://hlinksldjump"/>
+              </a:rPr>
               <a:t>高并发方案</a:t>
             </a:r>
             <a:endParaRPr lang="en-US" altLang="zh-CN" sz="2400" dirty="0"/>
           </a:p>
           <a:p>
             <a:r>
-              <a:rPr lang="zh-CN" altLang="en-US" sz="2400" dirty="0"/>
+              <a:rPr lang="zh-CN" altLang="en-US" sz="2400" dirty="0">
+                <a:hlinkClick r:id="rId7" action="ppaction://hlinksldjump"/>
+              </a:rPr>
               <a:t>分布式查询优化器</a:t>
             </a:r>
             <a:endParaRPr lang="en-US" altLang="zh-CN" sz="2400" dirty="0"/>
           </a:p>
           <a:p>
             <a:r>
-              <a:rPr lang="zh-CN" altLang="en-US" sz="2400" dirty="0"/>
+              <a:rPr lang="zh-CN" altLang="en-US" sz="2400" dirty="0">
+                <a:hlinkClick r:id="rId8" action="ppaction://hlinksldjump"/>
+              </a:rPr>
               <a:t>备份恢复</a:t>
             </a:r>
             <a:endParaRPr lang="en-US" altLang="zh-CN" sz="2400" dirty="0"/>
           </a:p>
           <a:p>
             <a:r>
-              <a:rPr lang="zh-CN" altLang="en-US" sz="2400" dirty="0"/>
-              <a:t>扩展性</a:t>
+              <a:rPr lang="zh-CN" altLang="en-US" sz="2400" dirty="0">
+                <a:hlinkClick r:id="rId9" action="ppaction://hlinksldjump"/>
+              </a:rPr>
+              <a:t>兼容性</a:t>
             </a:r>
             <a:endParaRPr lang="en-US" altLang="zh-CN" sz="2400" dirty="0"/>
           </a:p>
           <a:p>
             <a:r>
-              <a:rPr lang="zh-CN" altLang="en-US" sz="2400" dirty="0"/>
-              <a:t>兼容性</a:t>
+              <a:rPr lang="zh-CN" altLang="en-US" sz="2400" dirty="0">
+                <a:hlinkClick r:id="rId10" action="ppaction://hlinksldjump"/>
+              </a:rPr>
+              <a:t>数据迁移</a:t>
             </a:r>
             <a:endParaRPr lang="en-US" altLang="zh-CN" sz="2400" dirty="0"/>
           </a:p>
           <a:p>
             <a:r>
-              <a:rPr lang="zh-CN" altLang="en-US" sz="2400" dirty="0"/>
-              <a:t>数据迁移</a:t>
+              <a:rPr lang="zh-CN" altLang="en-US" sz="2400" dirty="0">
+                <a:hlinkClick r:id="rId11" action="ppaction://hlinksldjump"/>
+              </a:rPr>
+              <a:t>监控运维</a:t>
             </a:r>
             <a:endParaRPr lang="en-US" altLang="zh-CN" sz="2400" dirty="0"/>
           </a:p>
           <a:p>
             <a:r>
-              <a:rPr lang="zh-CN" altLang="en-US" sz="2400" dirty="0"/>
-              <a:t>监控运维</a:t>
-            </a:r>
-            <a:endParaRPr lang="en-US" altLang="zh-CN" sz="2400" dirty="0"/>
-          </a:p>
-          <a:p>
-            <a:r>
-              <a:rPr lang="zh-CN" altLang="en-US" sz="2400" dirty="0"/>
+              <a:rPr lang="zh-CN" altLang="en-US" sz="2400" dirty="0">
+                <a:hlinkClick r:id="rId12" action="ppaction://hlinksldjump"/>
+              </a:rPr>
               <a:t>问题及展望</a:t>
             </a:r>
             <a:endParaRPr lang="en-US" altLang="zh-CN" sz="2400" dirty="0"/>
@@ -9953,8 +11520,8 @@
         </p:nvSpPr>
         <p:spPr>
           <a:xfrm>
-            <a:off x="838200" y="365125"/>
-            <a:ext cx="4639999" cy="623083"/>
+            <a:off x="838201" y="365125"/>
+            <a:ext cx="2565666" cy="530125"/>
           </a:xfrm>
         </p:spPr>
         <p:txBody>
@@ -9970,298 +11537,6 @@
           </a:p>
         </p:txBody>
       </p:sp>
-      <p:sp>
-        <p:nvSpPr>
-          <p:cNvPr id="3" name="内容占位符 2">
-            <a:extLst>
-              <a:ext uri="{FF2B5EF4-FFF2-40B4-BE49-F238E27FC236}">
-                <a16:creationId xmlns:a16="http://schemas.microsoft.com/office/drawing/2014/main" id="{06878D0B-2164-4650-881C-2FD019C8892F}"/>
-              </a:ext>
-            </a:extLst>
-          </p:cNvPr>
-          <p:cNvSpPr>
-            <a:spLocks noGrp="1"/>
-          </p:cNvSpPr>
-          <p:nvPr>
-            <p:ph idx="1"/>
-          </p:nvPr>
-        </p:nvSpPr>
-        <p:spPr>
-          <a:xfrm>
-            <a:off x="838200" y="1001435"/>
-            <a:ext cx="10515600" cy="1175903"/>
-          </a:xfrm>
-        </p:spPr>
-        <p:txBody>
-          <a:bodyPr/>
-          <a:lstStyle/>
-          <a:p>
-            <a:pPr marL="0" indent="0" algn="just">
-              <a:buNone/>
-            </a:pPr>
-            <a:r>
-              <a:rPr lang="zh-CN" altLang="en-US" sz="1800" b="0" i="0" spc="0" dirty="0">
-                <a:solidFill>
-                  <a:srgbClr val="000000"/>
-                </a:solidFill>
-                <a:effectLst/>
-                <a:latin typeface="仿宋" panose="02010609060101010101" pitchFamily="49" charset="-122"/>
-                <a:ea typeface="仿宋" panose="02010609060101010101" pitchFamily="49" charset="-122"/>
-              </a:rPr>
-              <a:t>为降低计算节点异常对业务的影响，采用的措施：</a:t>
-            </a:r>
-            <a:endParaRPr lang="zh-CN" altLang="en-US" dirty="0">
-              <a:effectLst/>
-            </a:endParaRPr>
-          </a:p>
-          <a:p>
-            <a:pPr marL="0" indent="0" algn="just">
-              <a:buNone/>
-            </a:pPr>
-            <a:r>
-              <a:rPr lang="en-US" altLang="zh-CN" sz="1800" b="0" i="0" spc="0" dirty="0">
-                <a:solidFill>
-                  <a:srgbClr val="000000"/>
-                </a:solidFill>
-                <a:effectLst/>
-                <a:latin typeface="仿宋" panose="02010609060101010101" pitchFamily="49" charset="-122"/>
-                <a:ea typeface="仿宋" panose="02010609060101010101" pitchFamily="49" charset="-122"/>
-              </a:rPr>
-              <a:t>1</a:t>
-            </a:r>
-            <a:r>
-              <a:rPr lang="zh-CN" altLang="en-US" sz="1800" b="0" i="0" spc="0" dirty="0">
-                <a:solidFill>
-                  <a:srgbClr val="000000"/>
-                </a:solidFill>
-                <a:effectLst/>
-                <a:latin typeface="仿宋" panose="02010609060101010101" pitchFamily="49" charset="-122"/>
-                <a:ea typeface="仿宋" panose="02010609060101010101" pitchFamily="49" charset="-122"/>
-              </a:rPr>
-              <a:t>、监控节点健康状况（</a:t>
-            </a:r>
-            <a:r>
-              <a:rPr lang="zh-CN" altLang="en-US" sz="1800" b="0" i="0" spc="0" dirty="0">
-                <a:solidFill>
-                  <a:srgbClr val="FF0000"/>
-                </a:solidFill>
-                <a:effectLst/>
-                <a:latin typeface="仿宋" panose="02010609060101010101" pitchFamily="49" charset="-122"/>
-                <a:ea typeface="仿宋" panose="02010609060101010101" pitchFamily="49" charset="-122"/>
-              </a:rPr>
-              <a:t>客户端定时发心跳语句保活</a:t>
-            </a:r>
-            <a:r>
-              <a:rPr lang="zh-CN" altLang="en-US" sz="1800" b="0" i="0" spc="0" dirty="0">
-                <a:solidFill>
-                  <a:srgbClr val="000000"/>
-                </a:solidFill>
-                <a:effectLst/>
-                <a:latin typeface="仿宋" panose="02010609060101010101" pitchFamily="49" charset="-122"/>
-                <a:ea typeface="仿宋" panose="02010609060101010101" pitchFamily="49" charset="-122"/>
-              </a:rPr>
-              <a:t>）；</a:t>
-            </a:r>
-            <a:endParaRPr lang="zh-CN" altLang="en-US" dirty="0">
-              <a:effectLst/>
-            </a:endParaRPr>
-          </a:p>
-          <a:p>
-            <a:pPr marL="0" indent="0" algn="just">
-              <a:buNone/>
-            </a:pPr>
-            <a:r>
-              <a:rPr lang="en-US" altLang="zh-CN" sz="1800" b="0" i="0" spc="0" dirty="0">
-                <a:solidFill>
-                  <a:srgbClr val="000000"/>
-                </a:solidFill>
-                <a:effectLst/>
-                <a:latin typeface="仿宋" panose="02010609060101010101" pitchFamily="49" charset="-122"/>
-                <a:ea typeface="仿宋" panose="02010609060101010101" pitchFamily="49" charset="-122"/>
-              </a:rPr>
-              <a:t>2</a:t>
-            </a:r>
-            <a:r>
-              <a:rPr lang="zh-CN" altLang="en-US" sz="1800" b="0" i="0" spc="0" dirty="0">
-                <a:solidFill>
-                  <a:srgbClr val="000000"/>
-                </a:solidFill>
-                <a:effectLst/>
-                <a:latin typeface="仿宋" panose="02010609060101010101" pitchFamily="49" charset="-122"/>
-                <a:ea typeface="仿宋" panose="02010609060101010101" pitchFamily="49" charset="-122"/>
-              </a:rPr>
-              <a:t>、在某些节点发生故障时，实现故障的接管；</a:t>
-            </a:r>
-            <a:endParaRPr lang="zh-CN" altLang="en-US" dirty="0">
-              <a:effectLst/>
-            </a:endParaRPr>
-          </a:p>
-          <a:p>
-            <a:pPr marL="0" indent="0">
-              <a:buNone/>
-            </a:pPr>
-            <a:endParaRPr lang="zh-CN" altLang="en-US" dirty="0"/>
-          </a:p>
-        </p:txBody>
-      </p:sp>
-      <p:sp>
-        <p:nvSpPr>
-          <p:cNvPr id="4" name="文本框 3">
-            <a:extLst>
-              <a:ext uri="{FF2B5EF4-FFF2-40B4-BE49-F238E27FC236}">
-                <a16:creationId xmlns:a16="http://schemas.microsoft.com/office/drawing/2014/main" id="{D40162C6-5326-4DA5-9EF0-8028A4E3EC10}"/>
-              </a:ext>
-            </a:extLst>
-          </p:cNvPr>
-          <p:cNvSpPr txBox="1"/>
-          <p:nvPr/>
-        </p:nvSpPr>
-        <p:spPr>
-          <a:xfrm>
-            <a:off x="791386" y="2348388"/>
-            <a:ext cx="10110460" cy="646331"/>
-          </a:xfrm>
-          <a:prstGeom prst="rect">
-            <a:avLst/>
-          </a:prstGeom>
-          <a:noFill/>
-        </p:spPr>
-        <p:txBody>
-          <a:bodyPr wrap="none" rtlCol="0">
-            <a:spAutoFit/>
-          </a:bodyPr>
-          <a:lstStyle/>
-          <a:p>
-            <a:r>
-              <a:rPr lang="en-US" altLang="zh-CN" sz="1800" kern="100" dirty="0" err="1">
-                <a:effectLst/>
-                <a:latin typeface="Times New Roman" panose="02020603050405020304" pitchFamily="18" charset="0"/>
-                <a:ea typeface="仿宋" panose="02010609060101010101" pitchFamily="49" charset="-122"/>
-              </a:rPr>
-              <a:t>GoldenDB</a:t>
-            </a:r>
-            <a:r>
-              <a:rPr lang="zh-CN" altLang="zh-CN" sz="1800" kern="100" dirty="0">
-                <a:effectLst/>
-                <a:latin typeface="Times New Roman" panose="02020603050405020304" pitchFamily="18" charset="0"/>
-                <a:ea typeface="仿宋" panose="02010609060101010101" pitchFamily="49" charset="-122"/>
-                <a:cs typeface="Times New Roman" panose="02020603050405020304" pitchFamily="18" charset="0"/>
-              </a:rPr>
-              <a:t>中的计算节点是无状态的，所有的计算节点集群都对外提供服务，</a:t>
-            </a:r>
-            <a:endParaRPr lang="en-US" altLang="zh-CN" sz="1800" kern="100" dirty="0">
-              <a:effectLst/>
-              <a:latin typeface="Times New Roman" panose="02020603050405020304" pitchFamily="18" charset="0"/>
-              <a:ea typeface="仿宋" panose="02010609060101010101" pitchFamily="49" charset="-122"/>
-              <a:cs typeface="Times New Roman" panose="02020603050405020304" pitchFamily="18" charset="0"/>
-            </a:endParaRPr>
-          </a:p>
-          <a:p>
-            <a:r>
-              <a:rPr lang="zh-CN" altLang="zh-CN" sz="1800" kern="100" dirty="0">
-                <a:effectLst/>
-                <a:latin typeface="Times New Roman" panose="02020603050405020304" pitchFamily="18" charset="0"/>
-                <a:ea typeface="仿宋" panose="02010609060101010101" pitchFamily="49" charset="-122"/>
-                <a:cs typeface="Times New Roman" panose="02020603050405020304" pitchFamily="18" charset="0"/>
-              </a:rPr>
-              <a:t>当其中一个计算节点出现故障的时候，业务访问会路由到其它正常计算节点，对业务基本无感知。</a:t>
-            </a:r>
-            <a:endParaRPr lang="zh-CN" altLang="en-US" dirty="0"/>
-          </a:p>
-        </p:txBody>
-      </p:sp>
-      <p:sp>
-        <p:nvSpPr>
-          <p:cNvPr id="6" name="文本框 5">
-            <a:extLst>
-              <a:ext uri="{FF2B5EF4-FFF2-40B4-BE49-F238E27FC236}">
-                <a16:creationId xmlns:a16="http://schemas.microsoft.com/office/drawing/2014/main" id="{76EB90C5-A20D-4DEE-86E5-95652E812CBF}"/>
-              </a:ext>
-            </a:extLst>
-          </p:cNvPr>
-          <p:cNvSpPr txBox="1"/>
-          <p:nvPr/>
-        </p:nvSpPr>
-        <p:spPr>
-          <a:xfrm>
-            <a:off x="868953" y="5571640"/>
-            <a:ext cx="10484847" cy="646331"/>
-          </a:xfrm>
-          <a:prstGeom prst="rect">
-            <a:avLst/>
-          </a:prstGeom>
-          <a:noFill/>
-        </p:spPr>
-        <p:txBody>
-          <a:bodyPr wrap="square" rtlCol="0">
-            <a:spAutoFit/>
-          </a:bodyPr>
-          <a:lstStyle/>
-          <a:p>
-            <a:r>
-              <a:rPr lang="zh-CN" altLang="zh-CN" sz="1800" kern="100" dirty="0">
-                <a:effectLst/>
-                <a:latin typeface="Times New Roman" panose="02020603050405020304" pitchFamily="18" charset="0"/>
-                <a:ea typeface="仿宋" panose="02010609060101010101" pitchFamily="49" charset="-122"/>
-                <a:cs typeface="Times New Roman" panose="02020603050405020304" pitchFamily="18" charset="0"/>
-              </a:rPr>
-              <a:t>如果发生计算节点的异常切换，则如果在当前异常的</a:t>
-            </a:r>
-            <a:r>
-              <a:rPr lang="en-US" altLang="zh-CN" sz="1800" kern="100" dirty="0">
-                <a:effectLst/>
-                <a:latin typeface="Times New Roman" panose="02020603050405020304" pitchFamily="18" charset="0"/>
-                <a:ea typeface="仿宋" panose="02010609060101010101" pitchFamily="49" charset="-122"/>
-              </a:rPr>
-              <a:t>proxy</a:t>
-            </a:r>
-            <a:r>
-              <a:rPr lang="zh-CN" altLang="zh-CN" sz="1800" kern="100" dirty="0">
-                <a:effectLst/>
-                <a:latin typeface="Times New Roman" panose="02020603050405020304" pitchFamily="18" charset="0"/>
-                <a:ea typeface="仿宋" panose="02010609060101010101" pitchFamily="49" charset="-122"/>
-                <a:cs typeface="Times New Roman" panose="02020603050405020304" pitchFamily="18" charset="0"/>
-              </a:rPr>
-              <a:t>中存在未提交事务，则会通过正常的</a:t>
-            </a:r>
-            <a:r>
-              <a:rPr lang="en-US" altLang="zh-CN" sz="1800" kern="100" dirty="0">
-                <a:effectLst/>
-                <a:latin typeface="Times New Roman" panose="02020603050405020304" pitchFamily="18" charset="0"/>
-                <a:ea typeface="仿宋" panose="02010609060101010101" pitchFamily="49" charset="-122"/>
-              </a:rPr>
-              <a:t>proxy</a:t>
-            </a:r>
-            <a:r>
-              <a:rPr lang="zh-CN" altLang="zh-CN" sz="1800" kern="100" dirty="0">
-                <a:effectLst/>
-                <a:latin typeface="Times New Roman" panose="02020603050405020304" pitchFamily="18" charset="0"/>
-                <a:ea typeface="仿宋" panose="02010609060101010101" pitchFamily="49" charset="-122"/>
-                <a:cs typeface="Times New Roman" panose="02020603050405020304" pitchFamily="18" charset="0"/>
-              </a:rPr>
-              <a:t>查询元数据信息，然后下发到对应的</a:t>
-            </a:r>
-            <a:r>
-              <a:rPr lang="en-US" altLang="zh-CN" sz="1800" kern="100" dirty="0">
-                <a:effectLst/>
-                <a:latin typeface="Times New Roman" panose="02020603050405020304" pitchFamily="18" charset="0"/>
-                <a:ea typeface="仿宋" panose="02010609060101010101" pitchFamily="49" charset="-122"/>
-              </a:rPr>
-              <a:t>DB</a:t>
-            </a:r>
-            <a:r>
-              <a:rPr lang="zh-CN" altLang="zh-CN" sz="1800" kern="100" dirty="0">
-                <a:effectLst/>
-                <a:latin typeface="Times New Roman" panose="02020603050405020304" pitchFamily="18" charset="0"/>
-                <a:ea typeface="仿宋" panose="02010609060101010101" pitchFamily="49" charset="-122"/>
-                <a:cs typeface="Times New Roman" panose="02020603050405020304" pitchFamily="18" charset="0"/>
-              </a:rPr>
-              <a:t>，回滚对应的事务。</a:t>
-            </a:r>
-            <a:endParaRPr lang="zh-CN" altLang="en-US" dirty="0"/>
-          </a:p>
-        </p:txBody>
-      </p:sp>
       <p:pic>
         <p:nvPicPr>
           <p:cNvPr id="7" name="图片 6" descr="图示&#10;&#10;描述已自动生成">
@@ -10290,8 +11565,8 @@
         </p:blipFill>
         <p:spPr>
           <a:xfrm>
-            <a:off x="2546915" y="2994719"/>
-            <a:ext cx="5778682" cy="2672783"/>
+            <a:off x="1824014" y="1390928"/>
+            <a:ext cx="8211726" cy="3798126"/>
           </a:xfrm>
           <a:prstGeom prst="rect">
             <a:avLst/>
@@ -10418,7 +11693,7 @@
         <p:spPr>
           <a:xfrm>
             <a:off x="643467" y="321734"/>
-            <a:ext cx="10905066" cy="1135737"/>
+            <a:ext cx="3646074" cy="686713"/>
           </a:xfrm>
         </p:spPr>
         <p:txBody>
@@ -10428,7 +11703,7 @@
           <a:lstStyle/>
           <a:p>
             <a:r>
-              <a:rPr lang="zh-CN" altLang="en-US" sz="3600" b="1"/>
+              <a:rPr lang="zh-CN" altLang="en-US" sz="3600" b="1" dirty="0"/>
               <a:t>数据节点高可用</a:t>
             </a:r>
           </a:p>
@@ -10731,7 +12006,7 @@
         <p:spPr>
           <a:xfrm>
             <a:off x="1118564" y="1364419"/>
-            <a:ext cx="9715500" cy="5029200"/>
+            <a:ext cx="8786638" cy="4548377"/>
           </a:xfrm>
           <a:prstGeom prst="rect">
             <a:avLst/>
@@ -10858,7 +12133,7 @@
         <p:spPr>
           <a:xfrm>
             <a:off x="643467" y="321734"/>
-            <a:ext cx="10905066" cy="1135737"/>
+            <a:ext cx="3387553" cy="701981"/>
           </a:xfrm>
         </p:spPr>
         <p:txBody>
@@ -11297,8 +12572,8 @@
         </p:nvSpPr>
         <p:spPr>
           <a:xfrm>
-            <a:off x="643467" y="321734"/>
-            <a:ext cx="10905066" cy="1135737"/>
+            <a:off x="643467" y="321735"/>
+            <a:ext cx="4005132" cy="686712"/>
           </a:xfrm>
         </p:spPr>
         <p:txBody>
@@ -11308,256 +12583,9 @@
           <a:lstStyle/>
           <a:p>
             <a:r>
-              <a:rPr lang="zh-CN" altLang="en-US" sz="3600" b="1"/>
+              <a:rPr lang="zh-CN" altLang="en-US" sz="3600" b="1" dirty="0"/>
               <a:t>数据节点高低水位</a:t>
             </a:r>
-          </a:p>
-        </p:txBody>
-      </p:sp>
-      <p:sp>
-        <p:nvSpPr>
-          <p:cNvPr id="3" name="内容占位符 2">
-            <a:extLst>
-              <a:ext uri="{FF2B5EF4-FFF2-40B4-BE49-F238E27FC236}">
-                <a16:creationId xmlns:a16="http://schemas.microsoft.com/office/drawing/2014/main" id="{B905E109-3A09-4D72-AB82-62B60DFD19C9}"/>
-              </a:ext>
-            </a:extLst>
-          </p:cNvPr>
-          <p:cNvSpPr>
-            <a:spLocks noGrp="1"/>
-          </p:cNvSpPr>
-          <p:nvPr>
-            <p:ph idx="1"/>
-          </p:nvPr>
-        </p:nvSpPr>
-        <p:spPr>
-          <a:xfrm>
-            <a:off x="962970" y="4171353"/>
-            <a:ext cx="9674550" cy="1005893"/>
-          </a:xfrm>
-        </p:spPr>
-        <p:txBody>
-          <a:bodyPr>
-            <a:normAutofit/>
-          </a:bodyPr>
-          <a:lstStyle/>
-          <a:p>
-            <a:pPr marL="0" indent="0">
-              <a:buNone/>
-            </a:pPr>
-            <a:r>
-              <a:rPr lang="zh-CN" altLang="zh-CN" sz="2000" kern="100" dirty="0">
-                <a:effectLst/>
-                <a:latin typeface="Times New Roman" panose="02020603050405020304" pitchFamily="18" charset="0"/>
-                <a:ea typeface="仿宋" panose="02010609060101010101" pitchFamily="49" charset="-122"/>
-                <a:cs typeface="Times New Roman" panose="02020603050405020304" pitchFamily="18" charset="0"/>
-              </a:rPr>
-              <a:t>数据节点的高低水位策略和高低水位的配置、</a:t>
-            </a:r>
-            <a:r>
-              <a:rPr lang="en-US" altLang="zh-CN" sz="2000" kern="100" dirty="0">
-                <a:effectLst/>
-                <a:latin typeface="Times New Roman" panose="02020603050405020304" pitchFamily="18" charset="0"/>
-                <a:ea typeface="仿宋" panose="02010609060101010101" pitchFamily="49" charset="-122"/>
-                <a:cs typeface="Times New Roman" panose="02020603050405020304" pitchFamily="18" charset="0"/>
-              </a:rPr>
-              <a:t>team</a:t>
-            </a:r>
-            <a:r>
-              <a:rPr lang="zh-CN" altLang="zh-CN" sz="2000" kern="100" dirty="0">
-                <a:effectLst/>
-                <a:latin typeface="Times New Roman" panose="02020603050405020304" pitchFamily="18" charset="0"/>
-                <a:ea typeface="仿宋" panose="02010609060101010101" pitchFamily="49" charset="-122"/>
-                <a:cs typeface="Times New Roman" panose="02020603050405020304" pitchFamily="18" charset="0"/>
-              </a:rPr>
-              <a:t>响应数以及主是否计数有关。以一主三备的数据分片为例，主机和备机</a:t>
-            </a:r>
-            <a:r>
-              <a:rPr lang="en-US" altLang="zh-CN" sz="2000" kern="100" dirty="0">
-                <a:effectLst/>
-                <a:latin typeface="Times New Roman" panose="02020603050405020304" pitchFamily="18" charset="0"/>
-                <a:ea typeface="仿宋" panose="02010609060101010101" pitchFamily="49" charset="-122"/>
-                <a:cs typeface="Times New Roman" panose="02020603050405020304" pitchFamily="18" charset="0"/>
-              </a:rPr>
-              <a:t>1</a:t>
-            </a:r>
-            <a:r>
-              <a:rPr lang="zh-CN" altLang="zh-CN" sz="2000" kern="100" dirty="0">
-                <a:effectLst/>
-                <a:latin typeface="Times New Roman" panose="02020603050405020304" pitchFamily="18" charset="0"/>
-                <a:ea typeface="仿宋" panose="02010609060101010101" pitchFamily="49" charset="-122"/>
-                <a:cs typeface="Times New Roman" panose="02020603050405020304" pitchFamily="18" charset="0"/>
-              </a:rPr>
-              <a:t>在</a:t>
-            </a:r>
-            <a:r>
-              <a:rPr lang="en-US" altLang="zh-CN" sz="2000" kern="100" dirty="0">
-                <a:effectLst/>
-                <a:latin typeface="Times New Roman" panose="02020603050405020304" pitchFamily="18" charset="0"/>
-                <a:ea typeface="仿宋" panose="02010609060101010101" pitchFamily="49" charset="-122"/>
-                <a:cs typeface="Times New Roman" panose="02020603050405020304" pitchFamily="18" charset="0"/>
-              </a:rPr>
-              <a:t>team1</a:t>
-            </a:r>
-            <a:r>
-              <a:rPr lang="zh-CN" altLang="zh-CN" sz="2000" kern="100" dirty="0">
-                <a:effectLst/>
-                <a:latin typeface="Times New Roman" panose="02020603050405020304" pitchFamily="18" charset="0"/>
-                <a:ea typeface="仿宋" panose="02010609060101010101" pitchFamily="49" charset="-122"/>
-                <a:cs typeface="Times New Roman" panose="02020603050405020304" pitchFamily="18" charset="0"/>
-              </a:rPr>
-              <a:t>、备机</a:t>
-            </a:r>
-            <a:r>
-              <a:rPr lang="en-US" altLang="zh-CN" sz="2000" kern="100" dirty="0">
-                <a:effectLst/>
-                <a:latin typeface="Times New Roman" panose="02020603050405020304" pitchFamily="18" charset="0"/>
-                <a:ea typeface="仿宋" panose="02010609060101010101" pitchFamily="49" charset="-122"/>
-                <a:cs typeface="Times New Roman" panose="02020603050405020304" pitchFamily="18" charset="0"/>
-              </a:rPr>
-              <a:t>2</a:t>
-            </a:r>
-            <a:r>
-              <a:rPr lang="zh-CN" altLang="zh-CN" sz="2000" kern="100" dirty="0">
-                <a:effectLst/>
-                <a:latin typeface="Times New Roman" panose="02020603050405020304" pitchFamily="18" charset="0"/>
-                <a:ea typeface="仿宋" panose="02010609060101010101" pitchFamily="49" charset="-122"/>
-                <a:cs typeface="Times New Roman" panose="02020603050405020304" pitchFamily="18" charset="0"/>
-              </a:rPr>
-              <a:t>和备机</a:t>
-            </a:r>
-            <a:r>
-              <a:rPr lang="en-US" altLang="zh-CN" sz="2000" kern="100" dirty="0">
-                <a:effectLst/>
-                <a:latin typeface="Times New Roman" panose="02020603050405020304" pitchFamily="18" charset="0"/>
-                <a:ea typeface="仿宋" panose="02010609060101010101" pitchFamily="49" charset="-122"/>
-                <a:cs typeface="Times New Roman" panose="02020603050405020304" pitchFamily="18" charset="0"/>
-              </a:rPr>
-              <a:t>3</a:t>
-            </a:r>
-            <a:r>
-              <a:rPr lang="zh-CN" altLang="zh-CN" sz="2000" kern="100" dirty="0">
-                <a:effectLst/>
-                <a:latin typeface="Times New Roman" panose="02020603050405020304" pitchFamily="18" charset="0"/>
-                <a:ea typeface="仿宋" panose="02010609060101010101" pitchFamily="49" charset="-122"/>
-                <a:cs typeface="Times New Roman" panose="02020603050405020304" pitchFamily="18" charset="0"/>
-              </a:rPr>
-              <a:t>在</a:t>
-            </a:r>
-            <a:r>
-              <a:rPr lang="en-US" altLang="zh-CN" sz="2000" kern="100" dirty="0">
-                <a:effectLst/>
-                <a:latin typeface="Times New Roman" panose="02020603050405020304" pitchFamily="18" charset="0"/>
-                <a:ea typeface="仿宋" panose="02010609060101010101" pitchFamily="49" charset="-122"/>
-                <a:cs typeface="Times New Roman" panose="02020603050405020304" pitchFamily="18" charset="0"/>
-              </a:rPr>
-              <a:t>team2</a:t>
-            </a:r>
-            <a:r>
-              <a:rPr lang="zh-CN" altLang="zh-CN" sz="2000" kern="100" dirty="0">
-                <a:effectLst/>
-                <a:latin typeface="Times New Roman" panose="02020603050405020304" pitchFamily="18" charset="0"/>
-                <a:ea typeface="仿宋" panose="02010609060101010101" pitchFamily="49" charset="-122"/>
-                <a:cs typeface="Times New Roman" panose="02020603050405020304" pitchFamily="18" charset="0"/>
-              </a:rPr>
-              <a:t>，配置的高水位为</a:t>
-            </a:r>
-            <a:r>
-              <a:rPr lang="en-US" altLang="zh-CN" sz="2000" kern="100" dirty="0">
-                <a:effectLst/>
-                <a:latin typeface="Times New Roman" panose="02020603050405020304" pitchFamily="18" charset="0"/>
-                <a:ea typeface="仿宋" panose="02010609060101010101" pitchFamily="49" charset="-122"/>
-                <a:cs typeface="Times New Roman" panose="02020603050405020304" pitchFamily="18" charset="0"/>
-              </a:rPr>
-              <a:t>2</a:t>
-            </a:r>
-            <a:r>
-              <a:rPr lang="zh-CN" altLang="zh-CN" sz="2000" kern="100" dirty="0">
-                <a:effectLst/>
-                <a:latin typeface="Times New Roman" panose="02020603050405020304" pitchFamily="18" charset="0"/>
-                <a:ea typeface="仿宋" panose="02010609060101010101" pitchFamily="49" charset="-122"/>
-                <a:cs typeface="Times New Roman" panose="02020603050405020304" pitchFamily="18" charset="0"/>
-              </a:rPr>
-              <a:t>、低水位为</a:t>
-            </a:r>
-            <a:r>
-              <a:rPr lang="en-US" altLang="zh-CN" sz="2000" kern="100" dirty="0">
-                <a:effectLst/>
-                <a:latin typeface="Times New Roman" panose="02020603050405020304" pitchFamily="18" charset="0"/>
-                <a:ea typeface="仿宋" panose="02010609060101010101" pitchFamily="49" charset="-122"/>
-                <a:cs typeface="Times New Roman" panose="02020603050405020304" pitchFamily="18" charset="0"/>
-              </a:rPr>
-              <a:t>1</a:t>
-            </a:r>
-            <a:r>
-              <a:rPr lang="zh-CN" altLang="zh-CN" sz="2000" kern="100" dirty="0">
-                <a:effectLst/>
-                <a:latin typeface="Times New Roman" panose="02020603050405020304" pitchFamily="18" charset="0"/>
-                <a:ea typeface="仿宋" panose="02010609060101010101" pitchFamily="49" charset="-122"/>
-                <a:cs typeface="Times New Roman" panose="02020603050405020304" pitchFamily="18" charset="0"/>
-              </a:rPr>
-              <a:t>，主计数，</a:t>
-            </a:r>
-            <a:r>
-              <a:rPr lang="en-US" altLang="zh-CN" sz="2000" kern="100" dirty="0">
-                <a:effectLst/>
-                <a:latin typeface="Times New Roman" panose="02020603050405020304" pitchFamily="18" charset="0"/>
-                <a:ea typeface="仿宋" panose="02010609060101010101" pitchFamily="49" charset="-122"/>
-                <a:cs typeface="Times New Roman" panose="02020603050405020304" pitchFamily="18" charset="0"/>
-              </a:rPr>
-              <a:t>Team</a:t>
-            </a:r>
-            <a:r>
-              <a:rPr lang="zh-CN" altLang="zh-CN" sz="2000" kern="100" dirty="0">
-                <a:effectLst/>
-                <a:latin typeface="Times New Roman" panose="02020603050405020304" pitchFamily="18" charset="0"/>
-                <a:ea typeface="仿宋" panose="02010609060101010101" pitchFamily="49" charset="-122"/>
-                <a:cs typeface="Times New Roman" panose="02020603050405020304" pitchFamily="18" charset="0"/>
-              </a:rPr>
-              <a:t>内响应的</a:t>
-            </a:r>
-            <a:r>
-              <a:rPr lang="en-US" altLang="zh-CN" sz="2000" kern="100" dirty="0">
-                <a:effectLst/>
-                <a:latin typeface="Times New Roman" panose="02020603050405020304" pitchFamily="18" charset="0"/>
-                <a:ea typeface="仿宋" panose="02010609060101010101" pitchFamily="49" charset="-122"/>
-                <a:cs typeface="Times New Roman" panose="02020603050405020304" pitchFamily="18" charset="0"/>
-              </a:rPr>
-              <a:t>DB</a:t>
-            </a:r>
-            <a:r>
-              <a:rPr lang="zh-CN" altLang="zh-CN" sz="2000" kern="100" dirty="0">
-                <a:effectLst/>
-                <a:latin typeface="Times New Roman" panose="02020603050405020304" pitchFamily="18" charset="0"/>
-                <a:ea typeface="仿宋" panose="02010609060101010101" pitchFamily="49" charset="-122"/>
-                <a:cs typeface="Times New Roman" panose="02020603050405020304" pitchFamily="18" charset="0"/>
-              </a:rPr>
-              <a:t>数为</a:t>
-            </a:r>
-            <a:r>
-              <a:rPr lang="en-US" altLang="zh-CN" sz="2000" kern="100" dirty="0">
-                <a:effectLst/>
-                <a:latin typeface="Times New Roman" panose="02020603050405020304" pitchFamily="18" charset="0"/>
-                <a:ea typeface="仿宋" panose="02010609060101010101" pitchFamily="49" charset="-122"/>
-                <a:cs typeface="Times New Roman" panose="02020603050405020304" pitchFamily="18" charset="0"/>
-              </a:rPr>
-              <a:t>2</a:t>
-            </a:r>
-            <a:r>
-              <a:rPr lang="zh-CN" altLang="zh-CN" sz="2000" kern="100" dirty="0">
-                <a:effectLst/>
-                <a:latin typeface="Times New Roman" panose="02020603050405020304" pitchFamily="18" charset="0"/>
-                <a:ea typeface="仿宋" panose="02010609060101010101" pitchFamily="49" charset="-122"/>
-                <a:cs typeface="Times New Roman" panose="02020603050405020304" pitchFamily="18" charset="0"/>
-              </a:rPr>
-              <a:t>。</a:t>
-            </a:r>
-          </a:p>
-          <a:p>
-            <a:pPr marL="0" indent="0">
-              <a:buNone/>
-            </a:pPr>
-            <a:endParaRPr lang="zh-CN" altLang="en-US" sz="2000" dirty="0"/>
           </a:p>
         </p:txBody>
       </p:sp>
@@ -11896,7 +12924,7 @@
           <p:nvPr/>
         </p:nvPicPr>
         <p:blipFill>
-          <a:blip r:embed="rId2">
+          <a:blip r:embed="rId3">
             <a:extLst>
               <a:ext uri="{28A0092B-C50C-407E-A947-70E740481C1C}">
                 <a14:useLocalDpi xmlns:a14="http://schemas.microsoft.com/office/drawing/2010/main" val="0"/>
@@ -11909,8 +12937,8 @@
         </p:blipFill>
         <p:spPr>
           <a:xfrm>
-            <a:off x="1554480" y="1409102"/>
-            <a:ext cx="8286750" cy="2762250"/>
+            <a:off x="1401693" y="1650161"/>
+            <a:ext cx="9817596" cy="3272532"/>
           </a:xfrm>
           <a:prstGeom prst="rect">
             <a:avLst/>
@@ -11965,8 +12993,8 @@
         </p:nvSpPr>
         <p:spPr>
           <a:xfrm>
-            <a:off x="838200" y="365126"/>
-            <a:ext cx="2492829" cy="440418"/>
+            <a:off x="838200" y="365125"/>
+            <a:ext cx="2924724" cy="745559"/>
           </a:xfrm>
         </p:spPr>
         <p:txBody>
@@ -12103,7 +13131,7 @@
         <p:spPr>
           <a:xfrm>
             <a:off x="838200" y="365125"/>
-            <a:ext cx="2536469" cy="532873"/>
+            <a:ext cx="3015685" cy="735985"/>
           </a:xfrm>
         </p:spPr>
         <p:txBody>
@@ -12240,7 +13268,7 @@
         <p:spPr>
           <a:xfrm>
             <a:off x="767969" y="288527"/>
-            <a:ext cx="1943299" cy="477462"/>
+            <a:ext cx="2520999" cy="630660"/>
           </a:xfrm>
         </p:spPr>
         <p:txBody>
@@ -12250,7 +13278,7 @@
           <a:lstStyle/>
           <a:p>
             <a:r>
-              <a:rPr lang="zh-CN" altLang="en-US" sz="2000" b="1" dirty="0"/>
+              <a:rPr lang="zh-CN" altLang="en-US" sz="2400" b="1" dirty="0"/>
               <a:t>高并发</a:t>
             </a:r>
           </a:p>
@@ -12327,7 +13355,7 @@
           <p:cNvPr id="2" name="标题 1">
             <a:extLst>
               <a:ext uri="{FF2B5EF4-FFF2-40B4-BE49-F238E27FC236}">
-                <a16:creationId xmlns:a16="http://schemas.microsoft.com/office/drawing/2014/main" id="{B25A8901-AFE5-488F-89B2-569F69F2865C}"/>
+                <a16:creationId xmlns:a16="http://schemas.microsoft.com/office/drawing/2014/main" id="{188E49F5-B51D-47DB-9E77-3E2710135898}"/>
               </a:ext>
             </a:extLst>
           </p:cNvPr>
@@ -12340,8 +13368,8 @@
         </p:nvSpPr>
         <p:spPr>
           <a:xfrm>
-            <a:off x="838200" y="365125"/>
-            <a:ext cx="2310944" cy="828105"/>
+            <a:off x="838199" y="365125"/>
+            <a:ext cx="3340157" cy="442663"/>
           </a:xfrm>
         </p:spPr>
         <p:txBody>
@@ -12352,271 +13380,59 @@
           <a:p>
             <a:r>
               <a:rPr lang="zh-CN" altLang="en-US" sz="2000" b="1" dirty="0"/>
-              <a:t>分布式查询优化器</a:t>
+              <a:t>分布式</a:t>
+            </a:r>
+            <a:r>
+              <a:rPr lang="en-US" altLang="zh-CN" sz="2000" b="1" dirty="0"/>
+              <a:t>SQL</a:t>
+            </a:r>
+            <a:r>
+              <a:rPr lang="zh-CN" altLang="en-US" sz="2000" b="1" dirty="0"/>
+              <a:t>引擎查询优化器</a:t>
             </a:r>
           </a:p>
         </p:txBody>
       </p:sp>
-      <p:sp>
-        <p:nvSpPr>
-          <p:cNvPr id="3" name="内容占位符 2">
-            <a:extLst>
-              <a:ext uri="{FF2B5EF4-FFF2-40B4-BE49-F238E27FC236}">
-                <a16:creationId xmlns:a16="http://schemas.microsoft.com/office/drawing/2014/main" id="{11F5985E-C2C6-499A-BD76-EC7C31125F1E}"/>
-              </a:ext>
-            </a:extLst>
-          </p:cNvPr>
-          <p:cNvSpPr>
-            <a:spLocks noGrp="1"/>
-          </p:cNvSpPr>
-          <p:nvPr>
-            <p:ph idx="1"/>
-          </p:nvPr>
-        </p:nvSpPr>
+      <p:pic>
+        <p:nvPicPr>
+          <p:cNvPr id="7" name="图片 6" descr="日程表&#10;&#10;描述已自动生成">
+            <a:extLst>
+              <a:ext uri="{FF2B5EF4-FFF2-40B4-BE49-F238E27FC236}">
+                <a16:creationId xmlns:a16="http://schemas.microsoft.com/office/drawing/2014/main" id="{3A3B6E9F-BD04-43CF-BD38-94492875990A}"/>
+              </a:ext>
+            </a:extLst>
+          </p:cNvPr>
+          <p:cNvPicPr>
+            <a:picLocks noChangeAspect="1"/>
+          </p:cNvPicPr>
+          <p:nvPr/>
+        </p:nvPicPr>
+        <p:blipFill>
+          <a:blip r:embed="rId3">
+            <a:extLst>
+              <a:ext uri="{28A0092B-C50C-407E-A947-70E740481C1C}">
+                <a14:useLocalDpi xmlns:a14="http://schemas.microsoft.com/office/drawing/2010/main" val="0"/>
+              </a:ext>
+            </a:extLst>
+          </a:blip>
+          <a:stretch>
+            <a:fillRect/>
+          </a:stretch>
+        </p:blipFill>
         <p:spPr>
           <a:xfrm>
-            <a:off x="655320" y="1193230"/>
-            <a:ext cx="10515600" cy="3948732"/>
+            <a:off x="2613239" y="754016"/>
+            <a:ext cx="4572701" cy="6037394"/>
           </a:xfrm>
+          <a:prstGeom prst="rect">
+            <a:avLst/>
+          </a:prstGeom>
         </p:spPr>
-        <p:txBody>
-          <a:bodyPr>
-            <a:normAutofit fontScale="77500" lnSpcReduction="20000"/>
-          </a:bodyPr>
-          <a:lstStyle/>
-          <a:p>
-            <a:pPr indent="0" algn="just">
-              <a:lnSpc>
-                <a:spcPct val="150000"/>
-              </a:lnSpc>
-              <a:buNone/>
-            </a:pPr>
-            <a:r>
-              <a:rPr lang="zh-CN" altLang="zh-CN" sz="1800" kern="100" dirty="0">
-                <a:effectLst/>
-                <a:latin typeface="Times New Roman" panose="02020603050405020304" pitchFamily="18" charset="0"/>
-                <a:ea typeface="仿宋" panose="02010609060101010101" pitchFamily="49" charset="-122"/>
-                <a:cs typeface="Times New Roman" panose="02020603050405020304" pitchFamily="18" charset="0"/>
-              </a:rPr>
-              <a:t>优化器的优化工作主要体现在计划树的生成上，</a:t>
-            </a:r>
-            <a:r>
-              <a:rPr lang="en-US" altLang="zh-CN" sz="1800" kern="100" dirty="0" err="1">
-                <a:effectLst/>
-                <a:latin typeface="Times New Roman" panose="02020603050405020304" pitchFamily="18" charset="0"/>
-                <a:ea typeface="仿宋" panose="02010609060101010101" pitchFamily="49" charset="-122"/>
-                <a:cs typeface="Times New Roman" panose="02020603050405020304" pitchFamily="18" charset="0"/>
-              </a:rPr>
-              <a:t>GoldenDB</a:t>
-            </a:r>
-            <a:r>
-              <a:rPr lang="zh-CN" altLang="zh-CN" sz="1800" kern="100" dirty="0">
-                <a:effectLst/>
-                <a:latin typeface="Times New Roman" panose="02020603050405020304" pitchFamily="18" charset="0"/>
-                <a:ea typeface="仿宋" panose="02010609060101010101" pitchFamily="49" charset="-122"/>
-                <a:cs typeface="Times New Roman" panose="02020603050405020304" pitchFamily="18" charset="0"/>
-              </a:rPr>
-              <a:t>的查询优化器设计实现主要考虑以下两个方面：</a:t>
-            </a:r>
-          </a:p>
-          <a:p>
-            <a:pPr marL="0" lvl="0" indent="0" algn="just">
-              <a:lnSpc>
-                <a:spcPct val="150000"/>
-              </a:lnSpc>
-              <a:buNone/>
-            </a:pPr>
-            <a:r>
-              <a:rPr lang="en-US" altLang="zh-CN" sz="1800" kern="100" dirty="0">
-                <a:latin typeface="Times New Roman" panose="02020603050405020304" pitchFamily="18" charset="0"/>
-                <a:ea typeface="仿宋" panose="02010609060101010101" pitchFamily="49" charset="-122"/>
-                <a:cs typeface="Times New Roman" panose="02020603050405020304" pitchFamily="18" charset="0"/>
-              </a:rPr>
-              <a:t>    </a:t>
-            </a:r>
-            <a:r>
-              <a:rPr lang="en-US" altLang="zh-CN" sz="1800" kern="100" dirty="0">
-                <a:effectLst/>
-                <a:latin typeface="Times New Roman" panose="02020603050405020304" pitchFamily="18" charset="0"/>
-                <a:ea typeface="仿宋" panose="02010609060101010101" pitchFamily="49" charset="-122"/>
-                <a:cs typeface="Times New Roman" panose="02020603050405020304" pitchFamily="18" charset="0"/>
-              </a:rPr>
-              <a:t>1</a:t>
-            </a:r>
-            <a:r>
-              <a:rPr lang="zh-CN" altLang="en-US" sz="1800" kern="100" dirty="0">
-                <a:effectLst/>
-                <a:latin typeface="Times New Roman" panose="02020603050405020304" pitchFamily="18" charset="0"/>
-                <a:ea typeface="仿宋" panose="02010609060101010101" pitchFamily="49" charset="-122"/>
-                <a:cs typeface="Times New Roman" panose="02020603050405020304" pitchFamily="18" charset="0"/>
-              </a:rPr>
-              <a:t>、</a:t>
-            </a:r>
-            <a:r>
-              <a:rPr lang="zh-CN" altLang="zh-CN" sz="1800" kern="100" dirty="0">
-                <a:effectLst/>
-                <a:latin typeface="Times New Roman" panose="02020603050405020304" pitchFamily="18" charset="0"/>
-                <a:ea typeface="仿宋" panose="02010609060101010101" pitchFamily="49" charset="-122"/>
-                <a:cs typeface="Times New Roman" panose="02020603050405020304" pitchFamily="18" charset="0"/>
-              </a:rPr>
-              <a:t>代价模型的选择。</a:t>
-            </a:r>
-          </a:p>
-          <a:p>
-            <a:pPr indent="266700" algn="just">
-              <a:lnSpc>
-                <a:spcPct val="150000"/>
-              </a:lnSpc>
-            </a:pPr>
-            <a:r>
-              <a:rPr lang="en-US" altLang="zh-CN" sz="1800" kern="100" dirty="0" err="1">
-                <a:effectLst/>
-                <a:latin typeface="Times New Roman" panose="02020603050405020304" pitchFamily="18" charset="0"/>
-                <a:ea typeface="仿宋" panose="02010609060101010101" pitchFamily="49" charset="-122"/>
-                <a:cs typeface="Times New Roman" panose="02020603050405020304" pitchFamily="18" charset="0"/>
-              </a:rPr>
-              <a:t>GoldenDB</a:t>
-            </a:r>
-            <a:r>
-              <a:rPr lang="zh-CN" altLang="zh-CN" sz="1800" kern="100" dirty="0">
-                <a:effectLst/>
-                <a:latin typeface="Times New Roman" panose="02020603050405020304" pitchFamily="18" charset="0"/>
-                <a:ea typeface="仿宋" panose="02010609060101010101" pitchFamily="49" charset="-122"/>
-                <a:cs typeface="Times New Roman" panose="02020603050405020304" pitchFamily="18" charset="0"/>
-              </a:rPr>
-              <a:t>采用分布式系统代价估算模型，考虑节点间传输数据的代价，以减少数据传输的次数和数据量作为查询优化的目标，提高数据节点之间计算的并行度、减少计算节点的计算量。这主要考虑在分布式数据库系统环境中，表结构被水平或垂直拆分到多个数据节点，因此需要考虑语句如何分拆、分片之间数据如何移动、结果如何计算与合并的问题，网络通信开销不可忽视。</a:t>
-            </a:r>
-          </a:p>
-          <a:p>
-            <a:pPr marL="0" lvl="0" indent="0" algn="just">
-              <a:lnSpc>
-                <a:spcPct val="150000"/>
-              </a:lnSpc>
-              <a:buNone/>
-            </a:pPr>
-            <a:r>
-              <a:rPr lang="en-US" altLang="zh-CN" sz="1800" kern="100" dirty="0">
-                <a:effectLst/>
-                <a:latin typeface="Times New Roman" panose="02020603050405020304" pitchFamily="18" charset="0"/>
-                <a:ea typeface="仿宋" panose="02010609060101010101" pitchFamily="49" charset="-122"/>
-                <a:cs typeface="Times New Roman" panose="02020603050405020304" pitchFamily="18" charset="0"/>
-              </a:rPr>
-              <a:t>    2</a:t>
-            </a:r>
-            <a:r>
-              <a:rPr lang="zh-CN" altLang="en-US" sz="1800" kern="100" dirty="0">
-                <a:effectLst/>
-                <a:latin typeface="Times New Roman" panose="02020603050405020304" pitchFamily="18" charset="0"/>
-                <a:ea typeface="仿宋" panose="02010609060101010101" pitchFamily="49" charset="-122"/>
-                <a:cs typeface="Times New Roman" panose="02020603050405020304" pitchFamily="18" charset="0"/>
-              </a:rPr>
-              <a:t>、</a:t>
-            </a:r>
-            <a:r>
-              <a:rPr lang="zh-CN" altLang="zh-CN" sz="1800" kern="100" dirty="0">
-                <a:effectLst/>
-                <a:latin typeface="Times New Roman" panose="02020603050405020304" pitchFamily="18" charset="0"/>
-                <a:ea typeface="仿宋" panose="02010609060101010101" pitchFamily="49" charset="-122"/>
-                <a:cs typeface="Times New Roman" panose="02020603050405020304" pitchFamily="18" charset="0"/>
-              </a:rPr>
-              <a:t>考虑数据一致性开销。</a:t>
-            </a:r>
-          </a:p>
-          <a:p>
-            <a:pPr indent="266700" algn="just">
-              <a:lnSpc>
-                <a:spcPct val="150000"/>
-              </a:lnSpc>
-            </a:pPr>
-            <a:r>
-              <a:rPr lang="zh-CN" altLang="zh-CN" sz="1800" kern="100" dirty="0">
-                <a:effectLst/>
-                <a:latin typeface="Times New Roman" panose="02020603050405020304" pitchFamily="18" charset="0"/>
-                <a:ea typeface="仿宋" panose="02010609060101010101" pitchFamily="49" charset="-122"/>
-                <a:cs typeface="Times New Roman" panose="02020603050405020304" pitchFamily="18" charset="0"/>
-              </a:rPr>
-              <a:t>在分布式数据库系统中，数据全局一致性机制相较于单机数据库需要更为复杂的控制。因此，如何降低数据全局一致性保证的开销，也是</a:t>
-            </a:r>
-            <a:r>
-              <a:rPr lang="en-US" altLang="zh-CN" sz="1800" kern="100" dirty="0" err="1">
-                <a:effectLst/>
-                <a:latin typeface="Times New Roman" panose="02020603050405020304" pitchFamily="18" charset="0"/>
-                <a:ea typeface="仿宋" panose="02010609060101010101" pitchFamily="49" charset="-122"/>
-                <a:cs typeface="Times New Roman" panose="02020603050405020304" pitchFamily="18" charset="0"/>
-              </a:rPr>
-              <a:t>GoldenDB</a:t>
-            </a:r>
-            <a:r>
-              <a:rPr lang="zh-CN" altLang="zh-CN" sz="1800" kern="100" dirty="0">
-                <a:effectLst/>
-                <a:latin typeface="Times New Roman" panose="02020603050405020304" pitchFamily="18" charset="0"/>
-                <a:ea typeface="仿宋" panose="02010609060101010101" pitchFamily="49" charset="-122"/>
-                <a:cs typeface="Times New Roman" panose="02020603050405020304" pitchFamily="18" charset="0"/>
-              </a:rPr>
-              <a:t>查询优化器的设计要求。</a:t>
-            </a:r>
-          </a:p>
-          <a:p>
-            <a:pPr indent="266700" algn="just">
-              <a:lnSpc>
-                <a:spcPct val="150000"/>
-              </a:lnSpc>
-            </a:pPr>
-            <a:r>
-              <a:rPr lang="zh-CN" altLang="zh-CN" sz="1800" kern="100" dirty="0">
-                <a:effectLst/>
-                <a:latin typeface="Times New Roman" panose="02020603050405020304" pitchFamily="18" charset="0"/>
-                <a:ea typeface="仿宋" panose="02010609060101010101" pitchFamily="49" charset="-122"/>
-                <a:cs typeface="Times New Roman" panose="02020603050405020304" pitchFamily="18" charset="0"/>
-              </a:rPr>
-              <a:t>总体来讲，</a:t>
-            </a:r>
-            <a:r>
-              <a:rPr lang="en-US" altLang="zh-CN" sz="1800" kern="100" dirty="0" err="1">
-                <a:effectLst/>
-                <a:latin typeface="Times New Roman" panose="02020603050405020304" pitchFamily="18" charset="0"/>
-                <a:ea typeface="仿宋" panose="02010609060101010101" pitchFamily="49" charset="-122"/>
-                <a:cs typeface="Times New Roman" panose="02020603050405020304" pitchFamily="18" charset="0"/>
-              </a:rPr>
-              <a:t>GOldenDB</a:t>
-            </a:r>
-            <a:r>
-              <a:rPr lang="zh-CN" altLang="zh-CN" sz="1800" kern="100" dirty="0">
-                <a:effectLst/>
-                <a:latin typeface="Times New Roman" panose="02020603050405020304" pitchFamily="18" charset="0"/>
-                <a:ea typeface="仿宋" panose="02010609060101010101" pitchFamily="49" charset="-122"/>
-                <a:cs typeface="Times New Roman" panose="02020603050405020304" pitchFamily="18" charset="0"/>
-              </a:rPr>
-              <a:t>的分布式查询优化器遵循了上述的设计原则，</a:t>
-            </a:r>
-            <a:r>
-              <a:rPr lang="zh-CN" altLang="zh-CN" sz="1800" kern="100" dirty="0">
-                <a:solidFill>
-                  <a:srgbClr val="FF0000"/>
-                </a:solidFill>
-                <a:effectLst/>
-                <a:latin typeface="Times New Roman" panose="02020603050405020304" pitchFamily="18" charset="0"/>
-                <a:ea typeface="仿宋" panose="02010609060101010101" pitchFamily="49" charset="-122"/>
-                <a:cs typeface="Times New Roman" panose="02020603050405020304" pitchFamily="18" charset="0"/>
-              </a:rPr>
-              <a:t>以基于规则的优化为主，基于成本的优化为辅</a:t>
-            </a:r>
-            <a:r>
-              <a:rPr lang="zh-CN" altLang="zh-CN" sz="1800" kern="100" dirty="0">
-                <a:effectLst/>
-                <a:latin typeface="Times New Roman" panose="02020603050405020304" pitchFamily="18" charset="0"/>
-                <a:ea typeface="仿宋" panose="02010609060101010101" pitchFamily="49" charset="-122"/>
-                <a:cs typeface="Times New Roman" panose="02020603050405020304" pitchFamily="18" charset="0"/>
-              </a:rPr>
-              <a:t>，在提升系统的灵活性的同时控制系统实现的复杂性。优化器内部内置大量的优化规则，通过查询重写的方式进行经验性优化。在优化规则的选择上，重点分析分片剪枝、并行执行、合并下压、条件下推、条件繁殖、排序消除、去重消除、排序下推等。</a:t>
-            </a:r>
-          </a:p>
-        </p:txBody>
-      </p:sp>
+      </p:pic>
     </p:spTree>
     <p:extLst>
       <p:ext uri="{BB962C8B-B14F-4D97-AF65-F5344CB8AC3E}">
-        <p14:creationId xmlns:p14="http://schemas.microsoft.com/office/powerpoint/2010/main" val="1791008104"/>
+        <p14:creationId xmlns:p14="http://schemas.microsoft.com/office/powerpoint/2010/main" val="1936248625"/>
       </p:ext>
     </p:extLst>
   </p:cSld>
@@ -13551,10 +14367,206 @@
       </p:grpSpPr>
       <p:sp>
         <p:nvSpPr>
-          <p:cNvPr id="2" name="标题 1">
-            <a:extLst>
-              <a:ext uri="{FF2B5EF4-FFF2-40B4-BE49-F238E27FC236}">
-                <a16:creationId xmlns:a16="http://schemas.microsoft.com/office/drawing/2014/main" id="{188E49F5-B51D-47DB-9E77-3E2710135898}"/>
+          <p:cNvPr id="10" name="文本框 9">
+            <a:extLst>
+              <a:ext uri="{FF2B5EF4-FFF2-40B4-BE49-F238E27FC236}">
+                <a16:creationId xmlns:a16="http://schemas.microsoft.com/office/drawing/2014/main" id="{EEDE2D70-2C49-4806-B521-9E6E7F9977C2}"/>
+              </a:ext>
+            </a:extLst>
+          </p:cNvPr>
+          <p:cNvSpPr txBox="1"/>
+          <p:nvPr/>
+        </p:nvSpPr>
+        <p:spPr>
+          <a:xfrm>
+            <a:off x="838200" y="1034087"/>
+            <a:ext cx="9684581" cy="646331"/>
+          </a:xfrm>
+          <a:prstGeom prst="rect">
+            <a:avLst/>
+          </a:prstGeom>
+          <a:noFill/>
+        </p:spPr>
+        <p:txBody>
+          <a:bodyPr wrap="square" rtlCol="0">
+            <a:spAutoFit/>
+          </a:bodyPr>
+          <a:lstStyle/>
+          <a:p>
+            <a:r>
+              <a:rPr lang="en-US" altLang="zh-CN" sz="1800" kern="100" dirty="0" err="1">
+                <a:effectLst/>
+                <a:latin typeface="Times New Roman" panose="02020603050405020304" pitchFamily="18" charset="0"/>
+                <a:ea typeface="仿宋" panose="02010609060101010101" pitchFamily="49" charset="-122"/>
+                <a:cs typeface="Times New Roman" panose="02020603050405020304" pitchFamily="18" charset="0"/>
+              </a:rPr>
+              <a:t>GoldenDB</a:t>
+            </a:r>
+            <a:r>
+              <a:rPr lang="zh-CN" altLang="zh-CN" sz="1800" kern="100" dirty="0">
+                <a:effectLst/>
+                <a:latin typeface="Times New Roman" panose="02020603050405020304" pitchFamily="18" charset="0"/>
+                <a:ea typeface="仿宋" panose="02010609060101010101" pitchFamily="49" charset="-122"/>
+                <a:cs typeface="Times New Roman" panose="02020603050405020304" pitchFamily="18" charset="0"/>
+              </a:rPr>
+              <a:t>集群</a:t>
+            </a:r>
+            <a:r>
+              <a:rPr lang="zh-CN" altLang="en-US" sz="1800" kern="100" dirty="0">
+                <a:effectLst/>
+                <a:latin typeface="Times New Roman" panose="02020603050405020304" pitchFamily="18" charset="0"/>
+                <a:ea typeface="仿宋" panose="02010609060101010101" pitchFamily="49" charset="-122"/>
+                <a:cs typeface="Times New Roman" panose="02020603050405020304" pitchFamily="18" charset="0"/>
+              </a:rPr>
+              <a:t>的</a:t>
+            </a:r>
+            <a:r>
+              <a:rPr lang="zh-CN" altLang="zh-CN" sz="1800" kern="100" dirty="0">
+                <a:effectLst/>
+                <a:latin typeface="Times New Roman" panose="02020603050405020304" pitchFamily="18" charset="0"/>
+                <a:ea typeface="仿宋" panose="02010609060101010101" pitchFamily="49" charset="-122"/>
+                <a:cs typeface="Times New Roman" panose="02020603050405020304" pitchFamily="18" charset="0"/>
+              </a:rPr>
+              <a:t>备份恢复是基于</a:t>
+            </a:r>
+            <a:r>
+              <a:rPr lang="en-US" altLang="zh-CN" sz="1800" kern="100" dirty="0" err="1">
+                <a:effectLst/>
+                <a:latin typeface="Times New Roman" panose="02020603050405020304" pitchFamily="18" charset="0"/>
+                <a:ea typeface="仿宋" panose="02010609060101010101" pitchFamily="49" charset="-122"/>
+                <a:cs typeface="Times New Roman" panose="02020603050405020304" pitchFamily="18" charset="0"/>
+              </a:rPr>
+              <a:t>xtrabackup</a:t>
+            </a:r>
+            <a:r>
+              <a:rPr lang="zh-CN" altLang="zh-CN" sz="1800" kern="100" dirty="0">
+                <a:effectLst/>
+                <a:latin typeface="Times New Roman" panose="02020603050405020304" pitchFamily="18" charset="0"/>
+                <a:ea typeface="仿宋" panose="02010609060101010101" pitchFamily="49" charset="-122"/>
+                <a:cs typeface="Times New Roman" panose="02020603050405020304" pitchFamily="18" charset="0"/>
+              </a:rPr>
+              <a:t>实现的，</a:t>
+            </a:r>
+            <a:r>
+              <a:rPr lang="zh-CN" altLang="en-US" sz="1800" kern="100" dirty="0">
+                <a:effectLst/>
+                <a:latin typeface="Times New Roman" panose="02020603050405020304" pitchFamily="18" charset="0"/>
+                <a:ea typeface="仿宋" panose="02010609060101010101" pitchFamily="49" charset="-122"/>
+                <a:cs typeface="Times New Roman" panose="02020603050405020304" pitchFamily="18" charset="0"/>
+              </a:rPr>
+              <a:t>备份</a:t>
+            </a:r>
+            <a:r>
+              <a:rPr lang="en-US" altLang="zh-CN" sz="1800" kern="100" dirty="0">
+                <a:effectLst/>
+                <a:latin typeface="Times New Roman" panose="02020603050405020304" pitchFamily="18" charset="0"/>
+                <a:ea typeface="仿宋" panose="02010609060101010101" pitchFamily="49" charset="-122"/>
+                <a:cs typeface="Times New Roman" panose="02020603050405020304" pitchFamily="18" charset="0"/>
+              </a:rPr>
+              <a:t>/</a:t>
+            </a:r>
+            <a:r>
+              <a:rPr lang="zh-CN" altLang="en-US" sz="1800" kern="100" dirty="0">
+                <a:effectLst/>
+                <a:latin typeface="Times New Roman" panose="02020603050405020304" pitchFamily="18" charset="0"/>
+                <a:ea typeface="仿宋" panose="02010609060101010101" pitchFamily="49" charset="-122"/>
+                <a:cs typeface="Times New Roman" panose="02020603050405020304" pitchFamily="18" charset="0"/>
+              </a:rPr>
+              <a:t>恢复的数据包括：</a:t>
+            </a:r>
+            <a:r>
+              <a:rPr lang="zh-CN" altLang="zh-CN" sz="1800" kern="100" dirty="0">
+                <a:effectLst/>
+                <a:latin typeface="Times New Roman" panose="02020603050405020304" pitchFamily="18" charset="0"/>
+                <a:ea typeface="仿宋" panose="02010609060101010101" pitchFamily="49" charset="-122"/>
+                <a:cs typeface="Times New Roman" panose="02020603050405020304" pitchFamily="18" charset="0"/>
+              </a:rPr>
+              <a:t>表数据、</a:t>
+            </a:r>
+            <a:r>
+              <a:rPr lang="en-US" altLang="zh-CN" sz="1800" kern="100" dirty="0" err="1">
+                <a:effectLst/>
+                <a:latin typeface="Times New Roman" panose="02020603050405020304" pitchFamily="18" charset="0"/>
+                <a:ea typeface="仿宋" panose="02010609060101010101" pitchFamily="49" charset="-122"/>
+                <a:cs typeface="Times New Roman" panose="02020603050405020304" pitchFamily="18" charset="0"/>
+              </a:rPr>
+              <a:t>binlog</a:t>
+            </a:r>
+            <a:r>
+              <a:rPr lang="zh-CN" altLang="zh-CN" sz="1800" kern="100" dirty="0">
+                <a:effectLst/>
+                <a:latin typeface="Times New Roman" panose="02020603050405020304" pitchFamily="18" charset="0"/>
+                <a:ea typeface="仿宋" panose="02010609060101010101" pitchFamily="49" charset="-122"/>
+                <a:cs typeface="Times New Roman" panose="02020603050405020304" pitchFamily="18" charset="0"/>
+              </a:rPr>
+              <a:t>、</a:t>
+            </a:r>
+            <a:r>
+              <a:rPr lang="en-US" altLang="zh-CN" sz="1800" kern="100" dirty="0">
+                <a:effectLst/>
+                <a:latin typeface="Times New Roman" panose="02020603050405020304" pitchFamily="18" charset="0"/>
+                <a:ea typeface="仿宋" panose="02010609060101010101" pitchFamily="49" charset="-122"/>
+                <a:cs typeface="Times New Roman" panose="02020603050405020304" pitchFamily="18" charset="0"/>
+              </a:rPr>
+              <a:t>GTM</a:t>
+            </a:r>
+            <a:r>
+              <a:rPr lang="zh-CN" altLang="zh-CN" sz="1800" kern="100" dirty="0">
+                <a:effectLst/>
+                <a:latin typeface="Times New Roman" panose="02020603050405020304" pitchFamily="18" charset="0"/>
+                <a:ea typeface="仿宋" panose="02010609060101010101" pitchFamily="49" charset="-122"/>
+                <a:cs typeface="Times New Roman" panose="02020603050405020304" pitchFamily="18" charset="0"/>
+              </a:rPr>
+              <a:t>活跃事务列表和元数据信息。</a:t>
+            </a:r>
+          </a:p>
+        </p:txBody>
+      </p:sp>
+      <p:pic>
+        <p:nvPicPr>
+          <p:cNvPr id="11" name="图片 10">
+            <a:extLst>
+              <a:ext uri="{FF2B5EF4-FFF2-40B4-BE49-F238E27FC236}">
+                <a16:creationId xmlns:a16="http://schemas.microsoft.com/office/drawing/2014/main" id="{2E4DD66B-04F6-4270-ADA3-B2701D4F54EE}"/>
+              </a:ext>
+            </a:extLst>
+          </p:cNvPr>
+          <p:cNvPicPr/>
+          <p:nvPr/>
+        </p:nvPicPr>
+        <p:blipFill>
+          <a:blip r:embed="rId2">
+            <a:extLst>
+              <a:ext uri="{28A0092B-C50C-407E-A947-70E740481C1C}">
+                <a14:useLocalDpi xmlns:a14="http://schemas.microsoft.com/office/drawing/2010/main" val="0"/>
+              </a:ext>
+            </a:extLst>
+          </a:blip>
+          <a:srcRect/>
+          <a:stretch>
+            <a:fillRect/>
+          </a:stretch>
+        </p:blipFill>
+        <p:spPr bwMode="auto">
+          <a:xfrm>
+            <a:off x="3286497" y="1016134"/>
+            <a:ext cx="5274310" cy="5666105"/>
+          </a:xfrm>
+          <a:prstGeom prst="rect">
+            <a:avLst/>
+          </a:prstGeom>
+          <a:noFill/>
+          <a:ln>
+            <a:noFill/>
+          </a:ln>
+        </p:spPr>
+      </p:pic>
+      <p:sp>
+        <p:nvSpPr>
+          <p:cNvPr id="12" name="标题 1">
+            <a:extLst>
+              <a:ext uri="{FF2B5EF4-FFF2-40B4-BE49-F238E27FC236}">
+                <a16:creationId xmlns:a16="http://schemas.microsoft.com/office/drawing/2014/main" id="{B2B3F0A9-752A-410F-911C-007859EF66D9}"/>
               </a:ext>
             </a:extLst>
           </p:cNvPr>
@@ -13567,8 +14579,8 @@
         </p:nvSpPr>
         <p:spPr>
           <a:xfrm>
-            <a:off x="838199" y="365125"/>
-            <a:ext cx="3340157" cy="442663"/>
+            <a:off x="838200" y="403427"/>
+            <a:ext cx="2520999" cy="630660"/>
           </a:xfrm>
         </p:spPr>
         <p:txBody>
@@ -13578,146 +14590,8 @@
           <a:lstStyle/>
           <a:p>
             <a:r>
-              <a:rPr lang="zh-CN" altLang="en-US" sz="2000" b="1" dirty="0"/>
-              <a:t>分布式</a:t>
-            </a:r>
-            <a:r>
-              <a:rPr lang="en-US" altLang="zh-CN" sz="2000" b="1" dirty="0"/>
-              <a:t>SQL</a:t>
-            </a:r>
-            <a:r>
-              <a:rPr lang="zh-CN" altLang="en-US" sz="2000" b="1" dirty="0"/>
-              <a:t>引擎查询优化器</a:t>
-            </a:r>
-          </a:p>
-        </p:txBody>
-      </p:sp>
-      <p:sp>
-        <p:nvSpPr>
-          <p:cNvPr id="3" name="内容占位符 2">
-            <a:extLst>
-              <a:ext uri="{FF2B5EF4-FFF2-40B4-BE49-F238E27FC236}">
-                <a16:creationId xmlns:a16="http://schemas.microsoft.com/office/drawing/2014/main" id="{D58FA3AC-F06F-4E31-B636-008FA8A197AD}"/>
-              </a:ext>
-            </a:extLst>
-          </p:cNvPr>
-          <p:cNvSpPr>
-            <a:spLocks noGrp="1"/>
-          </p:cNvSpPr>
-          <p:nvPr>
-            <p:ph idx="1"/>
-          </p:nvPr>
-        </p:nvSpPr>
-        <p:spPr>
-          <a:xfrm>
-            <a:off x="907908" y="959506"/>
-            <a:ext cx="10515600" cy="4034841"/>
-          </a:xfrm>
-        </p:spPr>
-        <p:txBody>
-          <a:bodyPr/>
-          <a:lstStyle/>
-          <a:p>
-            <a:r>
-              <a:rPr lang="zh-CN" altLang="en-US" sz="2000" dirty="0"/>
-              <a:t>分区裁剪：表级别，主子查询</a:t>
-            </a:r>
-            <a:endParaRPr lang="en-US" altLang="zh-CN" sz="2000" dirty="0"/>
-          </a:p>
-          <a:p>
-            <a:r>
-              <a:rPr lang="zh-CN" altLang="en-US" sz="2000" dirty="0"/>
-              <a:t>条件繁殖</a:t>
-            </a:r>
-            <a:endParaRPr lang="en-US" altLang="zh-CN" sz="2000" dirty="0"/>
-          </a:p>
-          <a:p>
-            <a:r>
-              <a:rPr lang="en-US" altLang="zh-CN" sz="2000" dirty="0"/>
-              <a:t>JOIN</a:t>
-            </a:r>
-            <a:r>
-              <a:rPr lang="zh-CN" altLang="en-US" sz="2000" dirty="0"/>
-              <a:t>优化：</a:t>
-            </a:r>
-            <a:r>
-              <a:rPr lang="en-US" altLang="zh-CN" sz="2000" dirty="0"/>
-              <a:t>MULTI_STEP</a:t>
-            </a:r>
-          </a:p>
-          <a:p>
-            <a:r>
-              <a:rPr lang="zh-CN" altLang="en-US" sz="2000" dirty="0"/>
-              <a:t>条件下推</a:t>
-            </a:r>
-            <a:endParaRPr lang="en-US" altLang="zh-CN" sz="2000" dirty="0"/>
-          </a:p>
-          <a:p>
-            <a:r>
-              <a:rPr lang="en-US" altLang="zh-CN" sz="2000" dirty="0"/>
-              <a:t>force index</a:t>
-            </a:r>
-          </a:p>
-          <a:p>
-            <a:r>
-              <a:rPr lang="zh-CN" altLang="en-US" sz="2000" dirty="0"/>
-              <a:t>全局唯一索引</a:t>
-            </a:r>
-            <a:endParaRPr lang="en-US" altLang="zh-CN" sz="2000" dirty="0"/>
-          </a:p>
-          <a:p>
-            <a:r>
-              <a:rPr lang="zh-CN" altLang="en-US" sz="2000" dirty="0"/>
-              <a:t>聚合函数优化</a:t>
-            </a:r>
-            <a:endParaRPr lang="en-US" altLang="zh-CN" sz="2000" dirty="0"/>
-          </a:p>
-          <a:p>
-            <a:r>
-              <a:rPr lang="zh-CN" altLang="en-US" sz="2000" dirty="0"/>
-              <a:t>子查询优化：</a:t>
-            </a:r>
-            <a:r>
-              <a:rPr lang="en-US" altLang="zh-CN" sz="2000" dirty="0"/>
-              <a:t>IN</a:t>
-            </a:r>
-            <a:r>
-              <a:rPr lang="zh-CN" altLang="en-US" sz="2000" dirty="0"/>
-              <a:t>匹配条数</a:t>
-            </a:r>
-            <a:endParaRPr lang="en-US" altLang="zh-CN" sz="2000" dirty="0"/>
-          </a:p>
-          <a:p>
-            <a:r>
-              <a:rPr lang="en-US" altLang="zh-CN" sz="2000" dirty="0"/>
-              <a:t>Hint</a:t>
-            </a:r>
-            <a:r>
-              <a:rPr lang="zh-CN" altLang="en-US" sz="2000" dirty="0"/>
-              <a:t>：</a:t>
-            </a:r>
-            <a:r>
-              <a:rPr lang="en-US" altLang="zh-CN" sz="2000" dirty="0"/>
-              <a:t>NOGTID </a:t>
-            </a:r>
-            <a:r>
-              <a:rPr lang="en-US" altLang="zh-CN" sz="2000" dirty="0" err="1"/>
-              <a:t>storagedb</a:t>
-            </a:r>
-            <a:r>
-              <a:rPr lang="en-US" altLang="zh-CN" sz="2000" dirty="0"/>
-              <a:t> </a:t>
-            </a:r>
-            <a:r>
-              <a:rPr lang="en-US" altLang="zh-CN" sz="2000" dirty="0" err="1"/>
-              <a:t>samedb</a:t>
-            </a:r>
-            <a:endParaRPr lang="en-US" altLang="zh-CN" sz="2000" dirty="0"/>
-          </a:p>
-          <a:p>
-            <a:r>
-              <a:rPr lang="en-US" altLang="zh-CN" sz="2000" dirty="0"/>
-              <a:t>HTAP</a:t>
+              <a:rPr lang="zh-CN" altLang="en-US" sz="2400" b="1" dirty="0"/>
+              <a:t>数据备份</a:t>
             </a:r>
           </a:p>
         </p:txBody>
@@ -13725,7 +14599,7 @@
     </p:spTree>
     <p:extLst>
       <p:ext uri="{BB962C8B-B14F-4D97-AF65-F5344CB8AC3E}">
-        <p14:creationId xmlns:p14="http://schemas.microsoft.com/office/powerpoint/2010/main" val="1936248625"/>
+        <p14:creationId xmlns:p14="http://schemas.microsoft.com/office/powerpoint/2010/main" val="1635344572"/>
       </p:ext>
     </p:extLst>
   </p:cSld>
@@ -13752,12 +14626,498 @@
           <a:chExt cx="0" cy="0"/>
         </a:xfrm>
       </p:grpSpPr>
+      <p:pic>
+        <p:nvPicPr>
+          <p:cNvPr id="4" name="图片 3" descr="图形用户界面&#10;&#10;中度可信度描述已自动生成">
+            <a:extLst>
+              <a:ext uri="{FF2B5EF4-FFF2-40B4-BE49-F238E27FC236}">
+                <a16:creationId xmlns:a16="http://schemas.microsoft.com/office/drawing/2014/main" id="{E9EBFF11-CB28-493F-BB0C-728A2B5F6397}"/>
+              </a:ext>
+            </a:extLst>
+          </p:cNvPr>
+          <p:cNvPicPr>
+            <a:picLocks noChangeAspect="1"/>
+          </p:cNvPicPr>
+          <p:nvPr/>
+        </p:nvPicPr>
+        <p:blipFill>
+          <a:blip r:embed="rId2">
+            <a:extLst>
+              <a:ext uri="{28A0092B-C50C-407E-A947-70E740481C1C}">
+                <a14:useLocalDpi xmlns:a14="http://schemas.microsoft.com/office/drawing/2010/main" val="0"/>
+              </a:ext>
+            </a:extLst>
+          </a:blip>
+          <a:stretch>
+            <a:fillRect/>
+          </a:stretch>
+        </p:blipFill>
+        <p:spPr>
+          <a:xfrm>
+            <a:off x="665453" y="1502608"/>
+            <a:ext cx="4982255" cy="2491128"/>
+          </a:xfrm>
+          <a:prstGeom prst="rect">
+            <a:avLst/>
+          </a:prstGeom>
+        </p:spPr>
+      </p:pic>
       <p:sp>
         <p:nvSpPr>
-          <p:cNvPr id="2" name="标题 1">
-            <a:extLst>
-              <a:ext uri="{FF2B5EF4-FFF2-40B4-BE49-F238E27FC236}">
-                <a16:creationId xmlns:a16="http://schemas.microsoft.com/office/drawing/2014/main" id="{754098B6-F401-4B4F-A148-FF623178230D}"/>
+          <p:cNvPr id="5" name="内容占位符 2">
+            <a:extLst>
+              <a:ext uri="{FF2B5EF4-FFF2-40B4-BE49-F238E27FC236}">
+                <a16:creationId xmlns:a16="http://schemas.microsoft.com/office/drawing/2014/main" id="{9DBA884D-FDC7-4195-A27F-43E51B067F36}"/>
+              </a:ext>
+            </a:extLst>
+          </p:cNvPr>
+          <p:cNvSpPr txBox="1">
+            <a:spLocks/>
+          </p:cNvSpPr>
+          <p:nvPr/>
+        </p:nvSpPr>
+        <p:spPr>
+          <a:xfrm>
+            <a:off x="2274430" y="4982136"/>
+            <a:ext cx="1368807" cy="373256"/>
+          </a:xfrm>
+          <a:prstGeom prst="rect">
+            <a:avLst/>
+          </a:prstGeom>
+        </p:spPr>
+        <p:txBody>
+          <a:bodyPr vert="horz" lIns="91440" tIns="45720" rIns="91440" bIns="45720" rtlCol="0">
+            <a:normAutofit/>
+          </a:bodyPr>
+          <a:lstStyle>
+            <a:lvl1pPr marL="228600" indent="-228600" algn="l" defTabSz="914400" rtl="0" eaLnBrk="1" latinLnBrk="0" hangingPunct="1">
+              <a:lnSpc>
+                <a:spcPct val="90000"/>
+              </a:lnSpc>
+              <a:spcBef>
+                <a:spcPts val="1000"/>
+              </a:spcBef>
+              <a:buFont typeface="Arial" panose="020B0604020202020204" pitchFamily="34" charset="0"/>
+              <a:buChar char="•"/>
+              <a:defRPr sz="2800" kern="1200">
+                <a:solidFill>
+                  <a:schemeClr val="tx1"/>
+                </a:solidFill>
+                <a:latin typeface="+mn-lt"/>
+                <a:ea typeface="+mn-ea"/>
+                <a:cs typeface="+mn-cs"/>
+              </a:defRPr>
+            </a:lvl1pPr>
+            <a:lvl2pPr marL="685800" indent="-228600" algn="l" defTabSz="914400" rtl="0" eaLnBrk="1" latinLnBrk="0" hangingPunct="1">
+              <a:lnSpc>
+                <a:spcPct val="90000"/>
+              </a:lnSpc>
+              <a:spcBef>
+                <a:spcPts val="500"/>
+              </a:spcBef>
+              <a:buFont typeface="Arial" panose="020B0604020202020204" pitchFamily="34" charset="0"/>
+              <a:buChar char="•"/>
+              <a:defRPr sz="2400" kern="1200">
+                <a:solidFill>
+                  <a:schemeClr val="tx1"/>
+                </a:solidFill>
+                <a:latin typeface="+mn-lt"/>
+                <a:ea typeface="+mn-ea"/>
+                <a:cs typeface="+mn-cs"/>
+              </a:defRPr>
+            </a:lvl2pPr>
+            <a:lvl3pPr marL="1143000" indent="-228600" algn="l" defTabSz="914400" rtl="0" eaLnBrk="1" latinLnBrk="0" hangingPunct="1">
+              <a:lnSpc>
+                <a:spcPct val="90000"/>
+              </a:lnSpc>
+              <a:spcBef>
+                <a:spcPts val="500"/>
+              </a:spcBef>
+              <a:buFont typeface="Arial" panose="020B0604020202020204" pitchFamily="34" charset="0"/>
+              <a:buChar char="•"/>
+              <a:defRPr sz="2000" kern="1200">
+                <a:solidFill>
+                  <a:schemeClr val="tx1"/>
+                </a:solidFill>
+                <a:latin typeface="+mn-lt"/>
+                <a:ea typeface="+mn-ea"/>
+                <a:cs typeface="+mn-cs"/>
+              </a:defRPr>
+            </a:lvl3pPr>
+            <a:lvl4pPr marL="1600200" indent="-228600" algn="l" defTabSz="914400" rtl="0" eaLnBrk="1" latinLnBrk="0" hangingPunct="1">
+              <a:lnSpc>
+                <a:spcPct val="90000"/>
+              </a:lnSpc>
+              <a:spcBef>
+                <a:spcPts val="500"/>
+              </a:spcBef>
+              <a:buFont typeface="Arial" panose="020B0604020202020204" pitchFamily="34" charset="0"/>
+              <a:buChar char="•"/>
+              <a:defRPr sz="1800" kern="1200">
+                <a:solidFill>
+                  <a:schemeClr val="tx1"/>
+                </a:solidFill>
+                <a:latin typeface="+mn-lt"/>
+                <a:ea typeface="+mn-ea"/>
+                <a:cs typeface="+mn-cs"/>
+              </a:defRPr>
+            </a:lvl4pPr>
+            <a:lvl5pPr marL="2057400" indent="-228600" algn="l" defTabSz="914400" rtl="0" eaLnBrk="1" latinLnBrk="0" hangingPunct="1">
+              <a:lnSpc>
+                <a:spcPct val="90000"/>
+              </a:lnSpc>
+              <a:spcBef>
+                <a:spcPts val="500"/>
+              </a:spcBef>
+              <a:buFont typeface="Arial" panose="020B0604020202020204" pitchFamily="34" charset="0"/>
+              <a:buChar char="•"/>
+              <a:defRPr sz="1800" kern="1200">
+                <a:solidFill>
+                  <a:schemeClr val="tx1"/>
+                </a:solidFill>
+                <a:latin typeface="+mn-lt"/>
+                <a:ea typeface="+mn-ea"/>
+                <a:cs typeface="+mn-cs"/>
+              </a:defRPr>
+            </a:lvl5pPr>
+            <a:lvl6pPr marL="2514600" indent="-228600" algn="l" defTabSz="914400" rtl="0" eaLnBrk="1" latinLnBrk="0" hangingPunct="1">
+              <a:lnSpc>
+                <a:spcPct val="90000"/>
+              </a:lnSpc>
+              <a:spcBef>
+                <a:spcPts val="500"/>
+              </a:spcBef>
+              <a:buFont typeface="Arial" panose="020B0604020202020204" pitchFamily="34" charset="0"/>
+              <a:buChar char="•"/>
+              <a:defRPr sz="1800" kern="1200">
+                <a:solidFill>
+                  <a:schemeClr val="tx1"/>
+                </a:solidFill>
+                <a:latin typeface="+mn-lt"/>
+                <a:ea typeface="+mn-ea"/>
+                <a:cs typeface="+mn-cs"/>
+              </a:defRPr>
+            </a:lvl6pPr>
+            <a:lvl7pPr marL="2971800" indent="-228600" algn="l" defTabSz="914400" rtl="0" eaLnBrk="1" latinLnBrk="0" hangingPunct="1">
+              <a:lnSpc>
+                <a:spcPct val="90000"/>
+              </a:lnSpc>
+              <a:spcBef>
+                <a:spcPts val="500"/>
+              </a:spcBef>
+              <a:buFont typeface="Arial" panose="020B0604020202020204" pitchFamily="34" charset="0"/>
+              <a:buChar char="•"/>
+              <a:defRPr sz="1800" kern="1200">
+                <a:solidFill>
+                  <a:schemeClr val="tx1"/>
+                </a:solidFill>
+                <a:latin typeface="+mn-lt"/>
+                <a:ea typeface="+mn-ea"/>
+                <a:cs typeface="+mn-cs"/>
+              </a:defRPr>
+            </a:lvl7pPr>
+            <a:lvl8pPr marL="3429000" indent="-228600" algn="l" defTabSz="914400" rtl="0" eaLnBrk="1" latinLnBrk="0" hangingPunct="1">
+              <a:lnSpc>
+                <a:spcPct val="90000"/>
+              </a:lnSpc>
+              <a:spcBef>
+                <a:spcPts val="500"/>
+              </a:spcBef>
+              <a:buFont typeface="Arial" panose="020B0604020202020204" pitchFamily="34" charset="0"/>
+              <a:buChar char="•"/>
+              <a:defRPr sz="1800" kern="1200">
+                <a:solidFill>
+                  <a:schemeClr val="tx1"/>
+                </a:solidFill>
+                <a:latin typeface="+mn-lt"/>
+                <a:ea typeface="+mn-ea"/>
+                <a:cs typeface="+mn-cs"/>
+              </a:defRPr>
+            </a:lvl8pPr>
+            <a:lvl9pPr marL="3886200" indent="-228600" algn="l" defTabSz="914400" rtl="0" eaLnBrk="1" latinLnBrk="0" hangingPunct="1">
+              <a:lnSpc>
+                <a:spcPct val="90000"/>
+              </a:lnSpc>
+              <a:spcBef>
+                <a:spcPts val="500"/>
+              </a:spcBef>
+              <a:buFont typeface="Arial" panose="020B0604020202020204" pitchFamily="34" charset="0"/>
+              <a:buChar char="•"/>
+              <a:defRPr sz="1800" kern="1200">
+                <a:solidFill>
+                  <a:schemeClr val="tx1"/>
+                </a:solidFill>
+                <a:latin typeface="+mn-lt"/>
+                <a:ea typeface="+mn-ea"/>
+                <a:cs typeface="+mn-cs"/>
+              </a:defRPr>
+            </a:lvl9pPr>
+          </a:lstStyle>
+          <a:p>
+            <a:pPr marL="0" indent="0">
+              <a:buFont typeface="Arial" panose="020B0604020202020204" pitchFamily="34" charset="0"/>
+              <a:buNone/>
+            </a:pPr>
+            <a:r>
+              <a:rPr lang="zh-CN" altLang="en-US" sz="2000" dirty="0"/>
+              <a:t>单</a:t>
+            </a:r>
+            <a:r>
+              <a:rPr lang="en-US" altLang="zh-CN" sz="2000" dirty="0"/>
+              <a:t>DB</a:t>
+            </a:r>
+            <a:r>
+              <a:rPr lang="zh-CN" altLang="en-US" sz="2000" dirty="0"/>
+              <a:t>恢复</a:t>
+            </a:r>
+          </a:p>
+        </p:txBody>
+      </p:sp>
+      <p:pic>
+        <p:nvPicPr>
+          <p:cNvPr id="7" name="图片 6" descr="图形用户界面, 图示&#10;&#10;描述已自动生成">
+            <a:extLst>
+              <a:ext uri="{FF2B5EF4-FFF2-40B4-BE49-F238E27FC236}">
+                <a16:creationId xmlns:a16="http://schemas.microsoft.com/office/drawing/2014/main" id="{B6F9D6F5-816D-4F1F-B57B-1CC25BD39946}"/>
+              </a:ext>
+            </a:extLst>
+          </p:cNvPr>
+          <p:cNvPicPr>
+            <a:picLocks noChangeAspect="1"/>
+          </p:cNvPicPr>
+          <p:nvPr/>
+        </p:nvPicPr>
+        <p:blipFill>
+          <a:blip r:embed="rId3">
+            <a:extLst>
+              <a:ext uri="{28A0092B-C50C-407E-A947-70E740481C1C}">
+                <a14:useLocalDpi xmlns:a14="http://schemas.microsoft.com/office/drawing/2010/main" val="0"/>
+              </a:ext>
+            </a:extLst>
+          </a:blip>
+          <a:stretch>
+            <a:fillRect/>
+          </a:stretch>
+        </p:blipFill>
+        <p:spPr>
+          <a:xfrm>
+            <a:off x="6096000" y="815551"/>
+            <a:ext cx="5966749" cy="4152222"/>
+          </a:xfrm>
+          <a:prstGeom prst="rect">
+            <a:avLst/>
+          </a:prstGeom>
+        </p:spPr>
+      </p:pic>
+      <p:sp>
+        <p:nvSpPr>
+          <p:cNvPr id="9" name="内容占位符 2">
+            <a:extLst>
+              <a:ext uri="{FF2B5EF4-FFF2-40B4-BE49-F238E27FC236}">
+                <a16:creationId xmlns:a16="http://schemas.microsoft.com/office/drawing/2014/main" id="{C166113E-DFB5-4F44-9A3F-DBEF4B0D687D}"/>
+              </a:ext>
+            </a:extLst>
+          </p:cNvPr>
+          <p:cNvSpPr txBox="1">
+            <a:spLocks/>
+          </p:cNvSpPr>
+          <p:nvPr/>
+        </p:nvSpPr>
+        <p:spPr>
+          <a:xfrm>
+            <a:off x="8524825" y="4967773"/>
+            <a:ext cx="1368807" cy="373256"/>
+          </a:xfrm>
+          <a:prstGeom prst="rect">
+            <a:avLst/>
+          </a:prstGeom>
+        </p:spPr>
+        <p:txBody>
+          <a:bodyPr vert="horz" lIns="91440" tIns="45720" rIns="91440" bIns="45720" rtlCol="0">
+            <a:normAutofit/>
+          </a:bodyPr>
+          <a:lstStyle>
+            <a:lvl1pPr marL="228600" indent="-228600" algn="l" defTabSz="914400" rtl="0" eaLnBrk="1" latinLnBrk="0" hangingPunct="1">
+              <a:lnSpc>
+                <a:spcPct val="90000"/>
+              </a:lnSpc>
+              <a:spcBef>
+                <a:spcPts val="1000"/>
+              </a:spcBef>
+              <a:buFont typeface="Arial" panose="020B0604020202020204" pitchFamily="34" charset="0"/>
+              <a:buChar char="•"/>
+              <a:defRPr sz="2800" kern="1200">
+                <a:solidFill>
+                  <a:schemeClr val="tx1"/>
+                </a:solidFill>
+                <a:latin typeface="+mn-lt"/>
+                <a:ea typeface="+mn-ea"/>
+                <a:cs typeface="+mn-cs"/>
+              </a:defRPr>
+            </a:lvl1pPr>
+            <a:lvl2pPr marL="685800" indent="-228600" algn="l" defTabSz="914400" rtl="0" eaLnBrk="1" latinLnBrk="0" hangingPunct="1">
+              <a:lnSpc>
+                <a:spcPct val="90000"/>
+              </a:lnSpc>
+              <a:spcBef>
+                <a:spcPts val="500"/>
+              </a:spcBef>
+              <a:buFont typeface="Arial" panose="020B0604020202020204" pitchFamily="34" charset="0"/>
+              <a:buChar char="•"/>
+              <a:defRPr sz="2400" kern="1200">
+                <a:solidFill>
+                  <a:schemeClr val="tx1"/>
+                </a:solidFill>
+                <a:latin typeface="+mn-lt"/>
+                <a:ea typeface="+mn-ea"/>
+                <a:cs typeface="+mn-cs"/>
+              </a:defRPr>
+            </a:lvl2pPr>
+            <a:lvl3pPr marL="1143000" indent="-228600" algn="l" defTabSz="914400" rtl="0" eaLnBrk="1" latinLnBrk="0" hangingPunct="1">
+              <a:lnSpc>
+                <a:spcPct val="90000"/>
+              </a:lnSpc>
+              <a:spcBef>
+                <a:spcPts val="500"/>
+              </a:spcBef>
+              <a:buFont typeface="Arial" panose="020B0604020202020204" pitchFamily="34" charset="0"/>
+              <a:buChar char="•"/>
+              <a:defRPr sz="2000" kern="1200">
+                <a:solidFill>
+                  <a:schemeClr val="tx1"/>
+                </a:solidFill>
+                <a:latin typeface="+mn-lt"/>
+                <a:ea typeface="+mn-ea"/>
+                <a:cs typeface="+mn-cs"/>
+              </a:defRPr>
+            </a:lvl3pPr>
+            <a:lvl4pPr marL="1600200" indent="-228600" algn="l" defTabSz="914400" rtl="0" eaLnBrk="1" latinLnBrk="0" hangingPunct="1">
+              <a:lnSpc>
+                <a:spcPct val="90000"/>
+              </a:lnSpc>
+              <a:spcBef>
+                <a:spcPts val="500"/>
+              </a:spcBef>
+              <a:buFont typeface="Arial" panose="020B0604020202020204" pitchFamily="34" charset="0"/>
+              <a:buChar char="•"/>
+              <a:defRPr sz="1800" kern="1200">
+                <a:solidFill>
+                  <a:schemeClr val="tx1"/>
+                </a:solidFill>
+                <a:latin typeface="+mn-lt"/>
+                <a:ea typeface="+mn-ea"/>
+                <a:cs typeface="+mn-cs"/>
+              </a:defRPr>
+            </a:lvl4pPr>
+            <a:lvl5pPr marL="2057400" indent="-228600" algn="l" defTabSz="914400" rtl="0" eaLnBrk="1" latinLnBrk="0" hangingPunct="1">
+              <a:lnSpc>
+                <a:spcPct val="90000"/>
+              </a:lnSpc>
+              <a:spcBef>
+                <a:spcPts val="500"/>
+              </a:spcBef>
+              <a:buFont typeface="Arial" panose="020B0604020202020204" pitchFamily="34" charset="0"/>
+              <a:buChar char="•"/>
+              <a:defRPr sz="1800" kern="1200">
+                <a:solidFill>
+                  <a:schemeClr val="tx1"/>
+                </a:solidFill>
+                <a:latin typeface="+mn-lt"/>
+                <a:ea typeface="+mn-ea"/>
+                <a:cs typeface="+mn-cs"/>
+              </a:defRPr>
+            </a:lvl5pPr>
+            <a:lvl6pPr marL="2514600" indent="-228600" algn="l" defTabSz="914400" rtl="0" eaLnBrk="1" latinLnBrk="0" hangingPunct="1">
+              <a:lnSpc>
+                <a:spcPct val="90000"/>
+              </a:lnSpc>
+              <a:spcBef>
+                <a:spcPts val="500"/>
+              </a:spcBef>
+              <a:buFont typeface="Arial" panose="020B0604020202020204" pitchFamily="34" charset="0"/>
+              <a:buChar char="•"/>
+              <a:defRPr sz="1800" kern="1200">
+                <a:solidFill>
+                  <a:schemeClr val="tx1"/>
+                </a:solidFill>
+                <a:latin typeface="+mn-lt"/>
+                <a:ea typeface="+mn-ea"/>
+                <a:cs typeface="+mn-cs"/>
+              </a:defRPr>
+            </a:lvl6pPr>
+            <a:lvl7pPr marL="2971800" indent="-228600" algn="l" defTabSz="914400" rtl="0" eaLnBrk="1" latinLnBrk="0" hangingPunct="1">
+              <a:lnSpc>
+                <a:spcPct val="90000"/>
+              </a:lnSpc>
+              <a:spcBef>
+                <a:spcPts val="500"/>
+              </a:spcBef>
+              <a:buFont typeface="Arial" panose="020B0604020202020204" pitchFamily="34" charset="0"/>
+              <a:buChar char="•"/>
+              <a:defRPr sz="1800" kern="1200">
+                <a:solidFill>
+                  <a:schemeClr val="tx1"/>
+                </a:solidFill>
+                <a:latin typeface="+mn-lt"/>
+                <a:ea typeface="+mn-ea"/>
+                <a:cs typeface="+mn-cs"/>
+              </a:defRPr>
+            </a:lvl7pPr>
+            <a:lvl8pPr marL="3429000" indent="-228600" algn="l" defTabSz="914400" rtl="0" eaLnBrk="1" latinLnBrk="0" hangingPunct="1">
+              <a:lnSpc>
+                <a:spcPct val="90000"/>
+              </a:lnSpc>
+              <a:spcBef>
+                <a:spcPts val="500"/>
+              </a:spcBef>
+              <a:buFont typeface="Arial" panose="020B0604020202020204" pitchFamily="34" charset="0"/>
+              <a:buChar char="•"/>
+              <a:defRPr sz="1800" kern="1200">
+                <a:solidFill>
+                  <a:schemeClr val="tx1"/>
+                </a:solidFill>
+                <a:latin typeface="+mn-lt"/>
+                <a:ea typeface="+mn-ea"/>
+                <a:cs typeface="+mn-cs"/>
+              </a:defRPr>
+            </a:lvl8pPr>
+            <a:lvl9pPr marL="3886200" indent="-228600" algn="l" defTabSz="914400" rtl="0" eaLnBrk="1" latinLnBrk="0" hangingPunct="1">
+              <a:lnSpc>
+                <a:spcPct val="90000"/>
+              </a:lnSpc>
+              <a:spcBef>
+                <a:spcPts val="500"/>
+              </a:spcBef>
+              <a:buFont typeface="Arial" panose="020B0604020202020204" pitchFamily="34" charset="0"/>
+              <a:buChar char="•"/>
+              <a:defRPr sz="1800" kern="1200">
+                <a:solidFill>
+                  <a:schemeClr val="tx1"/>
+                </a:solidFill>
+                <a:latin typeface="+mn-lt"/>
+                <a:ea typeface="+mn-ea"/>
+                <a:cs typeface="+mn-cs"/>
+              </a:defRPr>
+            </a:lvl9pPr>
+          </a:lstStyle>
+          <a:p>
+            <a:pPr marL="0" indent="0">
+              <a:buFont typeface="Arial" panose="020B0604020202020204" pitchFamily="34" charset="0"/>
+              <a:buNone/>
+            </a:pPr>
+            <a:r>
+              <a:rPr lang="zh-CN" altLang="en-US" sz="2000" dirty="0"/>
+              <a:t>集群恢复</a:t>
+            </a:r>
+          </a:p>
+        </p:txBody>
+      </p:sp>
+      <p:sp>
+        <p:nvSpPr>
+          <p:cNvPr id="11" name="标题 1">
+            <a:extLst>
+              <a:ext uri="{FF2B5EF4-FFF2-40B4-BE49-F238E27FC236}">
+                <a16:creationId xmlns:a16="http://schemas.microsoft.com/office/drawing/2014/main" id="{0FDB6764-CC6B-4889-946B-64544676A3C8}"/>
               </a:ext>
             </a:extLst>
           </p:cNvPr>
@@ -13770,8 +15130,8 @@
         </p:nvSpPr>
         <p:spPr>
           <a:xfrm>
-            <a:off x="838200" y="365126"/>
-            <a:ext cx="2592977" cy="627652"/>
+            <a:off x="767969" y="288527"/>
+            <a:ext cx="2520999" cy="630660"/>
           </a:xfrm>
         </p:spPr>
         <p:txBody>
@@ -13781,260 +15141,16 @@
           <a:lstStyle/>
           <a:p>
             <a:r>
-              <a:rPr lang="zh-CN" altLang="en-US" sz="2000" b="1" dirty="0"/>
-              <a:t>备份恢复</a:t>
-            </a:r>
-          </a:p>
-        </p:txBody>
-      </p:sp>
-      <p:sp>
-        <p:nvSpPr>
-          <p:cNvPr id="3" name="内容占位符 2">
-            <a:extLst>
-              <a:ext uri="{FF2B5EF4-FFF2-40B4-BE49-F238E27FC236}">
-                <a16:creationId xmlns:a16="http://schemas.microsoft.com/office/drawing/2014/main" id="{061F9ED4-90F0-461B-8096-6E0876A61AB6}"/>
-              </a:ext>
-            </a:extLst>
-          </p:cNvPr>
-          <p:cNvSpPr>
-            <a:spLocks noGrp="1"/>
-          </p:cNvSpPr>
-          <p:nvPr>
-            <p:ph idx="1"/>
-          </p:nvPr>
-        </p:nvSpPr>
-        <p:spPr>
-          <a:xfrm>
-            <a:off x="868680" y="1037500"/>
-            <a:ext cx="10515600" cy="3067049"/>
-          </a:xfrm>
-        </p:spPr>
-        <p:txBody>
-          <a:bodyPr/>
-          <a:lstStyle/>
-          <a:p>
-            <a:pPr marL="0" indent="0">
-              <a:buNone/>
-            </a:pPr>
-            <a:r>
-              <a:rPr lang="zh-CN" altLang="zh-CN" sz="1800" kern="100" dirty="0">
-                <a:effectLst/>
-                <a:latin typeface="Times New Roman" panose="02020603050405020304" pitchFamily="18" charset="0"/>
-                <a:ea typeface="仿宋" panose="02010609060101010101" pitchFamily="49" charset="-122"/>
-                <a:cs typeface="Times New Roman" panose="02020603050405020304" pitchFamily="18" charset="0"/>
-              </a:rPr>
-              <a:t>分布式数据库业务数据包括四类备份：</a:t>
-            </a:r>
-          </a:p>
-          <a:p>
-            <a:pPr marL="0" lvl="0" indent="0" algn="just">
-              <a:lnSpc>
-                <a:spcPct val="150000"/>
-              </a:lnSpc>
-              <a:buNone/>
-            </a:pPr>
-            <a:r>
-              <a:rPr lang="en-US" altLang="zh-CN" sz="1800" kern="100" dirty="0">
-                <a:solidFill>
-                  <a:srgbClr val="FF0000"/>
-                </a:solidFill>
-                <a:effectLst/>
-                <a:latin typeface="Times New Roman" panose="02020603050405020304" pitchFamily="18" charset="0"/>
-                <a:ea typeface="仿宋" panose="02010609060101010101" pitchFamily="49" charset="-122"/>
-                <a:cs typeface="Times New Roman" panose="02020603050405020304" pitchFamily="18" charset="0"/>
-              </a:rPr>
-              <a:t>data</a:t>
-            </a:r>
-            <a:r>
-              <a:rPr lang="zh-CN" altLang="zh-CN" sz="1800" kern="100" dirty="0">
-                <a:solidFill>
-                  <a:srgbClr val="FF0000"/>
-                </a:solidFill>
-                <a:effectLst/>
-                <a:latin typeface="Times New Roman" panose="02020603050405020304" pitchFamily="18" charset="0"/>
-                <a:ea typeface="仿宋" panose="02010609060101010101" pitchFamily="49" charset="-122"/>
-                <a:cs typeface="Times New Roman" panose="02020603050405020304" pitchFamily="18" charset="0"/>
-              </a:rPr>
-              <a:t>数据备份</a:t>
-            </a:r>
-            <a:endParaRPr lang="zh-CN" altLang="zh-CN" sz="1800" kern="100" dirty="0">
-              <a:effectLst/>
-              <a:latin typeface="Times New Roman" panose="02020603050405020304" pitchFamily="18" charset="0"/>
-              <a:ea typeface="仿宋" panose="02010609060101010101" pitchFamily="49" charset="-122"/>
-              <a:cs typeface="Times New Roman" panose="02020603050405020304" pitchFamily="18" charset="0"/>
-            </a:endParaRPr>
-          </a:p>
-          <a:p>
-            <a:pPr marL="0" lvl="0" indent="0" algn="just">
-              <a:lnSpc>
-                <a:spcPct val="150000"/>
-              </a:lnSpc>
-              <a:buNone/>
-            </a:pPr>
-            <a:r>
-              <a:rPr lang="en-US" altLang="zh-CN" sz="1800" kern="100" dirty="0" err="1">
-                <a:solidFill>
-                  <a:srgbClr val="FF0000"/>
-                </a:solidFill>
-                <a:effectLst/>
-                <a:latin typeface="Times New Roman" panose="02020603050405020304" pitchFamily="18" charset="0"/>
-                <a:ea typeface="仿宋" panose="02010609060101010101" pitchFamily="49" charset="-122"/>
-                <a:cs typeface="Times New Roman" panose="02020603050405020304" pitchFamily="18" charset="0"/>
-              </a:rPr>
-              <a:t>binlog</a:t>
-            </a:r>
-            <a:r>
-              <a:rPr lang="zh-CN" altLang="zh-CN" sz="1800" kern="100" dirty="0">
-                <a:solidFill>
-                  <a:srgbClr val="FF0000"/>
-                </a:solidFill>
-                <a:effectLst/>
-                <a:latin typeface="Times New Roman" panose="02020603050405020304" pitchFamily="18" charset="0"/>
-                <a:ea typeface="仿宋" panose="02010609060101010101" pitchFamily="49" charset="-122"/>
-                <a:cs typeface="Times New Roman" panose="02020603050405020304" pitchFamily="18" charset="0"/>
-              </a:rPr>
-              <a:t>日志备份</a:t>
-            </a:r>
-            <a:endParaRPr lang="zh-CN" altLang="zh-CN" sz="1800" kern="100" dirty="0">
-              <a:effectLst/>
-              <a:latin typeface="Times New Roman" panose="02020603050405020304" pitchFamily="18" charset="0"/>
-              <a:ea typeface="仿宋" panose="02010609060101010101" pitchFamily="49" charset="-122"/>
-              <a:cs typeface="Times New Roman" panose="02020603050405020304" pitchFamily="18" charset="0"/>
-            </a:endParaRPr>
-          </a:p>
-          <a:p>
-            <a:pPr marL="0" lvl="0" indent="0" algn="just">
-              <a:lnSpc>
-                <a:spcPct val="150000"/>
-              </a:lnSpc>
-              <a:buNone/>
-            </a:pPr>
-            <a:r>
-              <a:rPr lang="zh-CN" altLang="zh-CN" sz="1800" kern="100" dirty="0">
-                <a:solidFill>
-                  <a:srgbClr val="FF0000"/>
-                </a:solidFill>
-                <a:effectLst/>
-                <a:latin typeface="Times New Roman" panose="02020603050405020304" pitchFamily="18" charset="0"/>
-                <a:ea typeface="仿宋" panose="02010609060101010101" pitchFamily="49" charset="-122"/>
-                <a:cs typeface="Times New Roman" panose="02020603050405020304" pitchFamily="18" charset="0"/>
-              </a:rPr>
-              <a:t>活跃</a:t>
-            </a:r>
-            <a:r>
-              <a:rPr lang="en-US" altLang="zh-CN" sz="1800" kern="100" dirty="0">
-                <a:solidFill>
-                  <a:srgbClr val="FF0000"/>
-                </a:solidFill>
-                <a:effectLst/>
-                <a:latin typeface="Times New Roman" panose="02020603050405020304" pitchFamily="18" charset="0"/>
-                <a:ea typeface="仿宋" panose="02010609060101010101" pitchFamily="49" charset="-122"/>
-                <a:cs typeface="Times New Roman" panose="02020603050405020304" pitchFamily="18" charset="0"/>
-              </a:rPr>
-              <a:t>GTID</a:t>
-            </a:r>
-            <a:r>
-              <a:rPr lang="zh-CN" altLang="zh-CN" sz="1800" kern="100" dirty="0">
-                <a:solidFill>
-                  <a:srgbClr val="FF0000"/>
-                </a:solidFill>
-                <a:effectLst/>
-                <a:latin typeface="Times New Roman" panose="02020603050405020304" pitchFamily="18" charset="0"/>
-                <a:ea typeface="仿宋" panose="02010609060101010101" pitchFamily="49" charset="-122"/>
-                <a:cs typeface="Times New Roman" panose="02020603050405020304" pitchFamily="18" charset="0"/>
-              </a:rPr>
-              <a:t>备份（</a:t>
-            </a:r>
-            <a:r>
-              <a:rPr lang="en-US" altLang="zh-CN" sz="1800" kern="100" dirty="0">
-                <a:solidFill>
-                  <a:srgbClr val="FF0000"/>
-                </a:solidFill>
-                <a:effectLst/>
-                <a:latin typeface="Times New Roman" panose="02020603050405020304" pitchFamily="18" charset="0"/>
-                <a:ea typeface="仿宋" panose="02010609060101010101" pitchFamily="49" charset="-122"/>
-                <a:cs typeface="Times New Roman" panose="02020603050405020304" pitchFamily="18" charset="0"/>
-              </a:rPr>
-              <a:t>GTM</a:t>
-            </a:r>
-            <a:r>
-              <a:rPr lang="zh-CN" altLang="zh-CN" sz="1800" kern="100" dirty="0">
-                <a:solidFill>
-                  <a:srgbClr val="FF0000"/>
-                </a:solidFill>
-                <a:effectLst/>
-                <a:latin typeface="Times New Roman" panose="02020603050405020304" pitchFamily="18" charset="0"/>
-                <a:ea typeface="仿宋" panose="02010609060101010101" pitchFamily="49" charset="-122"/>
-                <a:cs typeface="Times New Roman" panose="02020603050405020304" pitchFamily="18" charset="0"/>
-              </a:rPr>
-              <a:t>管理，还包括</a:t>
-            </a:r>
-            <a:r>
-              <a:rPr lang="en-US" altLang="zh-CN" sz="1800" kern="100" dirty="0">
-                <a:solidFill>
-                  <a:srgbClr val="FF0000"/>
-                </a:solidFill>
-                <a:effectLst/>
-                <a:latin typeface="Times New Roman" panose="02020603050405020304" pitchFamily="18" charset="0"/>
-                <a:ea typeface="仿宋" panose="02010609060101010101" pitchFamily="49" charset="-122"/>
-                <a:cs typeface="Times New Roman" panose="02020603050405020304" pitchFamily="18" charset="0"/>
-              </a:rPr>
-              <a:t>sequence</a:t>
-            </a:r>
-            <a:r>
-              <a:rPr lang="zh-CN" altLang="zh-CN" sz="1800" kern="100" dirty="0">
-                <a:solidFill>
-                  <a:srgbClr val="FF0000"/>
-                </a:solidFill>
-                <a:effectLst/>
-                <a:latin typeface="Times New Roman" panose="02020603050405020304" pitchFamily="18" charset="0"/>
-                <a:ea typeface="仿宋" panose="02010609060101010101" pitchFamily="49" charset="-122"/>
-                <a:cs typeface="Times New Roman" panose="02020603050405020304" pitchFamily="18" charset="0"/>
-              </a:rPr>
-              <a:t>）</a:t>
-            </a:r>
-            <a:endParaRPr lang="zh-CN" altLang="zh-CN" sz="1800" kern="100" dirty="0">
-              <a:effectLst/>
-              <a:latin typeface="Times New Roman" panose="02020603050405020304" pitchFamily="18" charset="0"/>
-              <a:ea typeface="仿宋" panose="02010609060101010101" pitchFamily="49" charset="-122"/>
-              <a:cs typeface="Times New Roman" panose="02020603050405020304" pitchFamily="18" charset="0"/>
-            </a:endParaRPr>
-          </a:p>
-          <a:p>
-            <a:pPr marL="0" lvl="0" indent="0" algn="just">
-              <a:lnSpc>
-                <a:spcPct val="150000"/>
-              </a:lnSpc>
-              <a:buNone/>
-            </a:pPr>
-            <a:r>
-              <a:rPr lang="zh-CN" altLang="zh-CN" sz="1800" kern="100" dirty="0">
-                <a:solidFill>
-                  <a:srgbClr val="FF0000"/>
-                </a:solidFill>
-                <a:effectLst/>
-                <a:latin typeface="Times New Roman" panose="02020603050405020304" pitchFamily="18" charset="0"/>
-                <a:ea typeface="仿宋" panose="02010609060101010101" pitchFamily="49" charset="-122"/>
-                <a:cs typeface="Times New Roman" panose="02020603050405020304" pitchFamily="18" charset="0"/>
-              </a:rPr>
-              <a:t>元数据备份（分布式特有）</a:t>
-            </a:r>
-            <a:endParaRPr lang="zh-CN" altLang="en-US" sz="1800" kern="100" dirty="0">
-              <a:solidFill>
-                <a:srgbClr val="FF0000"/>
-              </a:solidFill>
-              <a:effectLst/>
-              <a:latin typeface="Times New Roman" panose="02020603050405020304" pitchFamily="18" charset="0"/>
-              <a:ea typeface="仿宋" panose="02010609060101010101" pitchFamily="49" charset="-122"/>
-              <a:cs typeface="Times New Roman" panose="02020603050405020304" pitchFamily="18" charset="0"/>
-            </a:endParaRPr>
+              <a:rPr lang="zh-CN" altLang="en-US" sz="2400" b="1" dirty="0"/>
+              <a:t>数据恢复</a:t>
+            </a:r>
           </a:p>
         </p:txBody>
       </p:sp>
     </p:spTree>
     <p:extLst>
       <p:ext uri="{BB962C8B-B14F-4D97-AF65-F5344CB8AC3E}">
-        <p14:creationId xmlns:p14="http://schemas.microsoft.com/office/powerpoint/2010/main" val="2408475800"/>
+        <p14:creationId xmlns:p14="http://schemas.microsoft.com/office/powerpoint/2010/main" val="2949369761"/>
       </p:ext>
     </p:extLst>
   </p:cSld>
@@ -14063,10 +15179,45 @@
       </p:grpSpPr>
       <p:sp>
         <p:nvSpPr>
+          <p:cNvPr id="2" name="标题 1">
+            <a:extLst>
+              <a:ext uri="{FF2B5EF4-FFF2-40B4-BE49-F238E27FC236}">
+                <a16:creationId xmlns:a16="http://schemas.microsoft.com/office/drawing/2014/main" id="{015336FC-ACC3-4B91-85AB-BE9397CAE110}"/>
+              </a:ext>
+            </a:extLst>
+          </p:cNvPr>
+          <p:cNvSpPr>
+            <a:spLocks noGrp="1"/>
+          </p:cNvSpPr>
+          <p:nvPr>
+            <p:ph type="title"/>
+          </p:nvPr>
+        </p:nvSpPr>
+        <p:spPr>
+          <a:xfrm>
+            <a:off x="924309" y="410499"/>
+            <a:ext cx="1236627" cy="434193"/>
+          </a:xfrm>
+        </p:spPr>
+        <p:txBody>
+          <a:bodyPr>
+            <a:normAutofit/>
+          </a:bodyPr>
+          <a:lstStyle/>
+          <a:p>
+            <a:r>
+              <a:rPr lang="zh-CN" altLang="en-US" sz="2400" b="1" dirty="0"/>
+              <a:t>兼容性</a:t>
+            </a:r>
+          </a:p>
+        </p:txBody>
+      </p:sp>
+      <p:sp>
+        <p:nvSpPr>
           <p:cNvPr id="3" name="内容占位符 2">
             <a:extLst>
               <a:ext uri="{FF2B5EF4-FFF2-40B4-BE49-F238E27FC236}">
-                <a16:creationId xmlns:a16="http://schemas.microsoft.com/office/drawing/2014/main" id="{E667E16D-9902-40FC-85E4-BA2179F252F5}"/>
+                <a16:creationId xmlns:a16="http://schemas.microsoft.com/office/drawing/2014/main" id="{82B4A5D1-E342-46F9-980D-DB7B4184E547}"/>
               </a:ext>
             </a:extLst>
           </p:cNvPr>
@@ -14079,8 +15230,8 @@
         </p:nvSpPr>
         <p:spPr>
           <a:xfrm>
-            <a:off x="838200" y="512556"/>
-            <a:ext cx="10515600" cy="5664407"/>
+            <a:off x="838200" y="1030138"/>
+            <a:ext cx="10515600" cy="4351338"/>
           </a:xfrm>
         </p:spPr>
         <p:txBody>
@@ -14091,88 +15242,118 @@
               <a:buNone/>
             </a:pPr>
             <a:r>
-              <a:rPr lang="zh-CN" altLang="en-US" dirty="0"/>
-              <a:t>数据恢复</a:t>
-            </a:r>
+              <a:rPr lang="en-US" altLang="zh-CN" sz="2000" dirty="0"/>
+              <a:t>1</a:t>
+            </a:r>
+            <a:r>
+              <a:rPr lang="zh-CN" altLang="en-US" sz="2000" dirty="0"/>
+              <a:t>、</a:t>
+            </a:r>
+            <a:r>
+              <a:rPr lang="en-US" altLang="zh-CN" sz="2000" dirty="0"/>
+              <a:t>MySQL</a:t>
+            </a:r>
+            <a:r>
+              <a:rPr lang="zh-CN" altLang="en-US" sz="2000" dirty="0"/>
+              <a:t>兼容性</a:t>
+            </a:r>
+            <a:endParaRPr lang="en-US" altLang="zh-CN" sz="2000" dirty="0"/>
+          </a:p>
+          <a:p>
+            <a:pPr marL="0" indent="0">
+              <a:buNone/>
+            </a:pPr>
+            <a:r>
+              <a:rPr lang="zh-CN" altLang="en-US" sz="2000" dirty="0"/>
+              <a:t>数据节点兼容</a:t>
+            </a:r>
+            <a:r>
+              <a:rPr lang="en-US" altLang="zh-CN" sz="2000" dirty="0"/>
+              <a:t>MySQL5.7/8.0</a:t>
+            </a:r>
+            <a:r>
+              <a:rPr lang="zh-CN" altLang="en-US" sz="2000" dirty="0"/>
+              <a:t>，计算节点部分兼容</a:t>
+            </a:r>
+            <a:r>
+              <a:rPr lang="en-US" altLang="zh-CN" sz="2000" dirty="0"/>
+              <a:t>MySQL8.0</a:t>
+            </a:r>
+          </a:p>
+          <a:p>
+            <a:pPr marL="0" indent="0">
+              <a:buNone/>
+            </a:pPr>
+            <a:r>
+              <a:rPr lang="en-US" altLang="zh-CN" sz="2000" dirty="0"/>
+              <a:t>2</a:t>
+            </a:r>
+            <a:r>
+              <a:rPr lang="zh-CN" altLang="en-US" sz="2000" dirty="0"/>
+              <a:t>、</a:t>
+            </a:r>
+            <a:r>
+              <a:rPr lang="en-US" altLang="zh-CN" sz="2000" dirty="0"/>
+              <a:t>Oracle</a:t>
+            </a:r>
+            <a:r>
+              <a:rPr lang="zh-CN" altLang="en-US" sz="2000" dirty="0"/>
+              <a:t>兼容性</a:t>
+            </a:r>
+            <a:endParaRPr lang="en-US" altLang="zh-CN" sz="2000" dirty="0"/>
+          </a:p>
+          <a:p>
+            <a:r>
+              <a:rPr lang="en-US" altLang="zh-CN" sz="2000" dirty="0"/>
+              <a:t>sequence</a:t>
+            </a:r>
+          </a:p>
+          <a:p>
+            <a:r>
+              <a:rPr lang="zh-CN" altLang="en-US" sz="2000" dirty="0"/>
+              <a:t>基本的时间、字符函数</a:t>
+            </a:r>
+            <a:endParaRPr lang="en-US" altLang="zh-CN" sz="2000" dirty="0"/>
+          </a:p>
+          <a:p>
+            <a:r>
+              <a:rPr lang="en-US" altLang="zh-CN" sz="2000" dirty="0"/>
+              <a:t>Synonym</a:t>
+            </a:r>
+            <a:r>
+              <a:rPr lang="zh-CN" altLang="en-US" sz="2000" dirty="0"/>
+              <a:t>同义词</a:t>
+            </a:r>
+            <a:endParaRPr lang="en-US" altLang="zh-CN" sz="2000" dirty="0"/>
+          </a:p>
+          <a:p>
+            <a:r>
+              <a:rPr lang="zh-CN" altLang="en-US" sz="2000" dirty="0"/>
+              <a:t>窗口函数</a:t>
+            </a:r>
+            <a:endParaRPr lang="en-US" altLang="zh-CN" sz="2000" dirty="0"/>
+          </a:p>
+          <a:p>
+            <a:r>
+              <a:rPr lang="en-US" altLang="zh-CN" sz="2000" dirty="0"/>
+              <a:t>MERGE INTO</a:t>
+            </a:r>
+          </a:p>
+          <a:p>
+            <a:r>
+              <a:rPr lang="en-US" altLang="zh-CN" sz="2000" dirty="0"/>
+              <a:t>……</a:t>
+            </a:r>
+          </a:p>
+          <a:p>
+            <a:endParaRPr lang="zh-CN" altLang="en-US" dirty="0"/>
           </a:p>
         </p:txBody>
       </p:sp>
-      <p:pic>
-        <p:nvPicPr>
-          <p:cNvPr id="4" name="图片 3" descr="图形用户界面&#10;&#10;中度可信度描述已自动生成">
-            <a:extLst>
-              <a:ext uri="{FF2B5EF4-FFF2-40B4-BE49-F238E27FC236}">
-                <a16:creationId xmlns:a16="http://schemas.microsoft.com/office/drawing/2014/main" id="{E9EBFF11-CB28-493F-BB0C-728A2B5F6397}"/>
-              </a:ext>
-            </a:extLst>
-          </p:cNvPr>
-          <p:cNvPicPr>
-            <a:picLocks noChangeAspect="1"/>
-          </p:cNvPicPr>
-          <p:nvPr/>
-        </p:nvPicPr>
-        <p:blipFill>
-          <a:blip r:embed="rId2">
-            <a:extLst>
-              <a:ext uri="{28A0092B-C50C-407E-A947-70E740481C1C}">
-                <a14:useLocalDpi xmlns:a14="http://schemas.microsoft.com/office/drawing/2010/main" val="0"/>
-              </a:ext>
-            </a:extLst>
-          </a:blip>
-          <a:stretch>
-            <a:fillRect/>
-          </a:stretch>
-        </p:blipFill>
-        <p:spPr>
-          <a:xfrm>
-            <a:off x="838200" y="1597342"/>
-            <a:ext cx="4838973" cy="2419487"/>
-          </a:xfrm>
-          <a:prstGeom prst="rect">
-            <a:avLst/>
-          </a:prstGeom>
-        </p:spPr>
-      </p:pic>
-      <p:pic>
-        <p:nvPicPr>
-          <p:cNvPr id="8" name="图片 7" descr="图形用户界面, 图示&#10;&#10;描述已自动生成">
-            <a:extLst>
-              <a:ext uri="{FF2B5EF4-FFF2-40B4-BE49-F238E27FC236}">
-                <a16:creationId xmlns:a16="http://schemas.microsoft.com/office/drawing/2014/main" id="{CEEAFFAE-2AAF-45DE-87E2-A6DABDC0715C}"/>
-              </a:ext>
-            </a:extLst>
-          </p:cNvPr>
-          <p:cNvPicPr>
-            <a:picLocks noChangeAspect="1"/>
-          </p:cNvPicPr>
-          <p:nvPr/>
-        </p:nvPicPr>
-        <p:blipFill>
-          <a:blip r:embed="rId3">
-            <a:extLst>
-              <a:ext uri="{28A0092B-C50C-407E-A947-70E740481C1C}">
-                <a14:useLocalDpi xmlns:a14="http://schemas.microsoft.com/office/drawing/2010/main" val="0"/>
-              </a:ext>
-            </a:extLst>
-          </a:blip>
-          <a:stretch>
-            <a:fillRect/>
-          </a:stretch>
-        </p:blipFill>
-        <p:spPr>
-          <a:xfrm>
-            <a:off x="5946271" y="801189"/>
-            <a:ext cx="6206540" cy="4319091"/>
-          </a:xfrm>
-          <a:prstGeom prst="rect">
-            <a:avLst/>
-          </a:prstGeom>
-        </p:spPr>
-      </p:pic>
     </p:spTree>
     <p:extLst>
       <p:ext uri="{BB962C8B-B14F-4D97-AF65-F5344CB8AC3E}">
-        <p14:creationId xmlns:p14="http://schemas.microsoft.com/office/powerpoint/2010/main" val="1635344572"/>
+        <p14:creationId xmlns:p14="http://schemas.microsoft.com/office/powerpoint/2010/main" val="733423172"/>
       </p:ext>
     </p:extLst>
   </p:cSld>
@@ -14204,7 +15385,7 @@
           <p:cNvPr id="2" name="标题 1">
             <a:extLst>
               <a:ext uri="{FF2B5EF4-FFF2-40B4-BE49-F238E27FC236}">
-                <a16:creationId xmlns:a16="http://schemas.microsoft.com/office/drawing/2014/main" id="{79207F58-3D57-4E05-80D0-13A44E9A9264}"/>
+                <a16:creationId xmlns:a16="http://schemas.microsoft.com/office/drawing/2014/main" id="{05730287-AE5E-47CD-9F35-84BADF8FD5DB}"/>
               </a:ext>
             </a:extLst>
           </p:cNvPr>
@@ -14217,8 +15398,8 @@
         </p:nvSpPr>
         <p:spPr>
           <a:xfrm>
-            <a:off x="912008" y="336422"/>
-            <a:ext cx="2405255" cy="770699"/>
+            <a:off x="838200" y="365125"/>
+            <a:ext cx="1527759" cy="733795"/>
           </a:xfrm>
         </p:spPr>
         <p:txBody>
@@ -14229,69 +15410,51 @@
           <a:p>
             <a:r>
               <a:rPr lang="zh-CN" altLang="en-US" sz="2400" b="1" dirty="0"/>
-              <a:t>扩展性</a:t>
+              <a:t>数据迁移</a:t>
             </a:r>
           </a:p>
         </p:txBody>
       </p:sp>
-      <p:sp>
-        <p:nvSpPr>
-          <p:cNvPr id="3" name="内容占位符 2">
-            <a:extLst>
-              <a:ext uri="{FF2B5EF4-FFF2-40B4-BE49-F238E27FC236}">
-                <a16:creationId xmlns:a16="http://schemas.microsoft.com/office/drawing/2014/main" id="{C6C02577-2EBF-4543-ADD4-51525E21894E}"/>
-              </a:ext>
-            </a:extLst>
-          </p:cNvPr>
-          <p:cNvSpPr>
-            <a:spLocks noGrp="1"/>
-          </p:cNvSpPr>
-          <p:nvPr>
-            <p:ph idx="1"/>
-          </p:nvPr>
-        </p:nvSpPr>
+      <p:pic>
+        <p:nvPicPr>
+          <p:cNvPr id="7" name="图片 6" descr="图示&#10;&#10;描述已自动生成">
+            <a:extLst>
+              <a:ext uri="{FF2B5EF4-FFF2-40B4-BE49-F238E27FC236}">
+                <a16:creationId xmlns:a16="http://schemas.microsoft.com/office/drawing/2014/main" id="{418881AB-CCCD-49BC-B9C6-D82209A380F7}"/>
+              </a:ext>
+            </a:extLst>
+          </p:cNvPr>
+          <p:cNvPicPr>
+            <a:picLocks noChangeAspect="1"/>
+          </p:cNvPicPr>
+          <p:nvPr/>
+        </p:nvPicPr>
+        <p:blipFill>
+          <a:blip r:embed="rId2">
+            <a:extLst>
+              <a:ext uri="{28A0092B-C50C-407E-A947-70E740481C1C}">
+                <a14:useLocalDpi xmlns:a14="http://schemas.microsoft.com/office/drawing/2010/main" val="0"/>
+              </a:ext>
+            </a:extLst>
+          </a:blip>
+          <a:stretch>
+            <a:fillRect/>
+          </a:stretch>
+        </p:blipFill>
         <p:spPr>
           <a:xfrm>
-            <a:off x="912008" y="1321270"/>
-            <a:ext cx="4465535" cy="1182444"/>
+            <a:off x="2330300" y="1397851"/>
+            <a:ext cx="6181344" cy="3535680"/>
           </a:xfrm>
+          <a:prstGeom prst="rect">
+            <a:avLst/>
+          </a:prstGeom>
         </p:spPr>
-        <p:txBody>
-          <a:bodyPr/>
-          <a:lstStyle/>
-          <a:p>
-            <a:pPr marL="0" indent="0">
-              <a:buNone/>
-            </a:pPr>
-            <a:r>
-              <a:rPr lang="en-US" altLang="zh-CN" dirty="0"/>
-              <a:t>1</a:t>
-            </a:r>
-            <a:r>
-              <a:rPr lang="zh-CN" altLang="en-US" dirty="0"/>
-              <a:t>、多级扩展</a:t>
-            </a:r>
-            <a:endParaRPr lang="en-US" altLang="zh-CN" dirty="0"/>
-          </a:p>
-          <a:p>
-            <a:pPr marL="0" indent="0">
-              <a:buNone/>
-            </a:pPr>
-            <a:r>
-              <a:rPr lang="en-US" altLang="zh-CN" dirty="0"/>
-              <a:t>2</a:t>
-            </a:r>
-            <a:r>
-              <a:rPr lang="zh-CN" altLang="en-US" dirty="0"/>
-              <a:t>、异构数据库</a:t>
-            </a:r>
-          </a:p>
-        </p:txBody>
-      </p:sp>
+      </p:pic>
     </p:spTree>
     <p:extLst>
       <p:ext uri="{BB962C8B-B14F-4D97-AF65-F5344CB8AC3E}">
-        <p14:creationId xmlns:p14="http://schemas.microsoft.com/office/powerpoint/2010/main" val="2946319433"/>
+        <p14:creationId xmlns:p14="http://schemas.microsoft.com/office/powerpoint/2010/main" val="4016968504"/>
       </p:ext>
     </p:extLst>
   </p:cSld>
@@ -14323,7 +15486,7 @@
           <p:cNvPr id="2" name="标题 1">
             <a:extLst>
               <a:ext uri="{FF2B5EF4-FFF2-40B4-BE49-F238E27FC236}">
-                <a16:creationId xmlns:a16="http://schemas.microsoft.com/office/drawing/2014/main" id="{015336FC-ACC3-4B91-85AB-BE9397CAE110}"/>
+                <a16:creationId xmlns:a16="http://schemas.microsoft.com/office/drawing/2014/main" id="{3A2E4FDF-6E4F-47B8-8506-32FE981C2A12}"/>
               </a:ext>
             </a:extLst>
           </p:cNvPr>
@@ -14336,8 +15499,8 @@
         </p:nvSpPr>
         <p:spPr>
           <a:xfrm>
-            <a:off x="924309" y="410499"/>
-            <a:ext cx="1236627" cy="434193"/>
+            <a:off x="838200" y="365125"/>
+            <a:ext cx="1650772" cy="840407"/>
           </a:xfrm>
         </p:spPr>
         <p:txBody>
@@ -14347,154 +15510,52 @@
           <a:lstStyle/>
           <a:p>
             <a:r>
-              <a:rPr lang="zh-CN" altLang="en-US" sz="2400" b="1" dirty="0"/>
-              <a:t>兼容性</a:t>
+              <a:rPr lang="zh-CN" altLang="en-US" sz="2000" b="1" dirty="0"/>
+              <a:t>监控运维</a:t>
             </a:r>
           </a:p>
         </p:txBody>
       </p:sp>
-      <p:sp>
-        <p:nvSpPr>
-          <p:cNvPr id="3" name="内容占位符 2">
-            <a:extLst>
-              <a:ext uri="{FF2B5EF4-FFF2-40B4-BE49-F238E27FC236}">
-                <a16:creationId xmlns:a16="http://schemas.microsoft.com/office/drawing/2014/main" id="{82B4A5D1-E342-46F9-980D-DB7B4184E547}"/>
-              </a:ext>
-            </a:extLst>
-          </p:cNvPr>
-          <p:cNvSpPr>
-            <a:spLocks noGrp="1"/>
-          </p:cNvSpPr>
-          <p:nvPr>
-            <p:ph idx="1"/>
-          </p:nvPr>
-        </p:nvSpPr>
+      <p:pic>
+        <p:nvPicPr>
+          <p:cNvPr id="5" name="图片 4" descr="图示&#10;&#10;低可信度描述已自动生成">
+            <a:extLst>
+              <a:ext uri="{FF2B5EF4-FFF2-40B4-BE49-F238E27FC236}">
+                <a16:creationId xmlns:a16="http://schemas.microsoft.com/office/drawing/2014/main" id="{9113F33A-74BB-4782-A0E6-EBD20B288DD6}"/>
+              </a:ext>
+            </a:extLst>
+          </p:cNvPr>
+          <p:cNvPicPr>
+            <a:picLocks noChangeAspect="1"/>
+          </p:cNvPicPr>
+          <p:nvPr/>
+        </p:nvPicPr>
+        <p:blipFill>
+          <a:blip r:embed="rId3">
+            <a:extLst>
+              <a:ext uri="{28A0092B-C50C-407E-A947-70E740481C1C}">
+                <a14:useLocalDpi xmlns:a14="http://schemas.microsoft.com/office/drawing/2010/main" val="0"/>
+              </a:ext>
+            </a:extLst>
+          </a:blip>
+          <a:stretch>
+            <a:fillRect/>
+          </a:stretch>
+        </p:blipFill>
         <p:spPr>
           <a:xfrm>
-            <a:off x="838200" y="1030138"/>
-            <a:ext cx="10515600" cy="4351338"/>
+            <a:off x="1905611" y="1168134"/>
+            <a:ext cx="6189941" cy="4913664"/>
           </a:xfrm>
+          <a:prstGeom prst="rect">
+            <a:avLst/>
+          </a:prstGeom>
         </p:spPr>
-        <p:txBody>
-          <a:bodyPr/>
-          <a:lstStyle/>
-          <a:p>
-            <a:pPr marL="0" indent="0">
-              <a:buNone/>
-            </a:pPr>
-            <a:r>
-              <a:rPr lang="en-US" altLang="zh-CN" sz="2000" dirty="0"/>
-              <a:t>1</a:t>
-            </a:r>
-            <a:r>
-              <a:rPr lang="zh-CN" altLang="en-US" sz="2000" dirty="0"/>
-              <a:t>、</a:t>
-            </a:r>
-            <a:r>
-              <a:rPr lang="en-US" altLang="zh-CN" sz="2000" dirty="0"/>
-              <a:t>MySQL</a:t>
-            </a:r>
-            <a:r>
-              <a:rPr lang="zh-CN" altLang="en-US" sz="2000" dirty="0"/>
-              <a:t>兼容性</a:t>
-            </a:r>
-            <a:endParaRPr lang="en-US" altLang="zh-CN" sz="2000" dirty="0"/>
-          </a:p>
-          <a:p>
-            <a:pPr marL="0" indent="0">
-              <a:buNone/>
-            </a:pPr>
-            <a:r>
-              <a:rPr lang="zh-CN" altLang="en-US" sz="2000" dirty="0"/>
-              <a:t>数据节点兼容</a:t>
-            </a:r>
-            <a:r>
-              <a:rPr lang="en-US" altLang="zh-CN" sz="2000" dirty="0"/>
-              <a:t>MySQL5.7/8.0</a:t>
-            </a:r>
-            <a:r>
-              <a:rPr lang="zh-CN" altLang="en-US" sz="2000" dirty="0"/>
-              <a:t>，计算节点部分兼容</a:t>
-            </a:r>
-            <a:r>
-              <a:rPr lang="en-US" altLang="zh-CN" sz="2000" dirty="0"/>
-              <a:t>MySQL8.0</a:t>
-            </a:r>
-          </a:p>
-          <a:p>
-            <a:pPr marL="0" indent="0">
-              <a:buNone/>
-            </a:pPr>
-            <a:r>
-              <a:rPr lang="en-US" altLang="zh-CN" sz="2000" dirty="0"/>
-              <a:t>2</a:t>
-            </a:r>
-            <a:r>
-              <a:rPr lang="zh-CN" altLang="en-US" sz="2000" dirty="0"/>
-              <a:t>、</a:t>
-            </a:r>
-            <a:r>
-              <a:rPr lang="en-US" altLang="zh-CN" sz="2000" dirty="0"/>
-              <a:t>Oracle</a:t>
-            </a:r>
-            <a:r>
-              <a:rPr lang="zh-CN" altLang="en-US" sz="2000" dirty="0"/>
-              <a:t>兼容性</a:t>
-            </a:r>
-            <a:endParaRPr lang="en-US" altLang="zh-CN" sz="2000" dirty="0"/>
-          </a:p>
-          <a:p>
-            <a:r>
-              <a:rPr lang="en-US" altLang="zh-CN" sz="2000" dirty="0"/>
-              <a:t>sequence</a:t>
-            </a:r>
-          </a:p>
-          <a:p>
-            <a:r>
-              <a:rPr lang="zh-CN" altLang="en-US" sz="2000" dirty="0"/>
-              <a:t>基本的时间、字符函数</a:t>
-            </a:r>
-            <a:endParaRPr lang="en-US" altLang="zh-CN" sz="2000" dirty="0"/>
-          </a:p>
-          <a:p>
-            <a:r>
-              <a:rPr lang="en-US" altLang="zh-CN" sz="2000" dirty="0"/>
-              <a:t>Synonym</a:t>
-            </a:r>
-            <a:r>
-              <a:rPr lang="zh-CN" altLang="en-US" sz="2000" dirty="0"/>
-              <a:t>同义词</a:t>
-            </a:r>
-            <a:endParaRPr lang="en-US" altLang="zh-CN" sz="2000" dirty="0"/>
-          </a:p>
-          <a:p>
-            <a:r>
-              <a:rPr lang="zh-CN" altLang="en-US" sz="2000" dirty="0"/>
-              <a:t>窗口函数</a:t>
-            </a:r>
-            <a:endParaRPr lang="en-US" altLang="zh-CN" sz="2000" dirty="0"/>
-          </a:p>
-          <a:p>
-            <a:r>
-              <a:rPr lang="en-US" altLang="zh-CN" sz="2000" dirty="0"/>
-              <a:t>MERGE INTO</a:t>
-            </a:r>
-          </a:p>
-          <a:p>
-            <a:r>
-              <a:rPr lang="en-US" altLang="zh-CN" sz="2000" dirty="0"/>
-              <a:t>……</a:t>
-            </a:r>
-          </a:p>
-          <a:p>
-            <a:endParaRPr lang="zh-CN" altLang="en-US" dirty="0"/>
-          </a:p>
-        </p:txBody>
-      </p:sp>
+      </p:pic>
     </p:spTree>
     <p:extLst>
       <p:ext uri="{BB962C8B-B14F-4D97-AF65-F5344CB8AC3E}">
-        <p14:creationId xmlns:p14="http://schemas.microsoft.com/office/powerpoint/2010/main" val="733423172"/>
+        <p14:creationId xmlns:p14="http://schemas.microsoft.com/office/powerpoint/2010/main" val="4271853683"/>
       </p:ext>
     </p:extLst>
   </p:cSld>
@@ -14526,7 +15587,7 @@
           <p:cNvPr id="2" name="标题 1">
             <a:extLst>
               <a:ext uri="{FF2B5EF4-FFF2-40B4-BE49-F238E27FC236}">
-                <a16:creationId xmlns:a16="http://schemas.microsoft.com/office/drawing/2014/main" id="{05730287-AE5E-47CD-9F35-84BADF8FD5DB}"/>
+                <a16:creationId xmlns:a16="http://schemas.microsoft.com/office/drawing/2014/main" id="{1DAECAE9-CF09-49A2-8632-A51073B7ADA2}"/>
               </a:ext>
             </a:extLst>
           </p:cNvPr>
@@ -14539,8 +15600,8 @@
         </p:nvSpPr>
         <p:spPr>
           <a:xfrm>
-            <a:off x="838200" y="365125"/>
-            <a:ext cx="1527759" cy="733795"/>
+            <a:off x="838200" y="365126"/>
+            <a:ext cx="3516476" cy="471366"/>
           </a:xfrm>
         </p:spPr>
         <p:txBody>
@@ -14550,120 +15611,56 @@
           <a:lstStyle/>
           <a:p>
             <a:r>
+              <a:rPr lang="en-US" altLang="zh-CN" sz="2400" b="1" dirty="0"/>
+              <a:t>Insight</a:t>
+            </a:r>
+            <a:r>
               <a:rPr lang="zh-CN" altLang="en-US" sz="2400" b="1" dirty="0"/>
-              <a:t>数据迁移</a:t>
+              <a:t>运维平台交互关系</a:t>
             </a:r>
           </a:p>
         </p:txBody>
       </p:sp>
-      <p:sp>
-        <p:nvSpPr>
-          <p:cNvPr id="3" name="内容占位符 2">
-            <a:extLst>
-              <a:ext uri="{FF2B5EF4-FFF2-40B4-BE49-F238E27FC236}">
-                <a16:creationId xmlns:a16="http://schemas.microsoft.com/office/drawing/2014/main" id="{9CF31671-1121-443B-B915-7708AE907827}"/>
-              </a:ext>
-            </a:extLst>
-          </p:cNvPr>
-          <p:cNvSpPr>
-            <a:spLocks noGrp="1"/>
-          </p:cNvSpPr>
-          <p:nvPr>
-            <p:ph idx="1"/>
-          </p:nvPr>
-        </p:nvSpPr>
+      <p:pic>
+        <p:nvPicPr>
+          <p:cNvPr id="4" name="图片 3" descr="图示&#10;&#10;描述已自动生成">
+            <a:extLst>
+              <a:ext uri="{FF2B5EF4-FFF2-40B4-BE49-F238E27FC236}">
+                <a16:creationId xmlns:a16="http://schemas.microsoft.com/office/drawing/2014/main" id="{074B2296-6214-405D-8651-B6DB58EBB2D0}"/>
+              </a:ext>
+            </a:extLst>
+          </p:cNvPr>
+          <p:cNvPicPr>
+            <a:picLocks noChangeAspect="1"/>
+          </p:cNvPicPr>
+          <p:nvPr/>
+        </p:nvPicPr>
+        <p:blipFill>
+          <a:blip r:embed="rId3">
+            <a:extLst>
+              <a:ext uri="{28A0092B-C50C-407E-A947-70E740481C1C}">
+                <a14:useLocalDpi xmlns:a14="http://schemas.microsoft.com/office/drawing/2010/main" val="0"/>
+              </a:ext>
+            </a:extLst>
+          </a:blip>
+          <a:stretch>
+            <a:fillRect/>
+          </a:stretch>
+        </p:blipFill>
         <p:spPr>
           <a:xfrm>
-            <a:off x="838200" y="1198256"/>
-            <a:ext cx="10515600" cy="4351338"/>
+            <a:off x="1841998" y="1306137"/>
+            <a:ext cx="7845878" cy="3043660"/>
           </a:xfrm>
+          <a:prstGeom prst="rect">
+            <a:avLst/>
+          </a:prstGeom>
         </p:spPr>
-        <p:txBody>
-          <a:bodyPr>
-            <a:normAutofit/>
-          </a:bodyPr>
-          <a:lstStyle/>
-          <a:p>
-            <a:pPr marL="0" indent="0">
-              <a:buNone/>
-            </a:pPr>
-            <a:r>
-              <a:rPr lang="en-US" altLang="zh-CN" sz="2000" dirty="0"/>
-              <a:t>1</a:t>
-            </a:r>
-            <a:r>
-              <a:rPr lang="zh-CN" altLang="en-US" sz="2000" dirty="0"/>
-              <a:t>、重分布</a:t>
-            </a:r>
-            <a:endParaRPr lang="en-US" altLang="zh-CN" sz="2000" dirty="0"/>
-          </a:p>
-          <a:p>
-            <a:pPr marL="0" indent="0">
-              <a:buNone/>
-            </a:pPr>
-            <a:r>
-              <a:rPr lang="en-US" altLang="zh-CN" sz="2000" dirty="0"/>
-              <a:t>2</a:t>
-            </a:r>
-            <a:r>
-              <a:rPr lang="zh-CN" altLang="en-US" sz="2000" dirty="0"/>
-              <a:t>、导入导出</a:t>
-            </a:r>
-            <a:endParaRPr lang="en-US" altLang="zh-CN" sz="2000" dirty="0"/>
-          </a:p>
-          <a:p>
-            <a:pPr marL="0" indent="0">
-              <a:buNone/>
-            </a:pPr>
-            <a:r>
-              <a:rPr lang="en-US" altLang="zh-CN" sz="2000" dirty="0" err="1"/>
-              <a:t>loadserver</a:t>
-            </a:r>
-            <a:r>
-              <a:rPr lang="zh-CN" altLang="en-US" sz="2000" dirty="0"/>
-              <a:t>：走</a:t>
-            </a:r>
-            <a:r>
-              <a:rPr lang="en-US" altLang="zh-CN" sz="2000" dirty="0" err="1"/>
-              <a:t>db</a:t>
-            </a:r>
-            <a:r>
-              <a:rPr lang="en-US" altLang="zh-CN" sz="2000" dirty="0"/>
-              <a:t>(</a:t>
-            </a:r>
-            <a:r>
-              <a:rPr lang="zh-CN" altLang="en-US" sz="2000" dirty="0"/>
-              <a:t>需要刷新自增列</a:t>
-            </a:r>
-            <a:r>
-              <a:rPr lang="en-US" altLang="zh-CN" sz="2000" dirty="0"/>
-              <a:t>)</a:t>
-            </a:r>
-          </a:p>
-          <a:p>
-            <a:pPr marL="0" indent="0">
-              <a:buNone/>
-            </a:pPr>
-            <a:r>
-              <a:rPr lang="en-US" altLang="zh-CN" sz="2000" dirty="0" err="1"/>
-              <a:t>goldendumper</a:t>
-            </a:r>
-            <a:r>
-              <a:rPr lang="zh-CN" altLang="en-US" sz="2000" dirty="0"/>
-              <a:t>：走</a:t>
-            </a:r>
-            <a:r>
-              <a:rPr lang="en-US" altLang="zh-CN" sz="2000" dirty="0"/>
-              <a:t>proxy</a:t>
-            </a:r>
-            <a:endParaRPr lang="zh-CN" altLang="en-US" sz="2000" dirty="0"/>
-          </a:p>
-        </p:txBody>
-      </p:sp>
+      </p:pic>
     </p:spTree>
     <p:extLst>
       <p:ext uri="{BB962C8B-B14F-4D97-AF65-F5344CB8AC3E}">
-        <p14:creationId xmlns:p14="http://schemas.microsoft.com/office/powerpoint/2010/main" val="4016968504"/>
+        <p14:creationId xmlns:p14="http://schemas.microsoft.com/office/powerpoint/2010/main" val="1843203510"/>
       </p:ext>
     </p:extLst>
   </p:cSld>
@@ -14695,618 +15692,6 @@
           <p:cNvPr id="2" name="标题 1">
             <a:extLst>
               <a:ext uri="{FF2B5EF4-FFF2-40B4-BE49-F238E27FC236}">
-                <a16:creationId xmlns:a16="http://schemas.microsoft.com/office/drawing/2014/main" id="{3A2E4FDF-6E4F-47B8-8506-32FE981C2A12}"/>
-              </a:ext>
-            </a:extLst>
-          </p:cNvPr>
-          <p:cNvSpPr>
-            <a:spLocks noGrp="1"/>
-          </p:cNvSpPr>
-          <p:nvPr>
-            <p:ph type="title"/>
-          </p:nvPr>
-        </p:nvSpPr>
-        <p:spPr>
-          <a:xfrm>
-            <a:off x="838200" y="365125"/>
-            <a:ext cx="1650772" cy="840407"/>
-          </a:xfrm>
-        </p:spPr>
-        <p:txBody>
-          <a:bodyPr>
-            <a:normAutofit/>
-          </a:bodyPr>
-          <a:lstStyle/>
-          <a:p>
-            <a:r>
-              <a:rPr lang="zh-CN" altLang="en-US" sz="2000" b="1" dirty="0"/>
-              <a:t>监控运维</a:t>
-            </a:r>
-          </a:p>
-        </p:txBody>
-      </p:sp>
-      <p:sp>
-        <p:nvSpPr>
-          <p:cNvPr id="3" name="内容占位符 2">
-            <a:extLst>
-              <a:ext uri="{FF2B5EF4-FFF2-40B4-BE49-F238E27FC236}">
-                <a16:creationId xmlns:a16="http://schemas.microsoft.com/office/drawing/2014/main" id="{490D1B73-F99E-4C52-9F44-787DADFE1AC9}"/>
-              </a:ext>
-            </a:extLst>
-          </p:cNvPr>
-          <p:cNvSpPr>
-            <a:spLocks noGrp="1"/>
-          </p:cNvSpPr>
-          <p:nvPr>
-            <p:ph idx="1"/>
-          </p:nvPr>
-        </p:nvSpPr>
-        <p:spPr>
-          <a:xfrm>
-            <a:off x="875104" y="1136750"/>
-            <a:ext cx="10515600" cy="4351338"/>
-          </a:xfrm>
-        </p:spPr>
-        <p:txBody>
-          <a:bodyPr>
-            <a:normAutofit fontScale="70000" lnSpcReduction="20000"/>
-          </a:bodyPr>
-          <a:lstStyle/>
-          <a:p>
-            <a:pPr marL="0" indent="0">
-              <a:buNone/>
-            </a:pPr>
-            <a:r>
-              <a:rPr lang="en-US" altLang="zh-CN" dirty="0"/>
-              <a:t>1</a:t>
-            </a:r>
-            <a:r>
-              <a:rPr lang="zh-CN" altLang="en-US" dirty="0"/>
-              <a:t>、流水号</a:t>
-            </a:r>
-            <a:endParaRPr lang="en-US" altLang="zh-CN" dirty="0"/>
-          </a:p>
-          <a:p>
-            <a:pPr marL="0" indent="0">
-              <a:buNone/>
-            </a:pPr>
-            <a:r>
-              <a:rPr lang="zh-CN" altLang="zh-CN" sz="1800" kern="100" dirty="0">
-                <a:effectLst/>
-                <a:latin typeface="Times New Roman" panose="02020603050405020304" pitchFamily="18" charset="0"/>
-                <a:ea typeface="仿宋" panose="02010609060101010101" pitchFamily="49" charset="-122"/>
-                <a:cs typeface="Times New Roman" panose="02020603050405020304" pitchFamily="18" charset="0"/>
-              </a:rPr>
-              <a:t>系统表</a:t>
-            </a:r>
-            <a:r>
-              <a:rPr lang="en-US" altLang="zh-CN" sz="1800" kern="100" dirty="0" err="1">
-                <a:effectLst/>
-                <a:latin typeface="Times New Roman" panose="02020603050405020304" pitchFamily="18" charset="0"/>
-                <a:ea typeface="仿宋" panose="02010609060101010101" pitchFamily="49" charset="-122"/>
-                <a:cs typeface="Times New Roman" panose="02020603050405020304" pitchFamily="18" charset="0"/>
-              </a:rPr>
-              <a:t>information_schema.INNODB_TRX</a:t>
-            </a:r>
-            <a:r>
-              <a:rPr lang="zh-CN" altLang="zh-CN" sz="1800" kern="100" dirty="0">
-                <a:effectLst/>
-                <a:latin typeface="Times New Roman" panose="02020603050405020304" pitchFamily="18" charset="0"/>
-                <a:ea typeface="仿宋" panose="02010609060101010101" pitchFamily="49" charset="-122"/>
-                <a:cs typeface="Times New Roman" panose="02020603050405020304" pitchFamily="18" charset="0"/>
-              </a:rPr>
-              <a:t>主要记录了</a:t>
-            </a:r>
-            <a:r>
-              <a:rPr lang="en-US" altLang="zh-CN" sz="1800" kern="100" dirty="0" err="1">
-                <a:effectLst/>
-                <a:latin typeface="Times New Roman" panose="02020603050405020304" pitchFamily="18" charset="0"/>
-                <a:ea typeface="仿宋" panose="02010609060101010101" pitchFamily="49" charset="-122"/>
-                <a:cs typeface="Times New Roman" panose="02020603050405020304" pitchFamily="18" charset="0"/>
-              </a:rPr>
-              <a:t>innodb</a:t>
-            </a:r>
-            <a:r>
-              <a:rPr lang="zh-CN" altLang="zh-CN" sz="1800" kern="100" dirty="0">
-                <a:effectLst/>
-                <a:latin typeface="Times New Roman" panose="02020603050405020304" pitchFamily="18" charset="0"/>
-                <a:ea typeface="仿宋" panose="02010609060101010101" pitchFamily="49" charset="-122"/>
-                <a:cs typeface="Times New Roman" panose="02020603050405020304" pitchFamily="18" charset="0"/>
-              </a:rPr>
-              <a:t>事务的相关信息，需要增加</a:t>
-            </a:r>
-            <a:r>
-              <a:rPr lang="en-US" altLang="zh-CN" sz="1800" kern="100" dirty="0">
-                <a:effectLst/>
-                <a:latin typeface="Times New Roman" panose="02020603050405020304" pitchFamily="18" charset="0"/>
-                <a:ea typeface="仿宋" panose="02010609060101010101" pitchFamily="49" charset="-122"/>
-                <a:cs typeface="Times New Roman" panose="02020603050405020304" pitchFamily="18" charset="0"/>
-              </a:rPr>
-              <a:t>2</a:t>
-            </a:r>
-            <a:r>
-              <a:rPr lang="zh-CN" altLang="zh-CN" sz="1800" kern="100" dirty="0">
-                <a:effectLst/>
-                <a:latin typeface="Times New Roman" panose="02020603050405020304" pitchFamily="18" charset="0"/>
-                <a:ea typeface="仿宋" panose="02010609060101010101" pitchFamily="49" charset="-122"/>
-                <a:cs typeface="Times New Roman" panose="02020603050405020304" pitchFamily="18" charset="0"/>
-              </a:rPr>
-              <a:t>个字段用于保存事务流水号信息及</a:t>
-            </a:r>
-            <a:r>
-              <a:rPr lang="en-US" altLang="zh-CN" sz="1800" kern="100" dirty="0">
-                <a:effectLst/>
-                <a:latin typeface="Times New Roman" panose="02020603050405020304" pitchFamily="18" charset="0"/>
-                <a:ea typeface="仿宋" panose="02010609060101010101" pitchFamily="49" charset="-122"/>
-                <a:cs typeface="Times New Roman" panose="02020603050405020304" pitchFamily="18" charset="0"/>
-              </a:rPr>
-              <a:t>GTID</a:t>
-            </a:r>
-            <a:r>
-              <a:rPr lang="zh-CN" altLang="zh-CN" sz="1800" kern="100" dirty="0">
-                <a:effectLst/>
-                <a:latin typeface="Times New Roman" panose="02020603050405020304" pitchFamily="18" charset="0"/>
-                <a:ea typeface="仿宋" panose="02010609060101010101" pitchFamily="49" charset="-122"/>
-                <a:cs typeface="Times New Roman" panose="02020603050405020304" pitchFamily="18" charset="0"/>
-              </a:rPr>
-              <a:t>信息。</a:t>
-            </a:r>
-            <a:endParaRPr lang="en-US" altLang="zh-CN" sz="1800" kern="100" dirty="0">
-              <a:effectLst/>
-              <a:latin typeface="Times New Roman" panose="02020603050405020304" pitchFamily="18" charset="0"/>
-              <a:ea typeface="仿宋" panose="02010609060101010101" pitchFamily="49" charset="-122"/>
-              <a:cs typeface="Times New Roman" panose="02020603050405020304" pitchFamily="18" charset="0"/>
-            </a:endParaRPr>
-          </a:p>
-          <a:p>
-            <a:pPr marL="0" indent="0">
-              <a:buNone/>
-            </a:pPr>
-            <a:r>
-              <a:rPr lang="zh-CN" altLang="zh-CN" sz="1800" kern="100" dirty="0">
-                <a:effectLst/>
-                <a:latin typeface="Times New Roman" panose="02020603050405020304" pitchFamily="18" charset="0"/>
-                <a:ea typeface="仿宋" panose="02010609060101010101" pitchFamily="49" charset="-122"/>
-                <a:cs typeface="Times New Roman" panose="02020603050405020304" pitchFamily="18" charset="0"/>
-              </a:rPr>
-              <a:t>新增字段信息如下：</a:t>
-            </a:r>
-            <a:endParaRPr lang="en-US" altLang="zh-CN" sz="1800" kern="100" dirty="0">
-              <a:effectLst/>
-              <a:latin typeface="Times New Roman" panose="02020603050405020304" pitchFamily="18" charset="0"/>
-              <a:ea typeface="仿宋" panose="02010609060101010101" pitchFamily="49" charset="-122"/>
-              <a:cs typeface="Times New Roman" panose="02020603050405020304" pitchFamily="18" charset="0"/>
-            </a:endParaRPr>
-          </a:p>
-          <a:p>
-            <a:pPr marL="0" indent="0">
-              <a:buNone/>
-            </a:pPr>
-            <a:r>
-              <a:rPr lang="en-US" altLang="zh-CN" sz="1800" kern="100" dirty="0" err="1">
-                <a:effectLst/>
-                <a:latin typeface="Times New Roman" panose="02020603050405020304" pitchFamily="18" charset="0"/>
-                <a:ea typeface="仿宋" panose="02010609060101010101" pitchFamily="49" charset="-122"/>
-                <a:cs typeface="Times New Roman" panose="02020603050405020304" pitchFamily="18" charset="0"/>
-              </a:rPr>
-              <a:t>trx_serial_num</a:t>
-            </a:r>
-            <a:r>
-              <a:rPr lang="en-US" altLang="zh-CN" sz="1800" kern="100" dirty="0">
-                <a:effectLst/>
-                <a:latin typeface="Times New Roman" panose="02020603050405020304" pitchFamily="18" charset="0"/>
-                <a:ea typeface="仿宋" panose="02010609060101010101" pitchFamily="49" charset="-122"/>
-                <a:cs typeface="Times New Roman" panose="02020603050405020304" pitchFamily="18" charset="0"/>
-              </a:rPr>
-              <a:t> varchar(32) DEFAULT NULL,</a:t>
-            </a:r>
-            <a:endParaRPr lang="en-US" altLang="zh-CN" sz="1800" kern="100" dirty="0">
-              <a:latin typeface="Times New Roman" panose="02020603050405020304" pitchFamily="18" charset="0"/>
-              <a:ea typeface="仿宋" panose="02010609060101010101" pitchFamily="49" charset="-122"/>
-              <a:cs typeface="Times New Roman" panose="02020603050405020304" pitchFamily="18" charset="0"/>
-            </a:endParaRPr>
-          </a:p>
-          <a:p>
-            <a:pPr marL="0" indent="0">
-              <a:buNone/>
-            </a:pPr>
-            <a:r>
-              <a:rPr lang="en-US" altLang="zh-CN" sz="1800" kern="100" dirty="0" err="1">
-                <a:effectLst/>
-                <a:latin typeface="Times New Roman" panose="02020603050405020304" pitchFamily="18" charset="0"/>
-                <a:ea typeface="仿宋" panose="02010609060101010101" pitchFamily="49" charset="-122"/>
-                <a:cs typeface="Times New Roman" panose="02020603050405020304" pitchFamily="18" charset="0"/>
-              </a:rPr>
-              <a:t>trx_gtm_gtid</a:t>
-            </a:r>
-            <a:r>
-              <a:rPr lang="en-US" altLang="zh-CN" sz="1800" kern="100" dirty="0">
-                <a:effectLst/>
-                <a:latin typeface="Times New Roman" panose="02020603050405020304" pitchFamily="18" charset="0"/>
-                <a:ea typeface="仿宋" panose="02010609060101010101" pitchFamily="49" charset="-122"/>
-                <a:cs typeface="Times New Roman" panose="02020603050405020304" pitchFamily="18" charset="0"/>
-              </a:rPr>
-              <a:t> </a:t>
-            </a:r>
-            <a:r>
-              <a:rPr lang="en-US" altLang="zh-CN" sz="1800" kern="100" dirty="0" err="1">
-                <a:effectLst/>
-                <a:latin typeface="Times New Roman" panose="02020603050405020304" pitchFamily="18" charset="0"/>
-                <a:ea typeface="仿宋" panose="02010609060101010101" pitchFamily="49" charset="-122"/>
-                <a:cs typeface="Times New Roman" panose="02020603050405020304" pitchFamily="18" charset="0"/>
-              </a:rPr>
-              <a:t>varcahr</a:t>
-            </a:r>
-            <a:r>
-              <a:rPr lang="en-US" altLang="zh-CN" sz="1800" kern="100" dirty="0">
-                <a:effectLst/>
-                <a:latin typeface="Times New Roman" panose="02020603050405020304" pitchFamily="18" charset="0"/>
-                <a:ea typeface="仿宋" panose="02010609060101010101" pitchFamily="49" charset="-122"/>
-                <a:cs typeface="Times New Roman" panose="02020603050405020304" pitchFamily="18" charset="0"/>
-              </a:rPr>
-              <a:t>(32) DEFAULT NULL</a:t>
-            </a:r>
-          </a:p>
-          <a:p>
-            <a:pPr marL="0" indent="0">
-              <a:buNone/>
-            </a:pPr>
-            <a:r>
-              <a:rPr lang="zh-CN" altLang="zh-CN" sz="1800" kern="100" dirty="0">
-                <a:effectLst/>
-                <a:latin typeface="Times New Roman" panose="02020603050405020304" pitchFamily="18" charset="0"/>
-                <a:ea typeface="仿宋" panose="02010609060101010101" pitchFamily="49" charset="-122"/>
-                <a:cs typeface="Times New Roman" panose="02020603050405020304" pitchFamily="18" charset="0"/>
-              </a:rPr>
-              <a:t>事务流水号信息和</a:t>
-            </a:r>
-            <a:r>
-              <a:rPr lang="en-US" altLang="zh-CN" sz="1800" kern="100" dirty="0">
-                <a:effectLst/>
-                <a:latin typeface="Times New Roman" panose="02020603050405020304" pitchFamily="18" charset="0"/>
-                <a:ea typeface="仿宋" panose="02010609060101010101" pitchFamily="49" charset="-122"/>
-                <a:cs typeface="Times New Roman" panose="02020603050405020304" pitchFamily="18" charset="0"/>
-              </a:rPr>
-              <a:t>GTID</a:t>
-            </a:r>
-            <a:r>
-              <a:rPr lang="zh-CN" altLang="zh-CN" sz="1800" kern="100" dirty="0">
-                <a:effectLst/>
-                <a:latin typeface="Times New Roman" panose="02020603050405020304" pitchFamily="18" charset="0"/>
-                <a:ea typeface="仿宋" panose="02010609060101010101" pitchFamily="49" charset="-122"/>
-                <a:cs typeface="Times New Roman" panose="02020603050405020304" pitchFamily="18" charset="0"/>
-              </a:rPr>
-              <a:t>信息都是以特殊</a:t>
-            </a:r>
-            <a:r>
-              <a:rPr lang="en-US" altLang="zh-CN" sz="1800" kern="100" dirty="0">
-                <a:effectLst/>
-                <a:latin typeface="Times New Roman" panose="02020603050405020304" pitchFamily="18" charset="0"/>
-                <a:ea typeface="仿宋" panose="02010609060101010101" pitchFamily="49" charset="-122"/>
-                <a:cs typeface="Times New Roman" panose="02020603050405020304" pitchFamily="18" charset="0"/>
-              </a:rPr>
-              <a:t>HINT</a:t>
-            </a:r>
-            <a:r>
-              <a:rPr lang="zh-CN" altLang="zh-CN" sz="1800" kern="100" dirty="0">
-                <a:effectLst/>
-                <a:latin typeface="Times New Roman" panose="02020603050405020304" pitchFamily="18" charset="0"/>
-                <a:ea typeface="仿宋" panose="02010609060101010101" pitchFamily="49" charset="-122"/>
-                <a:cs typeface="Times New Roman" panose="02020603050405020304" pitchFamily="18" charset="0"/>
-              </a:rPr>
-              <a:t>信息的方式携带在</a:t>
-            </a:r>
-            <a:r>
-              <a:rPr lang="en-US" altLang="zh-CN" sz="1800" kern="100" dirty="0">
-                <a:effectLst/>
-                <a:latin typeface="Times New Roman" panose="02020603050405020304" pitchFamily="18" charset="0"/>
-                <a:ea typeface="仿宋" panose="02010609060101010101" pitchFamily="49" charset="-122"/>
-                <a:cs typeface="Times New Roman" panose="02020603050405020304" pitchFamily="18" charset="0"/>
-              </a:rPr>
-              <a:t>SQL</a:t>
-            </a:r>
-            <a:r>
-              <a:rPr lang="zh-CN" altLang="zh-CN" sz="1800" kern="100" dirty="0">
-                <a:effectLst/>
-                <a:latin typeface="Times New Roman" panose="02020603050405020304" pitchFamily="18" charset="0"/>
-                <a:ea typeface="仿宋" panose="02010609060101010101" pitchFamily="49" charset="-122"/>
-                <a:cs typeface="Times New Roman" panose="02020603050405020304" pitchFamily="18" charset="0"/>
-              </a:rPr>
-              <a:t>语句中的，如：</a:t>
-            </a:r>
-            <a:endParaRPr lang="en-US" altLang="zh-CN" sz="1800" kern="100" dirty="0">
-              <a:effectLst/>
-              <a:latin typeface="Times New Roman" panose="02020603050405020304" pitchFamily="18" charset="0"/>
-              <a:ea typeface="仿宋" panose="02010609060101010101" pitchFamily="49" charset="-122"/>
-              <a:cs typeface="Times New Roman" panose="02020603050405020304" pitchFamily="18" charset="0"/>
-            </a:endParaRPr>
-          </a:p>
-          <a:p>
-            <a:pPr marL="0" indent="0">
-              <a:buNone/>
-            </a:pPr>
-            <a:r>
-              <a:rPr lang="zh-CN" altLang="zh-CN" sz="1800" kern="100" dirty="0">
-                <a:solidFill>
-                  <a:srgbClr val="FF0000"/>
-                </a:solidFill>
-                <a:effectLst/>
-                <a:latin typeface="Times New Roman" panose="02020603050405020304" pitchFamily="18" charset="0"/>
-                <a:ea typeface="仿宋" panose="02010609060101010101" pitchFamily="49" charset="-122"/>
-                <a:cs typeface="Times New Roman" panose="02020603050405020304" pitchFamily="18" charset="0"/>
-              </a:rPr>
-              <a:t>事务流水号：</a:t>
-            </a:r>
-            <a:r>
-              <a:rPr lang="en-US" altLang="zh-CN" sz="1800" kern="100" dirty="0">
-                <a:solidFill>
-                  <a:srgbClr val="FF0000"/>
-                </a:solidFill>
-                <a:effectLst/>
-                <a:latin typeface="Times New Roman" panose="02020603050405020304" pitchFamily="18" charset="0"/>
-                <a:ea typeface="仿宋" panose="02010609060101010101" pitchFamily="49" charset="-122"/>
-                <a:cs typeface="Times New Roman" panose="02020603050405020304" pitchFamily="18" charset="0"/>
-              </a:rPr>
-              <a:t>/*+TSN=abc123*/ START TRANSACTION;</a:t>
-            </a:r>
-          </a:p>
-          <a:p>
-            <a:pPr marL="0" indent="0">
-              <a:buNone/>
-            </a:pPr>
-            <a:r>
-              <a:rPr lang="zh-CN" altLang="zh-CN" sz="1800" kern="100" dirty="0">
-                <a:solidFill>
-                  <a:srgbClr val="FF0000"/>
-                </a:solidFill>
-                <a:effectLst/>
-                <a:latin typeface="Times New Roman" panose="02020603050405020304" pitchFamily="18" charset="0"/>
-                <a:ea typeface="仿宋" panose="02010609060101010101" pitchFamily="49" charset="-122"/>
-                <a:cs typeface="Times New Roman" panose="02020603050405020304" pitchFamily="18" charset="0"/>
-              </a:rPr>
-              <a:t>事务流水号：</a:t>
-            </a:r>
-            <a:r>
-              <a:rPr lang="en-US" altLang="zh-CN" sz="1800" kern="100" dirty="0">
-                <a:solidFill>
-                  <a:srgbClr val="FF0000"/>
-                </a:solidFill>
-                <a:effectLst/>
-                <a:latin typeface="Times New Roman" panose="02020603050405020304" pitchFamily="18" charset="0"/>
-                <a:ea typeface="仿宋" panose="02010609060101010101" pitchFamily="49" charset="-122"/>
-                <a:cs typeface="Times New Roman" panose="02020603050405020304" pitchFamily="18" charset="0"/>
-              </a:rPr>
-              <a:t>/*+GTID=123456*/ START TRANSACTION;</a:t>
-            </a:r>
-            <a:endParaRPr lang="en-US" altLang="zh-CN" dirty="0"/>
-          </a:p>
-          <a:p>
-            <a:pPr marL="0" indent="0">
-              <a:buNone/>
-            </a:pPr>
-            <a:r>
-              <a:rPr lang="en-US" altLang="zh-CN" dirty="0"/>
-              <a:t>2</a:t>
-            </a:r>
-            <a:r>
-              <a:rPr lang="zh-CN" altLang="en-US" dirty="0"/>
-              <a:t>、日志</a:t>
-            </a:r>
-            <a:endParaRPr lang="en-US" altLang="zh-CN" dirty="0"/>
-          </a:p>
-          <a:p>
-            <a:pPr marL="0" indent="0">
-              <a:buNone/>
-            </a:pPr>
-            <a:r>
-              <a:rPr lang="zh-CN" altLang="en-US" sz="1800" kern="100" dirty="0">
-                <a:latin typeface="Times New Roman" panose="02020603050405020304" pitchFamily="18" charset="0"/>
-                <a:ea typeface="仿宋" panose="02010609060101010101" pitchFamily="49" charset="-122"/>
-                <a:cs typeface="Times New Roman" panose="02020603050405020304" pitchFamily="18" charset="0"/>
-              </a:rPr>
-              <a:t>系统日志：</a:t>
-            </a:r>
-            <a:r>
-              <a:rPr lang="en-US" altLang="zh-CN" sz="1800" kern="100" dirty="0">
-                <a:latin typeface="Times New Roman" panose="02020603050405020304" pitchFamily="18" charset="0"/>
-                <a:ea typeface="仿宋" panose="02010609060101010101" pitchFamily="49" charset="-122"/>
-                <a:cs typeface="Times New Roman" panose="02020603050405020304" pitchFamily="18" charset="0"/>
-              </a:rPr>
-              <a:t>Insight</a:t>
-            </a:r>
-            <a:r>
-              <a:rPr lang="zh-CN" altLang="en-US" sz="1800" kern="100" dirty="0">
-                <a:latin typeface="Times New Roman" panose="02020603050405020304" pitchFamily="18" charset="0"/>
-                <a:ea typeface="仿宋" panose="02010609060101010101" pitchFamily="49" charset="-122"/>
-                <a:cs typeface="Times New Roman" panose="02020603050405020304" pitchFamily="18" charset="0"/>
-              </a:rPr>
-              <a:t>下发操作日志，进程启停日志，程序运行日志</a:t>
-            </a:r>
-            <a:endParaRPr lang="en-US" altLang="zh-CN" sz="1800" kern="100" dirty="0">
-              <a:latin typeface="Times New Roman" panose="02020603050405020304" pitchFamily="18" charset="0"/>
-              <a:ea typeface="仿宋" panose="02010609060101010101" pitchFamily="49" charset="-122"/>
-              <a:cs typeface="Times New Roman" panose="02020603050405020304" pitchFamily="18" charset="0"/>
-            </a:endParaRPr>
-          </a:p>
-          <a:p>
-            <a:pPr marL="0" indent="0">
-              <a:buNone/>
-            </a:pPr>
-            <a:r>
-              <a:rPr lang="zh-CN" altLang="en-US" sz="1800" kern="100" dirty="0">
-                <a:latin typeface="Times New Roman" panose="02020603050405020304" pitchFamily="18" charset="0"/>
-                <a:ea typeface="仿宋" panose="02010609060101010101" pitchFamily="49" charset="-122"/>
-                <a:cs typeface="Times New Roman" panose="02020603050405020304" pitchFamily="18" charset="0"/>
-              </a:rPr>
-              <a:t>慢日志：</a:t>
-            </a:r>
-            <a:r>
-              <a:rPr lang="en-US" altLang="zh-CN" sz="1800" kern="100" dirty="0">
-                <a:latin typeface="Times New Roman" panose="02020603050405020304" pitchFamily="18" charset="0"/>
-                <a:ea typeface="仿宋" panose="02010609060101010101" pitchFamily="49" charset="-122"/>
-                <a:cs typeface="Times New Roman" panose="02020603050405020304" pitchFamily="18" charset="0"/>
-              </a:rPr>
-              <a:t>proxy</a:t>
-            </a:r>
-            <a:r>
-              <a:rPr lang="zh-CN" altLang="en-US" sz="1800" kern="100" dirty="0">
-                <a:latin typeface="Times New Roman" panose="02020603050405020304" pitchFamily="18" charset="0"/>
-                <a:ea typeface="仿宋" panose="02010609060101010101" pitchFamily="49" charset="-122"/>
-                <a:cs typeface="Times New Roman" panose="02020603050405020304" pitchFamily="18" charset="0"/>
-              </a:rPr>
-              <a:t>慢日志，</a:t>
-            </a:r>
-            <a:r>
-              <a:rPr lang="en-US" altLang="zh-CN" sz="1800" kern="100" dirty="0">
-                <a:latin typeface="Times New Roman" panose="02020603050405020304" pitchFamily="18" charset="0"/>
-                <a:ea typeface="仿宋" panose="02010609060101010101" pitchFamily="49" charset="-122"/>
-                <a:cs typeface="Times New Roman" panose="02020603050405020304" pitchFamily="18" charset="0"/>
-              </a:rPr>
-              <a:t>DB</a:t>
-            </a:r>
-            <a:r>
-              <a:rPr lang="zh-CN" altLang="en-US" sz="1800" kern="100" dirty="0">
-                <a:latin typeface="Times New Roman" panose="02020603050405020304" pitchFamily="18" charset="0"/>
-                <a:ea typeface="仿宋" panose="02010609060101010101" pitchFamily="49" charset="-122"/>
-                <a:cs typeface="Times New Roman" panose="02020603050405020304" pitchFamily="18" charset="0"/>
-              </a:rPr>
-              <a:t>慢日志，</a:t>
-            </a:r>
-            <a:r>
-              <a:rPr lang="en-US" altLang="zh-CN" sz="1800" kern="100" dirty="0">
-                <a:latin typeface="Times New Roman" panose="02020603050405020304" pitchFamily="18" charset="0"/>
-                <a:ea typeface="仿宋" panose="02010609060101010101" pitchFamily="49" charset="-122"/>
-                <a:cs typeface="Times New Roman" panose="02020603050405020304" pitchFamily="18" charset="0"/>
-              </a:rPr>
-              <a:t>DB</a:t>
-            </a:r>
-            <a:r>
-              <a:rPr lang="zh-CN" altLang="en-US" sz="1800" kern="100" dirty="0">
-                <a:latin typeface="Times New Roman" panose="02020603050405020304" pitchFamily="18" charset="0"/>
-                <a:ea typeface="仿宋" panose="02010609060101010101" pitchFamily="49" charset="-122"/>
-                <a:cs typeface="Times New Roman" panose="02020603050405020304" pitchFamily="18" charset="0"/>
-              </a:rPr>
-              <a:t>锁等待日志</a:t>
-            </a:r>
-            <a:endParaRPr lang="en-US" altLang="zh-CN" sz="1800" kern="100" dirty="0">
-              <a:latin typeface="Times New Roman" panose="02020603050405020304" pitchFamily="18" charset="0"/>
-              <a:ea typeface="仿宋" panose="02010609060101010101" pitchFamily="49" charset="-122"/>
-              <a:cs typeface="Times New Roman" panose="02020603050405020304" pitchFamily="18" charset="0"/>
-            </a:endParaRPr>
-          </a:p>
-          <a:p>
-            <a:pPr marL="0" indent="0">
-              <a:buNone/>
-            </a:pPr>
-            <a:r>
-              <a:rPr lang="en-US" altLang="zh-CN" dirty="0"/>
-              <a:t>3</a:t>
-            </a:r>
-            <a:r>
-              <a:rPr lang="zh-CN" altLang="en-US" dirty="0"/>
-              <a:t>、监控和故障诊断工具</a:t>
-            </a:r>
-            <a:endParaRPr lang="en-US" altLang="zh-CN" dirty="0"/>
-          </a:p>
-          <a:p>
-            <a:pPr marL="0" indent="0">
-              <a:buNone/>
-            </a:pPr>
-            <a:r>
-              <a:rPr lang="zh-CN" altLang="en-US" sz="1800" kern="100" dirty="0">
-                <a:latin typeface="Times New Roman" panose="02020603050405020304" pitchFamily="18" charset="0"/>
-                <a:ea typeface="仿宋" panose="02010609060101010101" pitchFamily="49" charset="-122"/>
-                <a:cs typeface="Times New Roman" panose="02020603050405020304" pitchFamily="18" charset="0"/>
-              </a:rPr>
-              <a:t>巡检脚本</a:t>
-            </a:r>
-            <a:endParaRPr lang="en-US" altLang="zh-CN" sz="1800" kern="100" dirty="0">
-              <a:latin typeface="Times New Roman" panose="02020603050405020304" pitchFamily="18" charset="0"/>
-              <a:ea typeface="仿宋" panose="02010609060101010101" pitchFamily="49" charset="-122"/>
-              <a:cs typeface="Times New Roman" panose="02020603050405020304" pitchFamily="18" charset="0"/>
-            </a:endParaRPr>
-          </a:p>
-          <a:p>
-            <a:pPr marL="0" indent="0">
-              <a:buNone/>
-            </a:pPr>
-            <a:r>
-              <a:rPr lang="en-US" altLang="zh-CN" sz="1800" kern="100" dirty="0" err="1">
-                <a:latin typeface="Times New Roman" panose="02020603050405020304" pitchFamily="18" charset="0"/>
-                <a:ea typeface="仿宋" panose="02010609060101010101" pitchFamily="49" charset="-122"/>
-                <a:cs typeface="Times New Roman" panose="02020603050405020304" pitchFamily="18" charset="0"/>
-              </a:rPr>
-              <a:t>dbtool</a:t>
-            </a:r>
-            <a:r>
-              <a:rPr lang="zh-CN" altLang="en-US" sz="1800" kern="100" dirty="0">
-                <a:latin typeface="Times New Roman" panose="02020603050405020304" pitchFamily="18" charset="0"/>
-                <a:ea typeface="仿宋" panose="02010609060101010101" pitchFamily="49" charset="-122"/>
-                <a:cs typeface="Times New Roman" panose="02020603050405020304" pitchFamily="18" charset="0"/>
-              </a:rPr>
-              <a:t>运维工具</a:t>
-            </a:r>
-            <a:endParaRPr lang="en-US" altLang="zh-CN" sz="1800" kern="100" dirty="0">
-              <a:latin typeface="Times New Roman" panose="02020603050405020304" pitchFamily="18" charset="0"/>
-              <a:ea typeface="仿宋" panose="02010609060101010101" pitchFamily="49" charset="-122"/>
-              <a:cs typeface="Times New Roman" panose="02020603050405020304" pitchFamily="18" charset="0"/>
-            </a:endParaRPr>
-          </a:p>
-          <a:p>
-            <a:pPr marL="0" indent="0">
-              <a:buNone/>
-            </a:pPr>
-            <a:r>
-              <a:rPr lang="en-US" altLang="zh-CN" dirty="0"/>
-              <a:t>4</a:t>
-            </a:r>
-            <a:r>
-              <a:rPr lang="zh-CN" altLang="en-US" dirty="0"/>
-              <a:t>、</a:t>
-            </a:r>
-            <a:r>
-              <a:rPr lang="en-US" altLang="zh-CN" dirty="0"/>
-              <a:t>OMM/Insight</a:t>
-            </a:r>
-            <a:endParaRPr lang="zh-CN" altLang="en-US" dirty="0"/>
-          </a:p>
-        </p:txBody>
-      </p:sp>
-    </p:spTree>
-    <p:extLst>
-      <p:ext uri="{BB962C8B-B14F-4D97-AF65-F5344CB8AC3E}">
-        <p14:creationId xmlns:p14="http://schemas.microsoft.com/office/powerpoint/2010/main" val="4271853683"/>
-      </p:ext>
-    </p:extLst>
-  </p:cSld>
-  <p:clrMapOvr>
-    <a:masterClrMapping/>
-  </p:clrMapOvr>
-</p:sld>
-</file>
-
-<file path=ppt/slides/slide37.xml><?xml version="1.0" encoding="utf-8"?>
-<p:sld xmlns:a="http://schemas.openxmlformats.org/drawingml/2006/main" xmlns:r="http://schemas.openxmlformats.org/officeDocument/2006/relationships" xmlns:p="http://schemas.openxmlformats.org/presentationml/2006/main">
-  <p:cSld>
-    <p:spTree>
-      <p:nvGrpSpPr>
-        <p:cNvPr id="1" name=""/>
-        <p:cNvGrpSpPr/>
-        <p:nvPr/>
-      </p:nvGrpSpPr>
-      <p:grpSpPr>
-        <a:xfrm>
-          <a:off x="0" y="0"/>
-          <a:ext cx="0" cy="0"/>
-          <a:chOff x="0" y="0"/>
-          <a:chExt cx="0" cy="0"/>
-        </a:xfrm>
-      </p:grpSpPr>
-      <p:sp>
-        <p:nvSpPr>
-          <p:cNvPr id="2" name="标题 1">
-            <a:extLst>
-              <a:ext uri="{FF2B5EF4-FFF2-40B4-BE49-F238E27FC236}">
                 <a16:creationId xmlns:a16="http://schemas.microsoft.com/office/drawing/2014/main" id="{1DAECAE9-CF09-49A2-8632-A51073B7ADA2}"/>
               </a:ext>
             </a:extLst>
@@ -15331,12 +15716,8 @@
           <a:lstStyle/>
           <a:p>
             <a:r>
-              <a:rPr lang="en-US" altLang="zh-CN" sz="2400" b="1" dirty="0"/>
-              <a:t>Insight</a:t>
-            </a:r>
-            <a:r>
               <a:rPr lang="zh-CN" altLang="en-US" sz="2400" b="1" dirty="0"/>
-              <a:t>运维平台交互关系</a:t>
+              <a:t>当前问题及后续发展</a:t>
             </a:r>
           </a:p>
         </p:txBody>
@@ -15355,8 +15736,8 @@
         </p:nvSpPr>
         <p:spPr>
           <a:xfrm>
-            <a:off x="1037413" y="3685903"/>
-            <a:ext cx="10525852" cy="1200329"/>
+            <a:off x="838200" y="881196"/>
+            <a:ext cx="10525852" cy="3139321"/>
           </a:xfrm>
           <a:prstGeom prst="rect">
             <a:avLst/>
@@ -15371,6 +15752,221 @@
           <a:p>
             <a:pPr algn="just"/>
             <a:r>
+              <a:rPr lang="en-US" altLang="zh-CN" dirty="0" err="1">
+                <a:solidFill>
+                  <a:srgbClr val="333333"/>
+                </a:solidFill>
+                <a:latin typeface="-apple-system"/>
+              </a:rPr>
+              <a:t>GoldenDB</a:t>
+            </a:r>
+            <a:r>
+              <a:rPr lang="zh-CN" altLang="en-US" dirty="0">
+                <a:solidFill>
+                  <a:srgbClr val="333333"/>
+                </a:solidFill>
+                <a:latin typeface="-apple-system"/>
+              </a:rPr>
+              <a:t>目前存在的不足：</a:t>
+            </a:r>
+            <a:endParaRPr lang="en-US" altLang="zh-CN" dirty="0">
+              <a:solidFill>
+                <a:srgbClr val="333333"/>
+              </a:solidFill>
+              <a:latin typeface="-apple-system"/>
+            </a:endParaRPr>
+          </a:p>
+          <a:p>
+            <a:r>
+              <a:rPr lang="en-US" altLang="zh-CN" dirty="0">
+                <a:solidFill>
+                  <a:srgbClr val="333333"/>
+                </a:solidFill>
+                <a:latin typeface="-apple-system"/>
+              </a:rPr>
+              <a:t>1</a:t>
+            </a:r>
+            <a:r>
+              <a:rPr lang="zh-CN" altLang="en-US" dirty="0">
+                <a:solidFill>
+                  <a:srgbClr val="333333"/>
+                </a:solidFill>
+                <a:latin typeface="-apple-system"/>
+              </a:rPr>
+              <a:t>、计算不出分片时</a:t>
+            </a:r>
+            <a:r>
+              <a:rPr lang="en-US" altLang="zh-CN" dirty="0">
+                <a:solidFill>
+                  <a:srgbClr val="333333"/>
+                </a:solidFill>
+                <a:latin typeface="-apple-system"/>
+              </a:rPr>
+              <a:t>SQL</a:t>
+            </a:r>
+            <a:r>
+              <a:rPr lang="zh-CN" altLang="en-US" dirty="0">
+                <a:solidFill>
+                  <a:srgbClr val="333333"/>
+                </a:solidFill>
+                <a:latin typeface="-apple-system"/>
+              </a:rPr>
+              <a:t>会群发</a:t>
+            </a:r>
+            <a:r>
+              <a:rPr lang="en-US" altLang="zh-CN" dirty="0">
+                <a:solidFill>
+                  <a:srgbClr val="333333"/>
+                </a:solidFill>
+                <a:latin typeface="-apple-system"/>
+              </a:rPr>
+              <a:t>DB</a:t>
+            </a:r>
+            <a:r>
+              <a:rPr lang="zh-CN" altLang="en-US" dirty="0">
+                <a:solidFill>
+                  <a:srgbClr val="333333"/>
+                </a:solidFill>
+                <a:latin typeface="-apple-system"/>
+              </a:rPr>
+              <a:t>，</a:t>
+            </a:r>
+            <a:r>
+              <a:rPr lang="zh-CN" altLang="zh-CN" dirty="0">
+                <a:solidFill>
+                  <a:srgbClr val="333333"/>
+                </a:solidFill>
+                <a:latin typeface="-apple-system"/>
+              </a:rPr>
+              <a:t>存在非必要的网络时延消耗</a:t>
+            </a:r>
+          </a:p>
+          <a:p>
+            <a:r>
+              <a:rPr lang="en-US" altLang="zh-CN" dirty="0">
+                <a:solidFill>
+                  <a:srgbClr val="333333"/>
+                </a:solidFill>
+                <a:latin typeface="-apple-system"/>
+              </a:rPr>
+              <a:t>2</a:t>
+            </a:r>
+            <a:r>
+              <a:rPr lang="zh-CN" altLang="en-US" dirty="0">
+                <a:solidFill>
+                  <a:srgbClr val="333333"/>
+                </a:solidFill>
+                <a:latin typeface="-apple-system"/>
+              </a:rPr>
+              <a:t>、</a:t>
+            </a:r>
+            <a:r>
+              <a:rPr lang="en-US" altLang="zh-CN" dirty="0">
+                <a:solidFill>
+                  <a:srgbClr val="333333"/>
+                </a:solidFill>
+                <a:latin typeface="-apple-system"/>
+              </a:rPr>
+              <a:t>CR</a:t>
+            </a:r>
+            <a:r>
+              <a:rPr lang="zh-CN" altLang="zh-CN" dirty="0">
+                <a:solidFill>
+                  <a:srgbClr val="333333"/>
+                </a:solidFill>
+                <a:latin typeface="-apple-system"/>
+              </a:rPr>
+              <a:t>检测冲突时性能下降较大</a:t>
+            </a:r>
+          </a:p>
+          <a:p>
+            <a:r>
+              <a:rPr lang="en-US" altLang="zh-CN" dirty="0">
+                <a:solidFill>
+                  <a:srgbClr val="333333"/>
+                </a:solidFill>
+                <a:latin typeface="-apple-system"/>
+              </a:rPr>
+              <a:t>3</a:t>
+            </a:r>
+            <a:r>
+              <a:rPr lang="zh-CN" altLang="en-US" dirty="0">
+                <a:solidFill>
+                  <a:srgbClr val="333333"/>
+                </a:solidFill>
+                <a:latin typeface="-apple-system"/>
+              </a:rPr>
+              <a:t>、</a:t>
+            </a:r>
+            <a:r>
+              <a:rPr lang="zh-CN" altLang="zh-CN" dirty="0">
+                <a:solidFill>
+                  <a:srgbClr val="333333"/>
+                </a:solidFill>
+                <a:latin typeface="-apple-system"/>
+              </a:rPr>
+              <a:t>被拆分的</a:t>
+            </a:r>
+            <a:r>
+              <a:rPr lang="en-US" altLang="zh-CN" dirty="0">
+                <a:solidFill>
+                  <a:srgbClr val="333333"/>
+                </a:solidFill>
+                <a:latin typeface="-apple-system"/>
+              </a:rPr>
+              <a:t>SQL</a:t>
+            </a:r>
+            <a:r>
+              <a:rPr lang="zh-CN" altLang="zh-CN" dirty="0">
+                <a:solidFill>
+                  <a:srgbClr val="333333"/>
+                </a:solidFill>
+                <a:latin typeface="-apple-system"/>
+              </a:rPr>
+              <a:t>语句，存在时差</a:t>
+            </a:r>
+          </a:p>
+          <a:p>
+            <a:r>
+              <a:rPr lang="en-US" altLang="zh-CN" dirty="0">
+                <a:solidFill>
+                  <a:srgbClr val="333333"/>
+                </a:solidFill>
+                <a:latin typeface="-apple-system"/>
+              </a:rPr>
+              <a:t>4</a:t>
+            </a:r>
+            <a:r>
+              <a:rPr lang="zh-CN" altLang="en-US" dirty="0">
+                <a:solidFill>
+                  <a:srgbClr val="333333"/>
+                </a:solidFill>
+                <a:latin typeface="-apple-system"/>
+              </a:rPr>
+              <a:t>、</a:t>
+            </a:r>
+            <a:r>
+              <a:rPr lang="en-US" altLang="zh-CN" dirty="0">
+                <a:solidFill>
+                  <a:srgbClr val="333333"/>
+                </a:solidFill>
+                <a:latin typeface="-apple-system"/>
+              </a:rPr>
+              <a:t>delete+</a:t>
+            </a:r>
+            <a:r>
+              <a:rPr lang="zh-CN" altLang="zh-CN" dirty="0">
+                <a:solidFill>
+                  <a:srgbClr val="333333"/>
+                </a:solidFill>
+                <a:latin typeface="-apple-system"/>
+              </a:rPr>
+              <a:t>汇聚函数的实现不是强一致性</a:t>
+            </a:r>
+          </a:p>
+          <a:p>
+            <a:pPr algn="just"/>
+            <a:r>
               <a:rPr lang="en-US" altLang="zh-CN" b="0" i="0" dirty="0">
                 <a:solidFill>
                   <a:srgbClr val="333333"/>
@@ -15378,7 +15974,7 @@
                 <a:effectLst/>
                 <a:latin typeface="-apple-system"/>
               </a:rPr>
-              <a:t>1</a:t>
+              <a:t>5</a:t>
             </a:r>
             <a:r>
               <a:rPr lang="zh-CN" altLang="en-US" b="0" i="0" dirty="0">
@@ -15391,14 +15987,14 @@
               <a:t>、</a:t>
             </a:r>
             <a:r>
-              <a:rPr lang="en-US" altLang="zh-CN" b="0" i="0" dirty="0" err="1">
+              <a:rPr lang="en-US" altLang="zh-CN" b="0" i="0" dirty="0">
                 <a:solidFill>
                   <a:srgbClr val="333333"/>
                 </a:solidFill>
                 <a:effectLst/>
                 <a:latin typeface="-apple-system"/>
               </a:rPr>
-              <a:t>InsightAgent</a:t>
+              <a:t>HTAP</a:t>
             </a:r>
             <a:r>
               <a:rPr lang="zh-CN" altLang="en-US" b="0" i="0" dirty="0">
@@ -15408,37 +16004,7 @@
                 <a:effectLst/>
                 <a:latin typeface="-apple-system"/>
               </a:rPr>
-              <a:t>是主机代理，每台主机上部署，执行</a:t>
-            </a:r>
-            <a:r>
-              <a:rPr lang="en-US" altLang="zh-CN" b="0" i="0" dirty="0" err="1">
-                <a:solidFill>
-                  <a:srgbClr val="333333"/>
-                </a:solidFill>
-                <a:effectLst/>
-                <a:latin typeface="-apple-system"/>
-              </a:rPr>
-              <a:t>insightserver</a:t>
-            </a:r>
-            <a:r>
-              <a:rPr lang="zh-CN" altLang="en-US" b="0" i="0" dirty="0">
-                <a:solidFill>
-                  <a:srgbClr val="333333"/>
-                </a:solidFill>
-                <a:effectLst/>
-                <a:latin typeface="-apple-system"/>
-              </a:rPr>
-              <a:t>下发的命令，并将数据收集推送到</a:t>
-            </a:r>
-            <a:r>
-              <a:rPr lang="en-US" altLang="zh-CN" b="0" i="0" dirty="0" err="1">
-                <a:solidFill>
-                  <a:srgbClr val="333333"/>
-                </a:solidFill>
-                <a:effectLst/>
-                <a:latin typeface="-apple-system"/>
-              </a:rPr>
-              <a:t>kafka</a:t>
+              <a:t>无法保证一致性，不具备商用条件</a:t>
             </a:r>
             <a:endParaRPr lang="en-US" altLang="zh-CN" b="0" i="0" dirty="0">
               <a:solidFill>
@@ -15451,618 +16017,76 @@
           <a:p>
             <a:pPr algn="just"/>
             <a:r>
-              <a:rPr lang="en-US" altLang="zh-CN" b="0" i="0" dirty="0">
+              <a:rPr lang="en-US" altLang="zh-CN" dirty="0">
                 <a:solidFill>
                   <a:srgbClr val="333333"/>
                 </a:solidFill>
-                <a:effectLst/>
                 <a:latin typeface="-apple-system"/>
               </a:rPr>
-              <a:t>2</a:t>
-            </a:r>
-            <a:r>
-              <a:rPr lang="zh-CN" altLang="en-US" b="0" i="0" dirty="0">
+              <a:t>6</a:t>
+            </a:r>
+            <a:r>
+              <a:rPr lang="zh-CN" altLang="en-US" dirty="0">
                 <a:solidFill>
                   <a:srgbClr val="333333"/>
                 </a:solidFill>
-                <a:effectLst/>
                 <a:latin typeface="-apple-system"/>
               </a:rPr>
+              <a:t>、分布式优化器不足：</a:t>
+            </a:r>
+            <a:r>
+              <a:rPr lang="en-US" altLang="zh-CN" dirty="0">
+                <a:solidFill>
+                  <a:srgbClr val="333333"/>
+                </a:solidFill>
+                <a:latin typeface="-apple-system"/>
+              </a:rPr>
+              <a:t>SOME/ANY/ALL</a:t>
+            </a:r>
+            <a:r>
+              <a:rPr lang="zh-CN" altLang="en-US" dirty="0">
+                <a:solidFill>
+                  <a:srgbClr val="333333"/>
+                </a:solidFill>
+                <a:latin typeface="-apple-system"/>
+              </a:rPr>
               <a:t>、</a:t>
             </a:r>
             <a:r>
-              <a:rPr lang="en-US" altLang="zh-CN" b="0" i="0" dirty="0" err="1">
+              <a:rPr lang="en-US" altLang="zh-CN" dirty="0">
                 <a:solidFill>
                   <a:srgbClr val="333333"/>
                 </a:solidFill>
-                <a:effectLst/>
                 <a:latin typeface="-apple-system"/>
               </a:rPr>
-              <a:t>Filebeat</a:t>
-            </a:r>
-            <a:r>
-              <a:rPr lang="zh-CN" altLang="en-US" b="0" i="0" dirty="0">
+              <a:t>UNION</a:t>
+            </a:r>
+            <a:r>
+              <a:rPr lang="zh-CN" altLang="en-US" dirty="0">
                 <a:solidFill>
                   <a:srgbClr val="333333"/>
                 </a:solidFill>
-                <a:effectLst/>
                 <a:latin typeface="-apple-system"/>
               </a:rPr>
-              <a:t>是日志采集代理，用于收集每台服务器的日志数据</a:t>
-            </a:r>
-          </a:p>
-          <a:p>
-            <a:pPr algn="just"/>
-            <a:r>
-              <a:rPr lang="en-US" altLang="zh-CN" b="0" i="0" dirty="0">
+              <a:t>基于代价优化、</a:t>
+            </a:r>
+            <a:r>
+              <a:rPr lang="en-US" altLang="zh-CN" dirty="0">
                 <a:solidFill>
                   <a:srgbClr val="333333"/>
                 </a:solidFill>
-                <a:effectLst/>
                 <a:latin typeface="-apple-system"/>
               </a:rPr>
-              <a:t>3</a:t>
-            </a:r>
-            <a:r>
-              <a:rPr lang="zh-CN" altLang="en-US" b="0" i="0" dirty="0">
+              <a:t>OR</a:t>
+            </a:r>
+            <a:r>
+              <a:rPr lang="zh-CN" altLang="en-US" dirty="0">
                 <a:solidFill>
                   <a:srgbClr val="333333"/>
                 </a:solidFill>
-                <a:effectLst/>
                 <a:latin typeface="-apple-system"/>
               </a:rPr>
-              <a:t>、运维性能数据经过</a:t>
-            </a:r>
-            <a:r>
-              <a:rPr lang="en-US" altLang="zh-CN" b="0" i="0" dirty="0" err="1">
-                <a:solidFill>
-                  <a:srgbClr val="333333"/>
-                </a:solidFill>
-                <a:effectLst/>
-                <a:latin typeface="-apple-system"/>
-              </a:rPr>
-              <a:t>kafka</a:t>
-            </a:r>
-            <a:r>
-              <a:rPr lang="zh-CN" altLang="en-US" b="0" i="0" dirty="0">
-                <a:solidFill>
-                  <a:srgbClr val="333333"/>
-                </a:solidFill>
-                <a:effectLst/>
-                <a:latin typeface="-apple-system"/>
-              </a:rPr>
-              <a:t>消息队列后通过</a:t>
-            </a:r>
-            <a:r>
-              <a:rPr lang="en-US" altLang="zh-CN" b="0" i="0" dirty="0" err="1">
-                <a:solidFill>
-                  <a:srgbClr val="333333"/>
-                </a:solidFill>
-                <a:effectLst/>
-                <a:latin typeface="-apple-system"/>
-              </a:rPr>
-              <a:t>logstash</a:t>
-            </a:r>
-            <a:r>
-              <a:rPr lang="zh-CN" altLang="en-US" b="0" i="0" dirty="0">
-                <a:solidFill>
-                  <a:srgbClr val="333333"/>
-                </a:solidFill>
-                <a:effectLst/>
-                <a:latin typeface="-apple-system"/>
-              </a:rPr>
-              <a:t>采集到</a:t>
-            </a:r>
-            <a:r>
-              <a:rPr lang="en-US" altLang="zh-CN" b="0" i="0" dirty="0" err="1">
-                <a:solidFill>
-                  <a:srgbClr val="333333"/>
-                </a:solidFill>
-                <a:effectLst/>
-                <a:latin typeface="-apple-system"/>
-              </a:rPr>
-              <a:t>elasticsearch</a:t>
-            </a:r>
-            <a:r>
-              <a:rPr lang="zh-CN" altLang="en-US" b="0" i="0" dirty="0">
-                <a:solidFill>
-                  <a:srgbClr val="333333"/>
-                </a:solidFill>
-                <a:effectLst/>
-                <a:latin typeface="-apple-system"/>
-              </a:rPr>
-              <a:t>中存储</a:t>
-            </a:r>
-          </a:p>
-          <a:p>
-            <a:pPr algn="just"/>
-            <a:r>
-              <a:rPr lang="en-US" altLang="zh-CN" b="0" i="0" dirty="0">
-                <a:solidFill>
-                  <a:srgbClr val="333333"/>
-                </a:solidFill>
-                <a:effectLst/>
-                <a:latin typeface="-apple-system"/>
-              </a:rPr>
-              <a:t>4</a:t>
-            </a:r>
-            <a:r>
-              <a:rPr lang="zh-CN" altLang="en-US" b="0" i="0" dirty="0">
-                <a:solidFill>
-                  <a:srgbClr val="333333"/>
-                </a:solidFill>
-                <a:effectLst/>
-                <a:latin typeface="-apple-system"/>
-              </a:rPr>
-              <a:t>、</a:t>
-            </a:r>
-            <a:r>
-              <a:rPr lang="en-US" altLang="zh-CN" b="0" i="0" dirty="0" err="1">
-                <a:solidFill>
-                  <a:srgbClr val="333333"/>
-                </a:solidFill>
-                <a:effectLst/>
-                <a:latin typeface="-apple-system"/>
-              </a:rPr>
-              <a:t>Insightserver</a:t>
-            </a:r>
-            <a:r>
-              <a:rPr lang="zh-CN" altLang="en-US" b="0" i="0" dirty="0">
-                <a:solidFill>
-                  <a:srgbClr val="333333"/>
-                </a:solidFill>
-                <a:effectLst/>
-                <a:latin typeface="-apple-system"/>
-              </a:rPr>
-              <a:t>会查询</a:t>
-            </a:r>
-            <a:r>
-              <a:rPr lang="en-US" altLang="zh-CN" b="0" i="0" dirty="0">
-                <a:solidFill>
-                  <a:srgbClr val="333333"/>
-                </a:solidFill>
-                <a:effectLst/>
-                <a:latin typeface="-apple-system"/>
-              </a:rPr>
-              <a:t>ES</a:t>
-            </a:r>
-            <a:r>
-              <a:rPr lang="zh-CN" altLang="en-US" b="0" i="0" dirty="0">
-                <a:solidFill>
-                  <a:srgbClr val="333333"/>
-                </a:solidFill>
-                <a:effectLst/>
-                <a:latin typeface="-apple-system"/>
-              </a:rPr>
-              <a:t>中的性能数据、</a:t>
-            </a:r>
-            <a:r>
-              <a:rPr lang="en-US" altLang="zh-CN" b="0" i="0" dirty="0">
-                <a:solidFill>
-                  <a:srgbClr val="333333"/>
-                </a:solidFill>
-                <a:effectLst/>
-                <a:latin typeface="-apple-system"/>
-              </a:rPr>
-              <a:t>RDB</a:t>
-            </a:r>
-            <a:r>
-              <a:rPr lang="zh-CN" altLang="en-US" b="0" i="0" dirty="0">
-                <a:solidFill>
-                  <a:srgbClr val="333333"/>
-                </a:solidFill>
-                <a:effectLst/>
-                <a:latin typeface="-apple-system"/>
-              </a:rPr>
-              <a:t>中的集群信息以及</a:t>
-            </a:r>
-            <a:r>
-              <a:rPr lang="en-US" altLang="zh-CN" b="0" i="0" dirty="0">
-                <a:solidFill>
-                  <a:srgbClr val="333333"/>
-                </a:solidFill>
-                <a:effectLst/>
-                <a:latin typeface="-apple-system"/>
-              </a:rPr>
-              <a:t>Redis</a:t>
-            </a:r>
-            <a:r>
-              <a:rPr lang="zh-CN" altLang="en-US" b="0" i="0" dirty="0">
-                <a:solidFill>
-                  <a:srgbClr val="333333"/>
-                </a:solidFill>
-                <a:effectLst/>
-                <a:latin typeface="-apple-system"/>
-              </a:rPr>
-              <a:t>中的缓存信息进行展示和汇总分析</a:t>
-            </a:r>
-          </a:p>
-        </p:txBody>
-      </p:sp>
-      <p:pic>
-        <p:nvPicPr>
-          <p:cNvPr id="4" name="图片 3" descr="图示&#10;&#10;描述已自动生成">
-            <a:extLst>
-              <a:ext uri="{FF2B5EF4-FFF2-40B4-BE49-F238E27FC236}">
-                <a16:creationId xmlns:a16="http://schemas.microsoft.com/office/drawing/2014/main" id="{074B2296-6214-405D-8651-B6DB58EBB2D0}"/>
-              </a:ext>
-            </a:extLst>
-          </p:cNvPr>
-          <p:cNvPicPr>
-            <a:picLocks noChangeAspect="1"/>
-          </p:cNvPicPr>
-          <p:nvPr/>
-        </p:nvPicPr>
-        <p:blipFill>
-          <a:blip r:embed="rId2">
-            <a:extLst>
-              <a:ext uri="{28A0092B-C50C-407E-A947-70E740481C1C}">
-                <a14:useLocalDpi xmlns:a14="http://schemas.microsoft.com/office/drawing/2010/main" val="0"/>
-              </a:ext>
-            </a:extLst>
-          </a:blip>
-          <a:stretch>
-            <a:fillRect/>
-          </a:stretch>
-        </p:blipFill>
-        <p:spPr>
-          <a:xfrm>
-            <a:off x="1894660" y="707708"/>
-            <a:ext cx="7845878" cy="3043660"/>
-          </a:xfrm>
-          <a:prstGeom prst="rect">
-            <a:avLst/>
-          </a:prstGeom>
-        </p:spPr>
-      </p:pic>
-    </p:spTree>
-    <p:extLst>
-      <p:ext uri="{BB962C8B-B14F-4D97-AF65-F5344CB8AC3E}">
-        <p14:creationId xmlns:p14="http://schemas.microsoft.com/office/powerpoint/2010/main" val="1843203510"/>
-      </p:ext>
-    </p:extLst>
-  </p:cSld>
-  <p:clrMapOvr>
-    <a:masterClrMapping/>
-  </p:clrMapOvr>
-</p:sld>
-</file>
-
-<file path=ppt/slides/slide38.xml><?xml version="1.0" encoding="utf-8"?>
-<p:sld xmlns:a="http://schemas.openxmlformats.org/drawingml/2006/main" xmlns:r="http://schemas.openxmlformats.org/officeDocument/2006/relationships" xmlns:p="http://schemas.openxmlformats.org/presentationml/2006/main">
-  <p:cSld>
-    <p:spTree>
-      <p:nvGrpSpPr>
-        <p:cNvPr id="1" name=""/>
-        <p:cNvGrpSpPr/>
-        <p:nvPr/>
-      </p:nvGrpSpPr>
-      <p:grpSpPr>
-        <a:xfrm>
-          <a:off x="0" y="0"/>
-          <a:ext cx="0" cy="0"/>
-          <a:chOff x="0" y="0"/>
-          <a:chExt cx="0" cy="0"/>
-        </a:xfrm>
-      </p:grpSpPr>
-      <p:sp>
-        <p:nvSpPr>
-          <p:cNvPr id="2" name="标题 1">
-            <a:extLst>
-              <a:ext uri="{FF2B5EF4-FFF2-40B4-BE49-F238E27FC236}">
-                <a16:creationId xmlns:a16="http://schemas.microsoft.com/office/drawing/2014/main" id="{1DAECAE9-CF09-49A2-8632-A51073B7ADA2}"/>
-              </a:ext>
-            </a:extLst>
-          </p:cNvPr>
-          <p:cNvSpPr>
-            <a:spLocks noGrp="1"/>
-          </p:cNvSpPr>
-          <p:nvPr>
-            <p:ph type="title"/>
-          </p:nvPr>
-        </p:nvSpPr>
-        <p:spPr>
-          <a:xfrm>
-            <a:off x="838200" y="365126"/>
-            <a:ext cx="3516476" cy="471366"/>
-          </a:xfrm>
-        </p:spPr>
-        <p:txBody>
-          <a:bodyPr>
-            <a:normAutofit/>
-          </a:bodyPr>
-          <a:lstStyle/>
-          <a:p>
-            <a:r>
-              <a:rPr lang="zh-CN" altLang="en-US" sz="2400" b="1" dirty="0"/>
-              <a:t>当前问题及后续发展</a:t>
-            </a:r>
-          </a:p>
-        </p:txBody>
-      </p:sp>
-      <p:sp>
-        <p:nvSpPr>
-          <p:cNvPr id="5" name="文本框 4">
-            <a:extLst>
-              <a:ext uri="{FF2B5EF4-FFF2-40B4-BE49-F238E27FC236}">
-                <a16:creationId xmlns:a16="http://schemas.microsoft.com/office/drawing/2014/main" id="{F206ACB5-9873-4AA3-9674-6D46427F4F4F}"/>
-              </a:ext>
-            </a:extLst>
-          </p:cNvPr>
-          <p:cNvSpPr txBox="1"/>
-          <p:nvPr/>
-        </p:nvSpPr>
-        <p:spPr>
-          <a:xfrm>
-            <a:off x="838200" y="881196"/>
-            <a:ext cx="10525852" cy="2585323"/>
-          </a:xfrm>
-          <a:prstGeom prst="rect">
-            <a:avLst/>
-          </a:prstGeom>
-          <a:noFill/>
-        </p:spPr>
-        <p:txBody>
-          <a:bodyPr wrap="square">
-            <a:spAutoFit/>
-          </a:bodyPr>
-          <a:lstStyle/>
-          <a:p>
-            <a:pPr algn="just"/>
-            <a:r>
-              <a:rPr lang="en-US" altLang="zh-CN" dirty="0" err="1">
-                <a:solidFill>
-                  <a:srgbClr val="333333"/>
-                </a:solidFill>
-                <a:latin typeface="-apple-system"/>
-              </a:rPr>
-              <a:t>GoldenDB</a:t>
-            </a:r>
-            <a:r>
-              <a:rPr lang="zh-CN" altLang="en-US" dirty="0">
-                <a:solidFill>
-                  <a:srgbClr val="333333"/>
-                </a:solidFill>
-                <a:latin typeface="-apple-system"/>
-              </a:rPr>
-              <a:t>目前存在的不足：</a:t>
-            </a:r>
-            <a:endParaRPr lang="en-US" altLang="zh-CN" dirty="0">
-              <a:solidFill>
-                <a:srgbClr val="333333"/>
-              </a:solidFill>
-              <a:latin typeface="-apple-system"/>
-            </a:endParaRPr>
-          </a:p>
-          <a:p>
-            <a:r>
-              <a:rPr lang="en-US" altLang="zh-CN" dirty="0">
-                <a:solidFill>
-                  <a:srgbClr val="333333"/>
-                </a:solidFill>
-                <a:latin typeface="-apple-system"/>
-              </a:rPr>
-              <a:t>1</a:t>
-            </a:r>
-            <a:r>
-              <a:rPr lang="zh-CN" altLang="en-US" dirty="0">
-                <a:solidFill>
-                  <a:srgbClr val="333333"/>
-                </a:solidFill>
-                <a:latin typeface="-apple-system"/>
-              </a:rPr>
-              <a:t>、计算不出分片时</a:t>
-            </a:r>
-            <a:r>
-              <a:rPr lang="en-US" altLang="zh-CN" dirty="0">
-                <a:solidFill>
-                  <a:srgbClr val="333333"/>
-                </a:solidFill>
-                <a:latin typeface="-apple-system"/>
-              </a:rPr>
-              <a:t>SQL</a:t>
-            </a:r>
-            <a:r>
-              <a:rPr lang="zh-CN" altLang="en-US" dirty="0">
-                <a:solidFill>
-                  <a:srgbClr val="333333"/>
-                </a:solidFill>
-                <a:latin typeface="-apple-system"/>
-              </a:rPr>
-              <a:t>会群发</a:t>
-            </a:r>
-            <a:r>
-              <a:rPr lang="en-US" altLang="zh-CN" dirty="0">
-                <a:solidFill>
-                  <a:srgbClr val="333333"/>
-                </a:solidFill>
-                <a:latin typeface="-apple-system"/>
-              </a:rPr>
-              <a:t>DB</a:t>
-            </a:r>
-            <a:r>
-              <a:rPr lang="zh-CN" altLang="en-US" dirty="0">
-                <a:solidFill>
-                  <a:srgbClr val="333333"/>
-                </a:solidFill>
-                <a:latin typeface="-apple-system"/>
-              </a:rPr>
-              <a:t>，</a:t>
-            </a:r>
-            <a:r>
-              <a:rPr lang="zh-CN" altLang="zh-CN" dirty="0">
-                <a:solidFill>
-                  <a:srgbClr val="333333"/>
-                </a:solidFill>
-                <a:latin typeface="-apple-system"/>
-              </a:rPr>
-              <a:t>存在非必要的网络时延消耗</a:t>
-            </a:r>
-          </a:p>
-          <a:p>
-            <a:r>
-              <a:rPr lang="en-US" altLang="zh-CN" dirty="0">
-                <a:solidFill>
-                  <a:srgbClr val="333333"/>
-                </a:solidFill>
-                <a:latin typeface="-apple-system"/>
-              </a:rPr>
-              <a:t>2</a:t>
-            </a:r>
-            <a:r>
-              <a:rPr lang="zh-CN" altLang="en-US" dirty="0">
-                <a:solidFill>
-                  <a:srgbClr val="333333"/>
-                </a:solidFill>
-                <a:latin typeface="-apple-system"/>
-              </a:rPr>
-              <a:t>、</a:t>
-            </a:r>
-            <a:r>
-              <a:rPr lang="en-US" altLang="zh-CN" dirty="0">
-                <a:solidFill>
-                  <a:srgbClr val="333333"/>
-                </a:solidFill>
-                <a:latin typeface="-apple-system"/>
-              </a:rPr>
-              <a:t>CR</a:t>
-            </a:r>
-            <a:r>
-              <a:rPr lang="zh-CN" altLang="zh-CN" dirty="0">
-                <a:solidFill>
-                  <a:srgbClr val="333333"/>
-                </a:solidFill>
-                <a:latin typeface="-apple-system"/>
-              </a:rPr>
-              <a:t>检测冲突时性能下降较大</a:t>
-            </a:r>
-          </a:p>
-          <a:p>
-            <a:r>
-              <a:rPr lang="en-US" altLang="zh-CN" dirty="0">
-                <a:solidFill>
-                  <a:srgbClr val="333333"/>
-                </a:solidFill>
-                <a:latin typeface="-apple-system"/>
-              </a:rPr>
-              <a:t>3</a:t>
-            </a:r>
-            <a:r>
-              <a:rPr lang="zh-CN" altLang="en-US" dirty="0">
-                <a:solidFill>
-                  <a:srgbClr val="333333"/>
-                </a:solidFill>
-                <a:latin typeface="-apple-system"/>
-              </a:rPr>
-              <a:t>、</a:t>
-            </a:r>
-            <a:r>
-              <a:rPr lang="zh-CN" altLang="zh-CN" dirty="0">
-                <a:solidFill>
-                  <a:srgbClr val="333333"/>
-                </a:solidFill>
-                <a:latin typeface="-apple-system"/>
-              </a:rPr>
-              <a:t>被拆分的</a:t>
-            </a:r>
-            <a:r>
-              <a:rPr lang="en-US" altLang="zh-CN" dirty="0">
-                <a:solidFill>
-                  <a:srgbClr val="333333"/>
-                </a:solidFill>
-                <a:latin typeface="-apple-system"/>
-              </a:rPr>
-              <a:t>SQL</a:t>
-            </a:r>
-            <a:r>
-              <a:rPr lang="zh-CN" altLang="zh-CN" dirty="0">
-                <a:solidFill>
-                  <a:srgbClr val="333333"/>
-                </a:solidFill>
-                <a:latin typeface="-apple-system"/>
-              </a:rPr>
-              <a:t>语句，存在时差</a:t>
-            </a:r>
-          </a:p>
-          <a:p>
-            <a:r>
-              <a:rPr lang="en-US" altLang="zh-CN" dirty="0">
-                <a:solidFill>
-                  <a:srgbClr val="333333"/>
-                </a:solidFill>
-                <a:latin typeface="-apple-system"/>
-              </a:rPr>
-              <a:t>4</a:t>
-            </a:r>
-            <a:r>
-              <a:rPr lang="zh-CN" altLang="en-US" dirty="0">
-                <a:solidFill>
-                  <a:srgbClr val="333333"/>
-                </a:solidFill>
-                <a:latin typeface="-apple-system"/>
-              </a:rPr>
-              <a:t>、</a:t>
-            </a:r>
-            <a:r>
-              <a:rPr lang="en-US" altLang="zh-CN" dirty="0">
-                <a:solidFill>
-                  <a:srgbClr val="333333"/>
-                </a:solidFill>
-                <a:latin typeface="-apple-system"/>
-              </a:rPr>
-              <a:t>delete+</a:t>
-            </a:r>
-            <a:r>
-              <a:rPr lang="zh-CN" altLang="zh-CN" dirty="0">
-                <a:solidFill>
-                  <a:srgbClr val="333333"/>
-                </a:solidFill>
-                <a:latin typeface="-apple-system"/>
-              </a:rPr>
-              <a:t>汇聚函数的实现不是强一致性</a:t>
-            </a:r>
-          </a:p>
-          <a:p>
-            <a:pPr algn="just"/>
-            <a:r>
-              <a:rPr lang="en-US" altLang="zh-CN" b="0" i="0" dirty="0">
-                <a:solidFill>
-                  <a:srgbClr val="333333"/>
-                </a:solidFill>
-                <a:effectLst/>
-                <a:latin typeface="-apple-system"/>
-              </a:rPr>
-              <a:t>5</a:t>
-            </a:r>
-            <a:r>
-              <a:rPr lang="zh-CN" altLang="en-US" b="0" i="0" dirty="0">
-                <a:solidFill>
-                  <a:srgbClr val="333333"/>
-                </a:solidFill>
-                <a:effectLst/>
-                <a:latin typeface="-apple-system"/>
-              </a:rPr>
-              <a:t>、</a:t>
-            </a:r>
-            <a:r>
-              <a:rPr lang="en-US" altLang="zh-CN" b="0" i="0" dirty="0">
-                <a:solidFill>
-                  <a:srgbClr val="333333"/>
-                </a:solidFill>
-                <a:effectLst/>
-                <a:latin typeface="-apple-system"/>
-              </a:rPr>
-              <a:t>HTAP</a:t>
-            </a:r>
-            <a:r>
-              <a:rPr lang="zh-CN" altLang="en-US" b="0" i="0" dirty="0">
-                <a:solidFill>
-                  <a:srgbClr val="333333"/>
-                </a:solidFill>
-                <a:effectLst/>
-                <a:latin typeface="-apple-system"/>
-              </a:rPr>
-              <a:t>无法保证一致性，不具备商用条件</a:t>
+              <a:t>索引失效优化、全局唯一索引写操作慢</a:t>
             </a:r>
             <a:endParaRPr lang="en-US" altLang="zh-CN" b="0" i="0" dirty="0">
               <a:solidFill>
@@ -16550,54 +16574,6 @@
           <a:p>
             <a:pPr algn="ctr"/>
             <a:endParaRPr lang="en-US" dirty="0"/>
-          </a:p>
-        </p:txBody>
-      </p:sp>
-      <p:sp>
-        <p:nvSpPr>
-          <p:cNvPr id="3" name="内容占位符 2">
-            <a:extLst>
-              <a:ext uri="{FF2B5EF4-FFF2-40B4-BE49-F238E27FC236}">
-                <a16:creationId xmlns:a16="http://schemas.microsoft.com/office/drawing/2014/main" id="{4EDDA4F0-E93C-4863-AA1D-EE9A780FBC1A}"/>
-              </a:ext>
-            </a:extLst>
-          </p:cNvPr>
-          <p:cNvSpPr>
-            <a:spLocks noGrp="1"/>
-          </p:cNvSpPr>
-          <p:nvPr>
-            <p:ph idx="1"/>
-          </p:nvPr>
-        </p:nvSpPr>
-        <p:spPr>
-          <a:xfrm>
-            <a:off x="670705" y="526916"/>
-            <a:ext cx="4246394" cy="433351"/>
-          </a:xfrm>
-        </p:spPr>
-        <p:txBody>
-          <a:bodyPr>
-            <a:normAutofit/>
-          </a:bodyPr>
-          <a:lstStyle/>
-          <a:p>
-            <a:pPr marL="0" indent="0">
-              <a:buNone/>
-            </a:pPr>
-            <a:r>
-              <a:rPr lang="en-US" altLang="zh-CN" sz="2400" b="1" dirty="0" err="1"/>
-              <a:t>GoldenDB</a:t>
-            </a:r>
-            <a:r>
-              <a:rPr lang="zh-CN" altLang="en-US" sz="2400" b="1" dirty="0"/>
-              <a:t>组件和进程列表</a:t>
-            </a:r>
-          </a:p>
-          <a:p>
-            <a:pPr marL="0" indent="0">
-              <a:buNone/>
-            </a:pPr>
-            <a:endParaRPr lang="zh-CN" altLang="en-US" sz="2000" dirty="0"/>
           </a:p>
         </p:txBody>
       </p:sp>
@@ -16943,14 +16919,49 @@
         </p:blipFill>
         <p:spPr>
           <a:xfrm>
-            <a:off x="1341409" y="1321553"/>
-            <a:ext cx="9718352" cy="4792855"/>
+            <a:off x="1540785" y="1209793"/>
+            <a:ext cx="9246092" cy="4559948"/>
           </a:xfrm>
           <a:prstGeom prst="rect">
             <a:avLst/>
           </a:prstGeom>
         </p:spPr>
       </p:pic>
+      <p:sp>
+        <p:nvSpPr>
+          <p:cNvPr id="14" name="标题 1">
+            <a:extLst>
+              <a:ext uri="{FF2B5EF4-FFF2-40B4-BE49-F238E27FC236}">
+                <a16:creationId xmlns:a16="http://schemas.microsoft.com/office/drawing/2014/main" id="{08CB8CED-CA1D-4B01-890C-86F422E4BD3B}"/>
+              </a:ext>
+            </a:extLst>
+          </p:cNvPr>
+          <p:cNvSpPr>
+            <a:spLocks noGrp="1"/>
+          </p:cNvSpPr>
+          <p:nvPr>
+            <p:ph type="title"/>
+          </p:nvPr>
+        </p:nvSpPr>
+        <p:spPr>
+          <a:xfrm>
+            <a:off x="839287" y="354176"/>
+            <a:ext cx="3180239" cy="684590"/>
+          </a:xfrm>
+        </p:spPr>
+        <p:txBody>
+          <a:bodyPr>
+            <a:normAutofit/>
+          </a:bodyPr>
+          <a:lstStyle/>
+          <a:p>
+            <a:r>
+              <a:rPr lang="zh-CN" altLang="en-US" sz="2400" b="1" dirty="0"/>
+              <a:t>组件和进程</a:t>
+            </a:r>
+          </a:p>
+        </p:txBody>
+      </p:sp>
     </p:spTree>
     <p:extLst>
       <p:ext uri="{BB962C8B-B14F-4D97-AF65-F5344CB8AC3E}">
@@ -17070,7 +17081,7 @@
         </p:nvSpPr>
         <p:spPr>
           <a:xfrm>
-            <a:off x="1131423" y="553795"/>
+            <a:off x="810665" y="354880"/>
             <a:ext cx="2718901" cy="727981"/>
           </a:xfrm>
         </p:spPr>
@@ -18462,85 +18473,6 @@
           </a:p>
         </p:txBody>
       </p:sp>
-      <p:sp>
-        <p:nvSpPr>
-          <p:cNvPr id="3" name="内容占位符 2">
-            <a:extLst>
-              <a:ext uri="{FF2B5EF4-FFF2-40B4-BE49-F238E27FC236}">
-                <a16:creationId xmlns:a16="http://schemas.microsoft.com/office/drawing/2014/main" id="{9D9A9059-496D-4182-B782-EA34B11956DF}"/>
-              </a:ext>
-            </a:extLst>
-          </p:cNvPr>
-          <p:cNvSpPr>
-            <a:spLocks noGrp="1"/>
-          </p:cNvSpPr>
-          <p:nvPr>
-            <p:ph idx="1"/>
-          </p:nvPr>
-        </p:nvSpPr>
-        <p:spPr>
-          <a:xfrm>
-            <a:off x="856693" y="712940"/>
-            <a:ext cx="4008384" cy="390257"/>
-          </a:xfrm>
-        </p:spPr>
-        <p:txBody>
-          <a:bodyPr>
-            <a:normAutofit/>
-          </a:bodyPr>
-          <a:lstStyle/>
-          <a:p>
-            <a:pPr marL="0" indent="0">
-              <a:buNone/>
-            </a:pPr>
-            <a:r>
-              <a:rPr lang="zh-CN" altLang="en-US" sz="2000" b="1" kern="100" dirty="0">
-                <a:latin typeface="Times New Roman" panose="02020603050405020304" pitchFamily="18" charset="0"/>
-                <a:ea typeface="仿宋" panose="02010609060101010101" pitchFamily="49" charset="-122"/>
-                <a:cs typeface="Times New Roman" panose="02020603050405020304" pitchFamily="18" charset="0"/>
-              </a:rPr>
-              <a:t>分片路由</a:t>
-            </a:r>
-            <a:r>
-              <a:rPr lang="en-US" altLang="zh-CN" sz="2000" b="1" kern="100" dirty="0">
-                <a:latin typeface="Times New Roman" panose="02020603050405020304" pitchFamily="18" charset="0"/>
-                <a:ea typeface="仿宋" panose="02010609060101010101" pitchFamily="49" charset="-122"/>
-                <a:cs typeface="Times New Roman" panose="02020603050405020304" pitchFamily="18" charset="0"/>
-              </a:rPr>
-              <a:t>——</a:t>
-            </a:r>
-            <a:r>
-              <a:rPr lang="zh-CN" altLang="en-US" sz="2000" b="1" kern="100" dirty="0">
-                <a:latin typeface="Times New Roman" panose="02020603050405020304" pitchFamily="18" charset="0"/>
-                <a:ea typeface="仿宋" panose="02010609060101010101" pitchFamily="49" charset="-122"/>
-                <a:cs typeface="Times New Roman" panose="02020603050405020304" pitchFamily="18" charset="0"/>
-              </a:rPr>
-              <a:t>表分片</a:t>
-            </a:r>
-            <a:r>
-              <a:rPr lang="en-US" altLang="zh-CN" sz="2000" b="1" kern="100" dirty="0">
-                <a:latin typeface="Times New Roman" panose="02020603050405020304" pitchFamily="18" charset="0"/>
-                <a:ea typeface="仿宋" panose="02010609060101010101" pitchFamily="49" charset="-122"/>
-                <a:cs typeface="Times New Roman" panose="02020603050405020304" pitchFamily="18" charset="0"/>
-              </a:rPr>
-              <a:t>DDL</a:t>
-            </a:r>
-          </a:p>
-          <a:p>
-            <a:pPr marL="0" indent="0">
-              <a:buNone/>
-            </a:pPr>
-            <a:endParaRPr lang="en-US" altLang="zh-CN" sz="2000" kern="100" dirty="0">
-              <a:latin typeface="Times New Roman" panose="02020603050405020304" pitchFamily="18" charset="0"/>
-              <a:ea typeface="仿宋" panose="02010609060101010101" pitchFamily="49" charset="-122"/>
-              <a:cs typeface="Times New Roman" panose="02020603050405020304" pitchFamily="18" charset="0"/>
-            </a:endParaRPr>
-          </a:p>
-          <a:p>
-            <a:endParaRPr lang="zh-CN" altLang="en-US" sz="2000" dirty="0"/>
-          </a:p>
-        </p:txBody>
-      </p:sp>
       <p:grpSp>
         <p:nvGrpSpPr>
           <p:cNvPr id="12" name="Group 11">
@@ -18897,6 +18829,65 @@
           </a:prstGeom>
         </p:spPr>
       </p:pic>
+      <p:sp>
+        <p:nvSpPr>
+          <p:cNvPr id="19" name="标题 1">
+            <a:extLst>
+              <a:ext uri="{FF2B5EF4-FFF2-40B4-BE49-F238E27FC236}">
+                <a16:creationId xmlns:a16="http://schemas.microsoft.com/office/drawing/2014/main" id="{24DA9ACE-815F-47C3-BC03-AD7C9F78AA05}"/>
+              </a:ext>
+            </a:extLst>
+          </p:cNvPr>
+          <p:cNvSpPr txBox="1">
+            <a:spLocks/>
+          </p:cNvSpPr>
+          <p:nvPr/>
+        </p:nvSpPr>
+        <p:spPr>
+          <a:xfrm>
+            <a:off x="731317" y="293969"/>
+            <a:ext cx="2337559" cy="498356"/>
+          </a:xfrm>
+          <a:prstGeom prst="rect">
+            <a:avLst/>
+          </a:prstGeom>
+        </p:spPr>
+        <p:txBody>
+          <a:bodyPr vert="horz" lIns="91440" tIns="45720" rIns="91440" bIns="45720" rtlCol="0" anchor="ctr">
+            <a:normAutofit/>
+          </a:bodyPr>
+          <a:lstStyle>
+            <a:lvl1pPr algn="l" defTabSz="914400" rtl="0" eaLnBrk="1" latinLnBrk="0" hangingPunct="1">
+              <a:lnSpc>
+                <a:spcPct val="90000"/>
+              </a:lnSpc>
+              <a:spcBef>
+                <a:spcPct val="0"/>
+              </a:spcBef>
+              <a:buNone/>
+              <a:defRPr sz="4400" kern="1200">
+                <a:solidFill>
+                  <a:schemeClr val="tx1"/>
+                </a:solidFill>
+                <a:latin typeface="+mj-lt"/>
+                <a:ea typeface="+mj-ea"/>
+                <a:cs typeface="+mj-cs"/>
+              </a:defRPr>
+            </a:lvl1pPr>
+          </a:lstStyle>
+          <a:p>
+            <a:r>
+              <a:rPr lang="zh-CN" altLang="en-US" sz="2400" b="1" dirty="0"/>
+              <a:t>分片路由</a:t>
+            </a:r>
+            <a:r>
+              <a:rPr lang="en-US" altLang="zh-CN" sz="2400" b="1" dirty="0"/>
+              <a:t>—DDL</a:t>
+            </a:r>
+            <a:endParaRPr lang="zh-CN" altLang="en-US" sz="2400" b="1" dirty="0"/>
+          </a:p>
+        </p:txBody>
+      </p:sp>
     </p:spTree>
     <p:extLst>
       <p:ext uri="{BB962C8B-B14F-4D97-AF65-F5344CB8AC3E}">
@@ -18927,85 +18918,6 @@
           <a:chExt cx="0" cy="0"/>
         </a:xfrm>
       </p:grpSpPr>
-      <p:sp>
-        <p:nvSpPr>
-          <p:cNvPr id="3" name="内容占位符 2">
-            <a:extLst>
-              <a:ext uri="{FF2B5EF4-FFF2-40B4-BE49-F238E27FC236}">
-                <a16:creationId xmlns:a16="http://schemas.microsoft.com/office/drawing/2014/main" id="{9D9A9059-496D-4182-B782-EA34B11956DF}"/>
-              </a:ext>
-            </a:extLst>
-          </p:cNvPr>
-          <p:cNvSpPr>
-            <a:spLocks noGrp="1"/>
-          </p:cNvSpPr>
-          <p:nvPr>
-            <p:ph idx="1"/>
-          </p:nvPr>
-        </p:nvSpPr>
-        <p:spPr>
-          <a:xfrm>
-            <a:off x="881743" y="440962"/>
-            <a:ext cx="4284822" cy="444735"/>
-          </a:xfrm>
-        </p:spPr>
-        <p:txBody>
-          <a:bodyPr>
-            <a:normAutofit/>
-          </a:bodyPr>
-          <a:lstStyle/>
-          <a:p>
-            <a:pPr marL="0" indent="0">
-              <a:buNone/>
-            </a:pPr>
-            <a:r>
-              <a:rPr lang="zh-CN" altLang="en-US" sz="2000" b="1" kern="100" dirty="0">
-                <a:latin typeface="Times New Roman" panose="02020603050405020304" pitchFamily="18" charset="0"/>
-                <a:ea typeface="仿宋" panose="02010609060101010101" pitchFamily="49" charset="-122"/>
-                <a:cs typeface="Times New Roman" panose="02020603050405020304" pitchFamily="18" charset="0"/>
-              </a:rPr>
-              <a:t>分片路由</a:t>
-            </a:r>
-            <a:r>
-              <a:rPr lang="en-US" altLang="zh-CN" sz="2000" b="1" kern="100" dirty="0">
-                <a:latin typeface="Times New Roman" panose="02020603050405020304" pitchFamily="18" charset="0"/>
-                <a:ea typeface="仿宋" panose="02010609060101010101" pitchFamily="49" charset="-122"/>
-                <a:cs typeface="Times New Roman" panose="02020603050405020304" pitchFamily="18" charset="0"/>
-              </a:rPr>
-              <a:t>——</a:t>
-            </a:r>
-            <a:r>
-              <a:rPr lang="zh-CN" altLang="en-US" sz="2000" b="1" kern="100" dirty="0">
-                <a:latin typeface="Times New Roman" panose="02020603050405020304" pitchFamily="18" charset="0"/>
-                <a:ea typeface="仿宋" panose="02010609060101010101" pitchFamily="49" charset="-122"/>
-                <a:cs typeface="Times New Roman" panose="02020603050405020304" pitchFamily="18" charset="0"/>
-              </a:rPr>
-              <a:t>表分片</a:t>
-            </a:r>
-            <a:r>
-              <a:rPr lang="en-US" altLang="zh-CN" sz="2000" b="1" kern="100" dirty="0">
-                <a:latin typeface="Times New Roman" panose="02020603050405020304" pitchFamily="18" charset="0"/>
-                <a:ea typeface="仿宋" panose="02010609060101010101" pitchFamily="49" charset="-122"/>
-                <a:cs typeface="Times New Roman" panose="02020603050405020304" pitchFamily="18" charset="0"/>
-              </a:rPr>
-              <a:t>INSERT</a:t>
-            </a:r>
-          </a:p>
-          <a:p>
-            <a:pPr marL="0" indent="0">
-              <a:buNone/>
-            </a:pPr>
-            <a:endParaRPr lang="en-US" altLang="zh-CN" sz="2800" kern="100" dirty="0">
-              <a:latin typeface="Times New Roman" panose="02020603050405020304" pitchFamily="18" charset="0"/>
-              <a:ea typeface="仿宋" panose="02010609060101010101" pitchFamily="49" charset="-122"/>
-              <a:cs typeface="Times New Roman" panose="02020603050405020304" pitchFamily="18" charset="0"/>
-            </a:endParaRPr>
-          </a:p>
-          <a:p>
-            <a:endParaRPr lang="zh-CN" altLang="en-US" dirty="0"/>
-          </a:p>
-        </p:txBody>
-      </p:sp>
       <p:pic>
         <p:nvPicPr>
           <p:cNvPr id="4" name="图片 3" descr="图形用户界面, 应用程序&#10;&#10;描述已自动生成">
@@ -19042,6 +18954,65 @@
           </a:prstGeom>
         </p:spPr>
       </p:pic>
+      <p:sp>
+        <p:nvSpPr>
+          <p:cNvPr id="8" name="标题 1">
+            <a:extLst>
+              <a:ext uri="{FF2B5EF4-FFF2-40B4-BE49-F238E27FC236}">
+                <a16:creationId xmlns:a16="http://schemas.microsoft.com/office/drawing/2014/main" id="{A177A689-EFBF-41CB-9DB8-8093413FF20B}"/>
+              </a:ext>
+            </a:extLst>
+          </p:cNvPr>
+          <p:cNvSpPr txBox="1">
+            <a:spLocks/>
+          </p:cNvSpPr>
+          <p:nvPr/>
+        </p:nvSpPr>
+        <p:spPr>
+          <a:xfrm>
+            <a:off x="731317" y="293968"/>
+            <a:ext cx="2428390" cy="534257"/>
+          </a:xfrm>
+          <a:prstGeom prst="rect">
+            <a:avLst/>
+          </a:prstGeom>
+        </p:spPr>
+        <p:txBody>
+          <a:bodyPr vert="horz" lIns="91440" tIns="45720" rIns="91440" bIns="45720" rtlCol="0" anchor="ctr">
+            <a:normAutofit fontScale="92500"/>
+          </a:bodyPr>
+          <a:lstStyle>
+            <a:lvl1pPr algn="l" defTabSz="914400" rtl="0" eaLnBrk="1" latinLnBrk="0" hangingPunct="1">
+              <a:lnSpc>
+                <a:spcPct val="90000"/>
+              </a:lnSpc>
+              <a:spcBef>
+                <a:spcPct val="0"/>
+              </a:spcBef>
+              <a:buNone/>
+              <a:defRPr sz="4400" kern="1200">
+                <a:solidFill>
+                  <a:schemeClr val="tx1"/>
+                </a:solidFill>
+                <a:latin typeface="+mj-lt"/>
+                <a:ea typeface="+mj-ea"/>
+                <a:cs typeface="+mj-cs"/>
+              </a:defRPr>
+            </a:lvl1pPr>
+          </a:lstStyle>
+          <a:p>
+            <a:r>
+              <a:rPr lang="zh-CN" altLang="en-US" sz="2400" b="1" dirty="0"/>
+              <a:t>分片路由</a:t>
+            </a:r>
+            <a:r>
+              <a:rPr lang="en-US" altLang="zh-CN" sz="2400" b="1" dirty="0"/>
+              <a:t>—INSERT</a:t>
+            </a:r>
+            <a:endParaRPr lang="zh-CN" altLang="en-US" sz="2400" b="1" dirty="0"/>
+          </a:p>
+        </p:txBody>
+      </p:sp>
     </p:spTree>
     <p:extLst>
       <p:ext uri="{BB962C8B-B14F-4D97-AF65-F5344CB8AC3E}">
@@ -19072,85 +19043,6 @@
           <a:chExt cx="0" cy="0"/>
         </a:xfrm>
       </p:grpSpPr>
-      <p:sp>
-        <p:nvSpPr>
-          <p:cNvPr id="3" name="内容占位符 2">
-            <a:extLst>
-              <a:ext uri="{FF2B5EF4-FFF2-40B4-BE49-F238E27FC236}">
-                <a16:creationId xmlns:a16="http://schemas.microsoft.com/office/drawing/2014/main" id="{9D9A9059-496D-4182-B782-EA34B11956DF}"/>
-              </a:ext>
-            </a:extLst>
-          </p:cNvPr>
-          <p:cNvSpPr>
-            <a:spLocks noGrp="1"/>
-          </p:cNvSpPr>
-          <p:nvPr>
-            <p:ph idx="1"/>
-          </p:nvPr>
-        </p:nvSpPr>
-        <p:spPr>
-          <a:xfrm>
-            <a:off x="881743" y="440962"/>
-            <a:ext cx="4604657" cy="391429"/>
-          </a:xfrm>
-        </p:spPr>
-        <p:txBody>
-          <a:bodyPr>
-            <a:normAutofit/>
-          </a:bodyPr>
-          <a:lstStyle/>
-          <a:p>
-            <a:pPr marL="0" indent="0">
-              <a:buNone/>
-            </a:pPr>
-            <a:r>
-              <a:rPr lang="zh-CN" altLang="en-US" sz="2000" b="1" kern="100" dirty="0">
-                <a:latin typeface="Times New Roman" panose="02020603050405020304" pitchFamily="18" charset="0"/>
-                <a:ea typeface="仿宋" panose="02010609060101010101" pitchFamily="49" charset="-122"/>
-                <a:cs typeface="Times New Roman" panose="02020603050405020304" pitchFamily="18" charset="0"/>
-              </a:rPr>
-              <a:t>分片路由</a:t>
-            </a:r>
-            <a:r>
-              <a:rPr lang="en-US" altLang="zh-CN" sz="2000" b="1" kern="100" dirty="0">
-                <a:latin typeface="Times New Roman" panose="02020603050405020304" pitchFamily="18" charset="0"/>
-                <a:ea typeface="仿宋" panose="02010609060101010101" pitchFamily="49" charset="-122"/>
-                <a:cs typeface="Times New Roman" panose="02020603050405020304" pitchFamily="18" charset="0"/>
-              </a:rPr>
-              <a:t>——</a:t>
-            </a:r>
-            <a:r>
-              <a:rPr lang="zh-CN" altLang="en-US" sz="2000" b="1" kern="100" dirty="0">
-                <a:latin typeface="Times New Roman" panose="02020603050405020304" pitchFamily="18" charset="0"/>
-                <a:ea typeface="仿宋" panose="02010609060101010101" pitchFamily="49" charset="-122"/>
-                <a:cs typeface="Times New Roman" panose="02020603050405020304" pitchFamily="18" charset="0"/>
-              </a:rPr>
-              <a:t>表分片</a:t>
-            </a:r>
-            <a:r>
-              <a:rPr lang="en-US" altLang="zh-CN" sz="2000" b="1" kern="100" dirty="0">
-                <a:latin typeface="Times New Roman" panose="02020603050405020304" pitchFamily="18" charset="0"/>
-                <a:ea typeface="仿宋" panose="02010609060101010101" pitchFamily="49" charset="-122"/>
-                <a:cs typeface="Times New Roman" panose="02020603050405020304" pitchFamily="18" charset="0"/>
-              </a:rPr>
-              <a:t>SELECT</a:t>
-            </a:r>
-          </a:p>
-          <a:p>
-            <a:pPr marL="0" indent="0">
-              <a:buNone/>
-            </a:pPr>
-            <a:endParaRPr lang="en-US" altLang="zh-CN" sz="2800" kern="100" dirty="0">
-              <a:latin typeface="Times New Roman" panose="02020603050405020304" pitchFamily="18" charset="0"/>
-              <a:ea typeface="仿宋" panose="02010609060101010101" pitchFamily="49" charset="-122"/>
-              <a:cs typeface="Times New Roman" panose="02020603050405020304" pitchFamily="18" charset="0"/>
-            </a:endParaRPr>
-          </a:p>
-          <a:p>
-            <a:endParaRPr lang="zh-CN" altLang="en-US" dirty="0"/>
-          </a:p>
-        </p:txBody>
-      </p:sp>
       <p:pic>
         <p:nvPicPr>
           <p:cNvPr id="5" name="图片 4" descr="图形用户界面, 图示&#10;&#10;描述已自动生成">
@@ -19187,6 +19079,65 @@
           </a:prstGeom>
         </p:spPr>
       </p:pic>
+      <p:sp>
+        <p:nvSpPr>
+          <p:cNvPr id="8" name="标题 1">
+            <a:extLst>
+              <a:ext uri="{FF2B5EF4-FFF2-40B4-BE49-F238E27FC236}">
+                <a16:creationId xmlns:a16="http://schemas.microsoft.com/office/drawing/2014/main" id="{788BDDC4-C8D9-4A3E-B455-F670BC1EDB52}"/>
+              </a:ext>
+            </a:extLst>
+          </p:cNvPr>
+          <p:cNvSpPr txBox="1">
+            <a:spLocks/>
+          </p:cNvSpPr>
+          <p:nvPr/>
+        </p:nvSpPr>
+        <p:spPr>
+          <a:xfrm>
+            <a:off x="731317" y="293969"/>
+            <a:ext cx="2337559" cy="498356"/>
+          </a:xfrm>
+          <a:prstGeom prst="rect">
+            <a:avLst/>
+          </a:prstGeom>
+        </p:spPr>
+        <p:txBody>
+          <a:bodyPr vert="horz" lIns="91440" tIns="45720" rIns="91440" bIns="45720" rtlCol="0" anchor="ctr">
+            <a:normAutofit fontScale="85000" lnSpcReduction="10000"/>
+          </a:bodyPr>
+          <a:lstStyle>
+            <a:lvl1pPr algn="l" defTabSz="914400" rtl="0" eaLnBrk="1" latinLnBrk="0" hangingPunct="1">
+              <a:lnSpc>
+                <a:spcPct val="90000"/>
+              </a:lnSpc>
+              <a:spcBef>
+                <a:spcPct val="0"/>
+              </a:spcBef>
+              <a:buNone/>
+              <a:defRPr sz="4400" kern="1200">
+                <a:solidFill>
+                  <a:schemeClr val="tx1"/>
+                </a:solidFill>
+                <a:latin typeface="+mj-lt"/>
+                <a:ea typeface="+mj-ea"/>
+                <a:cs typeface="+mj-cs"/>
+              </a:defRPr>
+            </a:lvl1pPr>
+          </a:lstStyle>
+          <a:p>
+            <a:r>
+              <a:rPr lang="zh-CN" altLang="en-US" sz="2400" b="1" dirty="0"/>
+              <a:t>分片路由</a:t>
+            </a:r>
+            <a:r>
+              <a:rPr lang="en-US" altLang="zh-CN" sz="2400" b="1" dirty="0"/>
+              <a:t>—SELECT</a:t>
+            </a:r>
+            <a:endParaRPr lang="zh-CN" altLang="en-US" sz="2400" b="1" dirty="0"/>
+          </a:p>
+        </p:txBody>
+      </p:sp>
     </p:spTree>
     <p:extLst>
       <p:ext uri="{BB962C8B-B14F-4D97-AF65-F5344CB8AC3E}">
